--- a/月工作报告_2017_11月__熊欣.pptx
+++ b/月工作报告_2017_11月__熊欣.pptx
@@ -18,10 +18,11 @@
     <p:sldId id="311" r:id="rId12"/>
     <p:sldId id="362" r:id="rId13"/>
     <p:sldId id="363" r:id="rId14"/>
-    <p:sldId id="365" r:id="rId15"/>
-    <p:sldId id="366" r:id="rId16"/>
-    <p:sldId id="364" r:id="rId17"/>
-    <p:sldId id="349" r:id="rId18"/>
+    <p:sldId id="364" r:id="rId15"/>
+    <p:sldId id="367" r:id="rId16"/>
+    <p:sldId id="368" r:id="rId17"/>
+    <p:sldId id="369" r:id="rId18"/>
+    <p:sldId id="349" r:id="rId19"/>
   </p:sldIdLst>
   <p:sldSz cx="9144000" cy="6858000" type="screen4x3"/>
   <p:notesSz cx="6858000" cy="9144000"/>
@@ -35427,7 +35428,7 @@
         <p:spPr bwMode="auto">
           <a:xfrm>
             <a:off x="538152" y="979878"/>
-            <a:ext cx="7673609" cy="5336846"/>
+            <a:ext cx="7673609" cy="4598182"/>
           </a:xfrm>
           <a:prstGeom prst="rect">
             <a:avLst/>
@@ -35631,69 +35632,7 @@
                 <a:latin typeface="华文仿宋" pitchFamily="2" charset="-122"/>
                 <a:ea typeface="华文仿宋" pitchFamily="2" charset="-122"/>
               </a:rPr>
-              <a:t>网纹镜添加</a:t>
-            </a:r>
-            <a:r>
-              <a:rPr lang="en-US" altLang="zh-CN" sz="2000" dirty="0">
-                <a:latin typeface="华文仿宋" pitchFamily="2" charset="-122"/>
-                <a:ea typeface="华文仿宋" pitchFamily="2" charset="-122"/>
-              </a:rPr>
-              <a:t>Y</a:t>
-            </a:r>
-            <a:r>
-              <a:rPr lang="zh-CN" altLang="en-US" sz="2000" dirty="0">
-                <a:latin typeface="华文仿宋" pitchFamily="2" charset="-122"/>
-                <a:ea typeface="华文仿宋" pitchFamily="2" charset="-122"/>
-              </a:rPr>
-              <a:t>方向误差补充功能</a:t>
-            </a:r>
-            <a:endParaRPr lang="en-US" altLang="zh-CN" sz="2000" dirty="0">
-              <a:latin typeface="华文仿宋" pitchFamily="2" charset="-122"/>
-              <a:ea typeface="华文仿宋" pitchFamily="2" charset="-122"/>
-            </a:endParaRPr>
-          </a:p>
-          <a:p>
-            <a:pPr lvl="1">
-              <a:buFont typeface="Wingdings" pitchFamily="2" charset="2"/>
-              <a:buChar char="Ø"/>
-            </a:pPr>
-            <a:r>
-              <a:rPr lang="zh-CN" altLang="en-US" sz="2000" dirty="0">
-                <a:latin typeface="华文仿宋" pitchFamily="2" charset="-122"/>
-                <a:ea typeface="华文仿宋" pitchFamily="2" charset="-122"/>
-              </a:rPr>
-              <a:t>斜面</a:t>
-            </a:r>
-            <a:r>
-              <a:rPr lang="en-US" altLang="zh-CN" sz="2000" dirty="0">
-                <a:latin typeface="华文仿宋" pitchFamily="2" charset="-122"/>
-                <a:ea typeface="华文仿宋" pitchFamily="2" charset="-122"/>
-              </a:rPr>
-              <a:t>V</a:t>
-            </a:r>
-            <a:r>
-              <a:rPr lang="zh-CN" altLang="en-US" sz="2000" dirty="0">
-                <a:latin typeface="华文仿宋" pitchFamily="2" charset="-122"/>
-                <a:ea typeface="华文仿宋" pitchFamily="2" charset="-122"/>
-              </a:rPr>
-              <a:t>型槽</a:t>
-            </a:r>
-            <a:endParaRPr lang="en-US" altLang="zh-CN" sz="2000" dirty="0">
-              <a:latin typeface="华文仿宋" pitchFamily="2" charset="-122"/>
-              <a:ea typeface="华文仿宋" pitchFamily="2" charset="-122"/>
-            </a:endParaRPr>
-          </a:p>
-          <a:p>
-            <a:pPr lvl="1">
-              <a:buFont typeface="Wingdings" pitchFamily="2" charset="2"/>
-              <a:buChar char="Ø"/>
-            </a:pPr>
-            <a:r>
-              <a:rPr lang="zh-CN" altLang="en-US" sz="2000" dirty="0">
-                <a:latin typeface="华文仿宋" pitchFamily="2" charset="-122"/>
-                <a:ea typeface="华文仿宋" pitchFamily="2" charset="-122"/>
-              </a:rPr>
-              <a:t>过往程序功能的一些补充和修复</a:t>
+              <a:t>网纹镜九宫格拼接方式功能开发</a:t>
             </a:r>
             <a:endParaRPr lang="en-US" altLang="zh-CN" sz="2000" dirty="0">
               <a:latin typeface="华文仿宋" pitchFamily="2" charset="-122"/>
@@ -36639,35 +36578,7 @@
                 <a:latin typeface="黑体" pitchFamily="49" charset="-122"/>
                 <a:ea typeface="黑体" pitchFamily="49" charset="-122"/>
               </a:rPr>
-              <a:t>斜面</a:t>
-            </a:r>
-            <a:r>
-              <a:rPr lang="en-US" altLang="zh-CN" sz="2800" b="1" dirty="0">
-                <a:latin typeface="黑体" pitchFamily="49" charset="-122"/>
-                <a:ea typeface="黑体" pitchFamily="49" charset="-122"/>
-              </a:rPr>
-              <a:t>V</a:t>
-            </a:r>
-            <a:r>
-              <a:rPr lang="zh-CN" altLang="en-US" sz="2800" b="1" dirty="0">
-                <a:latin typeface="黑体" pitchFamily="49" charset="-122"/>
-                <a:ea typeface="黑体" pitchFamily="49" charset="-122"/>
-              </a:rPr>
-              <a:t>型槽</a:t>
-            </a:r>
-            <a:r>
-              <a:rPr lang="en-US" altLang="zh-CN" sz="2800" b="1" dirty="0">
-                <a:latin typeface="黑体" pitchFamily="49" charset="-122"/>
-                <a:ea typeface="黑体" pitchFamily="49" charset="-122"/>
-              </a:rPr>
-              <a:t>-</a:t>
-            </a:r>
-            <a:r>
-              <a:rPr lang="zh-CN" altLang="en-US" sz="2800" b="1" dirty="0">
-                <a:latin typeface="黑体" pitchFamily="49" charset="-122"/>
-                <a:ea typeface="黑体" pitchFamily="49" charset="-122"/>
-              </a:rPr>
-              <a:t>不等周期</a:t>
+              <a:t>网纹镜</a:t>
             </a:r>
           </a:p>
         </p:txBody>
@@ -36686,7 +36597,7 @@
         </p:nvSpPr>
         <p:spPr>
           <a:xfrm>
-            <a:off x="1329718" y="3880241"/>
+            <a:off x="1159069" y="3624420"/>
             <a:ext cx="649537" cy="369332"/>
           </a:xfrm>
           <a:prstGeom prst="rect">
@@ -36695,7 +36606,7 @@
           <a:noFill/>
         </p:spPr>
         <p:txBody>
-          <a:bodyPr wrap="none" rtlCol="0">
+          <a:bodyPr wrap="square" rtlCol="0">
             <a:spAutoFit/>
           </a:bodyPr>
           <a:lstStyle/>
@@ -36735,8 +36646,8 @@
         </p:blipFill>
         <p:spPr>
           <a:xfrm>
-            <a:off x="3463209" y="961193"/>
-            <a:ext cx="2919048" cy="2919048"/>
+            <a:off x="2978954" y="978590"/>
+            <a:ext cx="2574676" cy="2574676"/>
           </a:xfrm>
           <a:prstGeom prst="rect">
             <a:avLst/>
@@ -36765,8 +36676,8 @@
         </p:blipFill>
         <p:spPr>
           <a:xfrm>
-            <a:off x="196499" y="961193"/>
-            <a:ext cx="2915977" cy="2935680"/>
+            <a:off x="196500" y="961193"/>
+            <a:ext cx="2574676" cy="2592073"/>
           </a:xfrm>
           <a:prstGeom prst="rect">
             <a:avLst/>
@@ -36795,8 +36706,8 @@
         </p:blipFill>
         <p:spPr>
           <a:xfrm>
-            <a:off x="6732990" y="977825"/>
-            <a:ext cx="1368627" cy="2917105"/>
+            <a:off x="5802602" y="956162"/>
+            <a:ext cx="1207969" cy="2574676"/>
           </a:xfrm>
           <a:prstGeom prst="rect">
             <a:avLst/>
@@ -36817,7 +36728,7 @@
         </p:nvSpPr>
         <p:spPr>
           <a:xfrm>
-            <a:off x="4355901" y="3892248"/>
+            <a:off x="3845827" y="3582670"/>
             <a:ext cx="881973" cy="369332"/>
           </a:xfrm>
           <a:prstGeom prst="rect">
@@ -36858,7 +36769,7 @@
         </p:nvSpPr>
         <p:spPr>
           <a:xfrm>
-            <a:off x="6594372" y="3923569"/>
+            <a:off x="5724528" y="3582670"/>
             <a:ext cx="1579278" cy="369332"/>
           </a:xfrm>
           <a:prstGeom prst="rect">
@@ -36881,6 +36792,148 @@
                 <a:ea typeface="仿宋" panose="02010609060101010101" pitchFamily="49" charset="-122"/>
               </a:rPr>
               <a:t>重力误差修正</a:t>
+            </a:r>
+          </a:p>
+        </p:txBody>
+      </p:sp>
+      <p:sp>
+        <p:nvSpPr>
+          <p:cNvPr id="11" name="文本框 10">
+            <a:extLst>
+              <a:ext uri="{FF2B5EF4-FFF2-40B4-BE49-F238E27FC236}">
+                <a16:creationId xmlns:a16="http://schemas.microsoft.com/office/drawing/2014/main" id="{2710CAA5-DC6B-4EC6-8E89-67B59B1E9B0E}"/>
+              </a:ext>
+            </a:extLst>
+          </p:cNvPr>
+          <p:cNvSpPr txBox="1"/>
+          <p:nvPr/>
+        </p:nvSpPr>
+        <p:spPr>
+          <a:xfrm>
+            <a:off x="466119" y="6310320"/>
+            <a:ext cx="2160990" cy="369332"/>
+          </a:xfrm>
+          <a:prstGeom prst="rect">
+            <a:avLst/>
+          </a:prstGeom>
+          <a:noFill/>
+        </p:spPr>
+        <p:txBody>
+          <a:bodyPr wrap="square" rtlCol="0">
+            <a:spAutoFit/>
+          </a:bodyPr>
+          <a:lstStyle/>
+          <a:p>
+            <a:r>
+              <a:rPr lang="zh-CN" altLang="en-US" b="1" dirty="0">
+                <a:solidFill>
+                  <a:srgbClr val="004C22"/>
+                </a:solidFill>
+                <a:latin typeface="仿宋" panose="02010609060101010101" pitchFamily="49" charset="-122"/>
+                <a:ea typeface="仿宋" panose="02010609060101010101" pitchFamily="49" charset="-122"/>
+              </a:rPr>
+              <a:t>六边形排布的复眼</a:t>
+            </a:r>
+          </a:p>
+        </p:txBody>
+      </p:sp>
+      <p:pic>
+        <p:nvPicPr>
+          <p:cNvPr id="4" name="图片 3">
+            <a:extLst>
+              <a:ext uri="{FF2B5EF4-FFF2-40B4-BE49-F238E27FC236}">
+                <a16:creationId xmlns:a16="http://schemas.microsoft.com/office/drawing/2014/main" id="{5981F3DE-0520-4182-9BFE-A61B3ED7CD4A}"/>
+              </a:ext>
+            </a:extLst>
+          </p:cNvPr>
+          <p:cNvPicPr>
+            <a:picLocks noChangeAspect="1"/>
+          </p:cNvPicPr>
+          <p:nvPr/>
+        </p:nvPicPr>
+        <p:blipFill>
+          <a:blip r:embed="rId5"/>
+          <a:stretch>
+            <a:fillRect/>
+          </a:stretch>
+        </p:blipFill>
+        <p:spPr>
+          <a:xfrm>
+            <a:off x="2978954" y="3971559"/>
+            <a:ext cx="2348685" cy="2338761"/>
+          </a:xfrm>
+          <a:prstGeom prst="rect">
+            <a:avLst/>
+          </a:prstGeom>
+        </p:spPr>
+      </p:pic>
+      <p:pic>
+        <p:nvPicPr>
+          <p:cNvPr id="6" name="图片 5">
+            <a:extLst>
+              <a:ext uri="{FF2B5EF4-FFF2-40B4-BE49-F238E27FC236}">
+                <a16:creationId xmlns:a16="http://schemas.microsoft.com/office/drawing/2014/main" id="{9C1319CB-9A80-4319-BCB2-FF5D6BA6990D}"/>
+              </a:ext>
+            </a:extLst>
+          </p:cNvPr>
+          <p:cNvPicPr>
+            <a:picLocks noChangeAspect="1"/>
+          </p:cNvPicPr>
+          <p:nvPr/>
+        </p:nvPicPr>
+        <p:blipFill>
+          <a:blip r:embed="rId6"/>
+          <a:stretch>
+            <a:fillRect/>
+          </a:stretch>
+        </p:blipFill>
+        <p:spPr>
+          <a:xfrm>
+            <a:off x="225259" y="3993752"/>
+            <a:ext cx="2348685" cy="2286963"/>
+          </a:xfrm>
+          <a:prstGeom prst="rect">
+            <a:avLst/>
+          </a:prstGeom>
+        </p:spPr>
+      </p:pic>
+      <p:sp>
+        <p:nvSpPr>
+          <p:cNvPr id="13" name="文本框 12">
+            <a:extLst>
+              <a:ext uri="{FF2B5EF4-FFF2-40B4-BE49-F238E27FC236}">
+                <a16:creationId xmlns:a16="http://schemas.microsoft.com/office/drawing/2014/main" id="{B4E3F4DB-49BE-4136-B2B9-87DCD3BD1882}"/>
+              </a:ext>
+            </a:extLst>
+          </p:cNvPr>
+          <p:cNvSpPr txBox="1"/>
+          <p:nvPr/>
+        </p:nvSpPr>
+        <p:spPr>
+          <a:xfrm>
+            <a:off x="3166649" y="6280715"/>
+            <a:ext cx="2160990" cy="369332"/>
+          </a:xfrm>
+          <a:prstGeom prst="rect">
+            <a:avLst/>
+          </a:prstGeom>
+          <a:noFill/>
+        </p:spPr>
+        <p:txBody>
+          <a:bodyPr wrap="square" rtlCol="0">
+            <a:spAutoFit/>
+          </a:bodyPr>
+          <a:lstStyle/>
+          <a:p>
+            <a:r>
+              <a:rPr lang="zh-CN" altLang="en-US" b="1" dirty="0">
+                <a:solidFill>
+                  <a:srgbClr val="004C22"/>
+                </a:solidFill>
+                <a:latin typeface="仿宋" panose="02010609060101010101" pitchFamily="49" charset="-122"/>
+                <a:ea typeface="仿宋" panose="02010609060101010101" pitchFamily="49" charset="-122"/>
+              </a:rPr>
+              <a:t>四边形排布的复眼</a:t>
             </a:r>
           </a:p>
         </p:txBody>
@@ -36915,6 +36968,36 @@
           <a:chExt cx="0" cy="0"/>
         </a:xfrm>
       </p:grpSpPr>
+      <p:pic>
+        <p:nvPicPr>
+          <p:cNvPr id="6" name="图片 5">
+            <a:extLst>
+              <a:ext uri="{FF2B5EF4-FFF2-40B4-BE49-F238E27FC236}">
+                <a16:creationId xmlns:a16="http://schemas.microsoft.com/office/drawing/2014/main" id="{EE0D7F21-67CA-4689-BB26-B6070C554E36}"/>
+              </a:ext>
+            </a:extLst>
+          </p:cNvPr>
+          <p:cNvPicPr>
+            <a:picLocks noChangeAspect="1"/>
+          </p:cNvPicPr>
+          <p:nvPr/>
+        </p:nvPicPr>
+        <p:blipFill>
+          <a:blip r:embed="rId2"/>
+          <a:stretch>
+            <a:fillRect/>
+          </a:stretch>
+        </p:blipFill>
+        <p:spPr>
+          <a:xfrm>
+            <a:off x="77532" y="2836305"/>
+            <a:ext cx="1829628" cy="2033355"/>
+          </a:xfrm>
+          <a:prstGeom prst="rect">
+            <a:avLst/>
+          </a:prstGeom>
+        </p:spPr>
+      </p:pic>
       <p:sp>
         <p:nvSpPr>
           <p:cNvPr id="114690" name="TextBox 2"/>
@@ -37111,29 +37194,126 @@
               <a:buNone/>
             </a:pPr>
             <a:r>
+              <a:rPr lang="en-US" altLang="zh-CN" sz="2800" b="1" dirty="0">
+                <a:latin typeface="黑体" pitchFamily="49" charset="-122"/>
+                <a:ea typeface="黑体" pitchFamily="49" charset="-122"/>
+              </a:rPr>
+              <a:t>DXF</a:t>
+            </a:r>
+            <a:r>
               <a:rPr lang="zh-CN" altLang="en-US" sz="2800" b="1" dirty="0">
                 <a:latin typeface="黑体" pitchFamily="49" charset="-122"/>
                 <a:ea typeface="黑体" pitchFamily="49" charset="-122"/>
               </a:rPr>
-              <a:t>斜面</a:t>
+              <a:t>、</a:t>
             </a:r>
             <a:r>
               <a:rPr lang="en-US" altLang="zh-CN" sz="2800" b="1" dirty="0">
                 <a:latin typeface="黑体" pitchFamily="49" charset="-122"/>
                 <a:ea typeface="黑体" pitchFamily="49" charset="-122"/>
               </a:rPr>
-              <a:t>V</a:t>
+              <a:t>BMP</a:t>
             </a:r>
             <a:r>
               <a:rPr lang="zh-CN" altLang="en-US" sz="2800" b="1" dirty="0">
                 <a:latin typeface="黑体" pitchFamily="49" charset="-122"/>
                 <a:ea typeface="黑体" pitchFamily="49" charset="-122"/>
               </a:rPr>
-              <a:t>型槽</a:t>
-            </a:r>
-          </a:p>
-        </p:txBody>
-      </p:sp>
+              <a:t>图片编写绘制</a:t>
+            </a:r>
+          </a:p>
+        </p:txBody>
+      </p:sp>
+      <p:pic>
+        <p:nvPicPr>
+          <p:cNvPr id="2" name="图片 1">
+            <a:extLst>
+              <a:ext uri="{FF2B5EF4-FFF2-40B4-BE49-F238E27FC236}">
+                <a16:creationId xmlns:a16="http://schemas.microsoft.com/office/drawing/2014/main" id="{5A460DAA-6805-4BE3-A3BC-AA9696B22705}"/>
+              </a:ext>
+            </a:extLst>
+          </p:cNvPr>
+          <p:cNvPicPr>
+            <a:picLocks noChangeAspect="1"/>
+          </p:cNvPicPr>
+          <p:nvPr/>
+        </p:nvPicPr>
+        <p:blipFill>
+          <a:blip r:embed="rId3"/>
+          <a:stretch>
+            <a:fillRect/>
+          </a:stretch>
+        </p:blipFill>
+        <p:spPr>
+          <a:xfrm>
+            <a:off x="177987" y="979878"/>
+            <a:ext cx="2233023" cy="2033355"/>
+          </a:xfrm>
+          <a:prstGeom prst="rect">
+            <a:avLst/>
+          </a:prstGeom>
+        </p:spPr>
+      </p:pic>
+      <p:pic>
+        <p:nvPicPr>
+          <p:cNvPr id="5" name="图片 4">
+            <a:extLst>
+              <a:ext uri="{FF2B5EF4-FFF2-40B4-BE49-F238E27FC236}">
+                <a16:creationId xmlns:a16="http://schemas.microsoft.com/office/drawing/2014/main" id="{D0242802-5854-46C2-A70C-9CDDB44C2C1D}"/>
+              </a:ext>
+            </a:extLst>
+          </p:cNvPr>
+          <p:cNvPicPr>
+            <a:picLocks noChangeAspect="1"/>
+          </p:cNvPicPr>
+          <p:nvPr/>
+        </p:nvPicPr>
+        <p:blipFill>
+          <a:blip r:embed="rId4"/>
+          <a:stretch>
+            <a:fillRect/>
+          </a:stretch>
+        </p:blipFill>
+        <p:spPr>
+          <a:xfrm>
+            <a:off x="31372" y="4630787"/>
+            <a:ext cx="9144000" cy="1884594"/>
+          </a:xfrm>
+          <a:prstGeom prst="rect">
+            <a:avLst/>
+          </a:prstGeom>
+        </p:spPr>
+      </p:pic>
+      <p:pic>
+        <p:nvPicPr>
+          <p:cNvPr id="3" name="图片 2">
+            <a:extLst>
+              <a:ext uri="{FF2B5EF4-FFF2-40B4-BE49-F238E27FC236}">
+                <a16:creationId xmlns:a16="http://schemas.microsoft.com/office/drawing/2014/main" id="{D9E0BE0E-7BAA-4ACE-8E07-E71A72D76CC8}"/>
+              </a:ext>
+            </a:extLst>
+          </p:cNvPr>
+          <p:cNvPicPr>
+            <a:picLocks noChangeAspect="1"/>
+          </p:cNvPicPr>
+          <p:nvPr/>
+        </p:nvPicPr>
+        <p:blipFill>
+          <a:blip r:embed="rId5"/>
+          <a:stretch>
+            <a:fillRect/>
+          </a:stretch>
+        </p:blipFill>
+        <p:spPr>
+          <a:xfrm>
+            <a:off x="2505519" y="979878"/>
+            <a:ext cx="5906706" cy="3706759"/>
+          </a:xfrm>
+          <a:prstGeom prst="rect">
+            <a:avLst/>
+          </a:prstGeom>
+        </p:spPr>
+      </p:pic>
       <p:sp>
         <p:nvSpPr>
           <p:cNvPr id="9" name="文本框 8">
@@ -37148,8 +37328,8 @@
         </p:nvSpPr>
         <p:spPr>
           <a:xfrm>
-            <a:off x="177988" y="6094221"/>
-            <a:ext cx="4682144" cy="646331"/>
+            <a:off x="2338977" y="6192215"/>
+            <a:ext cx="4373313" cy="646331"/>
           </a:xfrm>
           <a:prstGeom prst="rect">
             <a:avLst/>
@@ -37157,7 +37337,7 @@
           <a:noFill/>
         </p:spPr>
         <p:txBody>
-          <a:bodyPr wrap="square" rtlCol="0">
+          <a:bodyPr wrap="none" rtlCol="0">
             <a:spAutoFit/>
           </a:bodyPr>
           <a:lstStyle/>
@@ -37180,7 +37360,47 @@
                 <a:latin typeface="仿宋" panose="02010609060101010101" pitchFamily="49" charset="-122"/>
                 <a:ea typeface="仿宋" panose="02010609060101010101" pitchFamily="49" charset="-122"/>
               </a:rPr>
-              <a:t>导入每个周期的数据列表</a:t>
+              <a:t>利用灰度等级表达</a:t>
+            </a:r>
+            <a:r>
+              <a:rPr lang="en-US" altLang="zh-CN" b="1" dirty="0">
+                <a:solidFill>
+                  <a:srgbClr val="004C22"/>
+                </a:solidFill>
+                <a:latin typeface="仿宋" panose="02010609060101010101" pitchFamily="49" charset="-122"/>
+                <a:ea typeface="仿宋" panose="02010609060101010101" pitchFamily="49" charset="-122"/>
+              </a:rPr>
+              <a:t>3D</a:t>
+            </a:r>
+            <a:r>
+              <a:rPr lang="zh-CN" altLang="en-US" b="1" dirty="0">
+                <a:solidFill>
+                  <a:srgbClr val="004C22"/>
+                </a:solidFill>
+                <a:latin typeface="仿宋" panose="02010609060101010101" pitchFamily="49" charset="-122"/>
+                <a:ea typeface="仿宋" panose="02010609060101010101" pitchFamily="49" charset="-122"/>
+              </a:rPr>
+              <a:t>深度，任意</a:t>
+            </a:r>
+            <a:r>
+              <a:rPr lang="en-US" altLang="zh-CN" b="1" dirty="0">
+                <a:solidFill>
+                  <a:srgbClr val="004C22"/>
+                </a:solidFill>
+                <a:latin typeface="仿宋" panose="02010609060101010101" pitchFamily="49" charset="-122"/>
+                <a:ea typeface="仿宋" panose="02010609060101010101" pitchFamily="49" charset="-122"/>
+              </a:rPr>
+              <a:t>3D</a:t>
+            </a:r>
+            <a:r>
+              <a:rPr lang="zh-CN" altLang="en-US" b="1" dirty="0">
+                <a:solidFill>
+                  <a:srgbClr val="004C22"/>
+                </a:solidFill>
+                <a:latin typeface="仿宋" panose="02010609060101010101" pitchFamily="49" charset="-122"/>
+                <a:ea typeface="仿宋" panose="02010609060101010101" pitchFamily="49" charset="-122"/>
+              </a:rPr>
+              <a:t>图形</a:t>
             </a:r>
             <a:endParaRPr lang="en-US" altLang="zh-CN" b="1" dirty="0">
               <a:solidFill>
@@ -37209,65 +37429,15 @@
                 <a:latin typeface="仿宋" panose="02010609060101010101" pitchFamily="49" charset="-122"/>
                 <a:ea typeface="仿宋" panose="02010609060101010101" pitchFamily="49" charset="-122"/>
               </a:rPr>
-              <a:t>根据图示参数生成机床</a:t>
-            </a:r>
-            <a:r>
-              <a:rPr lang="en-US" altLang="zh-CN" b="1" dirty="0">
-                <a:solidFill>
-                  <a:srgbClr val="004C22"/>
-                </a:solidFill>
-                <a:latin typeface="仿宋" panose="02010609060101010101" pitchFamily="49" charset="-122"/>
-                <a:ea typeface="仿宋" panose="02010609060101010101" pitchFamily="49" charset="-122"/>
-              </a:rPr>
-              <a:t>NC</a:t>
-            </a:r>
-            <a:r>
-              <a:rPr lang="zh-CN" altLang="en-US" b="1" dirty="0">
-                <a:solidFill>
-                  <a:srgbClr val="004C22"/>
-                </a:solidFill>
-                <a:latin typeface="仿宋" panose="02010609060101010101" pitchFamily="49" charset="-122"/>
-                <a:ea typeface="仿宋" panose="02010609060101010101" pitchFamily="49" charset="-122"/>
-              </a:rPr>
-              <a:t>文件</a:t>
-            </a:r>
-          </a:p>
-        </p:txBody>
-      </p:sp>
-      <p:pic>
-        <p:nvPicPr>
-          <p:cNvPr id="2" name="图片 1">
-            <a:extLst>
-              <a:ext uri="{FF2B5EF4-FFF2-40B4-BE49-F238E27FC236}">
-                <a16:creationId xmlns:a16="http://schemas.microsoft.com/office/drawing/2014/main" id="{A53A5833-3490-4709-803B-5657733E6D60}"/>
-              </a:ext>
-            </a:extLst>
-          </p:cNvPr>
-          <p:cNvPicPr>
-            <a:picLocks noChangeAspect="1"/>
-          </p:cNvPicPr>
-          <p:nvPr/>
-        </p:nvPicPr>
-        <p:blipFill>
-          <a:blip r:embed="rId2"/>
-          <a:stretch>
-            <a:fillRect/>
-          </a:stretch>
-        </p:blipFill>
-        <p:spPr>
-          <a:xfrm>
-            <a:off x="177988" y="999810"/>
-            <a:ext cx="6792548" cy="5094411"/>
-          </a:xfrm>
-          <a:prstGeom prst="rect">
-            <a:avLst/>
-          </a:prstGeom>
-        </p:spPr>
-      </p:pic>
+              <a:t>矩形、六边形、八边形方式</a:t>
+            </a:r>
+          </a:p>
+        </p:txBody>
+      </p:sp>
     </p:spTree>
     <p:extLst>
       <p:ext uri="{BB962C8B-B14F-4D97-AF65-F5344CB8AC3E}">
-        <p14:creationId xmlns:p14="http://schemas.microsoft.com/office/powerpoint/2010/main" val="2367963068"/>
+        <p14:creationId xmlns:p14="http://schemas.microsoft.com/office/powerpoint/2010/main" val="4142742847"/>
       </p:ext>
     </p:extLst>
   </p:cSld>
@@ -37294,69 +37464,15 @@
           <a:chExt cx="0" cy="0"/>
         </a:xfrm>
       </p:grpSpPr>
-      <p:pic>
-        <p:nvPicPr>
-          <p:cNvPr id="2" name="图片 1">
+      <p:sp>
+        <p:nvSpPr>
+          <p:cNvPr id="3" name="TextBox 2">
             <a:extLst>
               <a:ext uri="{FF2B5EF4-FFF2-40B4-BE49-F238E27FC236}">
-                <a16:creationId xmlns:a16="http://schemas.microsoft.com/office/drawing/2014/main" id="{CE794F90-F85F-4077-922E-53583E2A0AC7}"/>
+                <a16:creationId xmlns:a16="http://schemas.microsoft.com/office/drawing/2014/main" id="{A32C54CB-70F5-4348-B8F7-13549A5A698A}"/>
               </a:ext>
             </a:extLst>
           </p:cNvPr>
-          <p:cNvPicPr>
-            <a:picLocks noChangeAspect="1"/>
-          </p:cNvPicPr>
-          <p:nvPr/>
-        </p:nvPicPr>
-        <p:blipFill>
-          <a:blip r:embed="rId2"/>
-          <a:stretch>
-            <a:fillRect/>
-          </a:stretch>
-        </p:blipFill>
-        <p:spPr>
-          <a:xfrm>
-            <a:off x="5532357" y="928216"/>
-            <a:ext cx="3535077" cy="2356718"/>
-          </a:xfrm>
-          <a:prstGeom prst="rect">
-            <a:avLst/>
-          </a:prstGeom>
-        </p:spPr>
-      </p:pic>
-      <p:pic>
-        <p:nvPicPr>
-          <p:cNvPr id="6" name="图片 5">
-            <a:extLst>
-              <a:ext uri="{FF2B5EF4-FFF2-40B4-BE49-F238E27FC236}">
-                <a16:creationId xmlns:a16="http://schemas.microsoft.com/office/drawing/2014/main" id="{24863B11-167F-49ED-BE94-260F9A0E25A5}"/>
-              </a:ext>
-            </a:extLst>
-          </p:cNvPr>
-          <p:cNvPicPr>
-            <a:picLocks noChangeAspect="1"/>
-          </p:cNvPicPr>
-          <p:nvPr/>
-        </p:nvPicPr>
-        <p:blipFill>
-          <a:blip r:embed="rId3"/>
-          <a:stretch>
-            <a:fillRect/>
-          </a:stretch>
-        </p:blipFill>
-        <p:spPr>
-          <a:xfrm>
-            <a:off x="3707604" y="2636637"/>
-            <a:ext cx="3649506" cy="3041255"/>
-          </a:xfrm>
-          <a:prstGeom prst="rect">
-            <a:avLst/>
-          </a:prstGeom>
-        </p:spPr>
-      </p:pic>
-      <p:sp>
-        <p:nvSpPr>
-          <p:cNvPr id="114690" name="TextBox 2"/>
           <p:cNvSpPr txBox="1">
             <a:spLocks noChangeArrowheads="1"/>
           </p:cNvSpPr>
@@ -37550,206 +37666,28 @@
               <a:buNone/>
             </a:pPr>
             <a:r>
+              <a:rPr lang="en-US" altLang="zh-CN" sz="2800" b="1" dirty="0">
+                <a:latin typeface="黑体" pitchFamily="49" charset="-122"/>
+                <a:ea typeface="黑体" pitchFamily="49" charset="-122"/>
+              </a:rPr>
+              <a:t>BMP</a:t>
+            </a:r>
+            <a:r>
               <a:rPr lang="zh-CN" altLang="en-US" sz="2800" b="1" dirty="0">
                 <a:latin typeface="黑体" pitchFamily="49" charset="-122"/>
                 <a:ea typeface="黑体" pitchFamily="49" charset="-122"/>
               </a:rPr>
-              <a:t>修改了一些以往的程序</a:t>
-            </a:r>
-            <a:r>
-              <a:rPr lang="en-US" altLang="zh-CN" sz="2800" b="1" dirty="0">
-                <a:latin typeface="黑体" pitchFamily="49" charset="-122"/>
-                <a:ea typeface="黑体" pitchFamily="49" charset="-122"/>
-              </a:rPr>
-              <a:t>BUG</a:t>
-            </a:r>
-          </a:p>
-        </p:txBody>
-      </p:sp>
-      <p:sp>
-        <p:nvSpPr>
-          <p:cNvPr id="9" name="文本框 8">
+              <a:t>图片编写绘制</a:t>
+            </a:r>
+          </a:p>
+        </p:txBody>
+      </p:sp>
+      <p:pic>
+        <p:nvPicPr>
+          <p:cNvPr id="2" name="图片 1">
             <a:extLst>
               <a:ext uri="{FF2B5EF4-FFF2-40B4-BE49-F238E27FC236}">
-                <a16:creationId xmlns:a16="http://schemas.microsoft.com/office/drawing/2014/main" id="{4608D061-64AA-4BB3-AA23-7DE069FA04CC}"/>
-              </a:ext>
-            </a:extLst>
-          </p:cNvPr>
-          <p:cNvSpPr txBox="1"/>
-          <p:nvPr/>
-        </p:nvSpPr>
-        <p:spPr>
-          <a:xfrm>
-            <a:off x="358068" y="1123943"/>
-            <a:ext cx="3493601" cy="1754326"/>
-          </a:xfrm>
-          <a:prstGeom prst="rect">
-            <a:avLst/>
-          </a:prstGeom>
-          <a:noFill/>
-        </p:spPr>
-        <p:txBody>
-          <a:bodyPr wrap="square" rtlCol="0">
-            <a:spAutoFit/>
-          </a:bodyPr>
-          <a:lstStyle/>
-          <a:p>
-            <a:r>
-              <a:rPr lang="en-US" altLang="zh-CN" b="1" dirty="0">
-                <a:solidFill>
-                  <a:srgbClr val="004C22"/>
-                </a:solidFill>
-                <a:latin typeface="仿宋" panose="02010609060101010101" pitchFamily="49" charset="-122"/>
-                <a:ea typeface="仿宋" panose="02010609060101010101" pitchFamily="49" charset="-122"/>
-              </a:rPr>
-              <a:t>1.</a:t>
-            </a:r>
-            <a:r>
-              <a:rPr lang="zh-CN" altLang="en-US" b="1" dirty="0">
-                <a:solidFill>
-                  <a:srgbClr val="004C22"/>
-                </a:solidFill>
-                <a:latin typeface="仿宋" panose="02010609060101010101" pitchFamily="49" charset="-122"/>
-                <a:ea typeface="仿宋" panose="02010609060101010101" pitchFamily="49" charset="-122"/>
-              </a:rPr>
-              <a:t>修正慢刀伺服导入大文件失败问题</a:t>
-            </a:r>
-            <a:endParaRPr lang="en-US" altLang="zh-CN" b="1" dirty="0">
-              <a:solidFill>
-                <a:srgbClr val="004C22"/>
-              </a:solidFill>
-              <a:latin typeface="仿宋" panose="02010609060101010101" pitchFamily="49" charset="-122"/>
-              <a:ea typeface="仿宋" panose="02010609060101010101" pitchFamily="49" charset="-122"/>
-            </a:endParaRPr>
-          </a:p>
-          <a:p>
-            <a:r>
-              <a:rPr lang="en-US" altLang="zh-CN" b="1" dirty="0">
-                <a:solidFill>
-                  <a:srgbClr val="004C22"/>
-                </a:solidFill>
-                <a:latin typeface="仿宋" panose="02010609060101010101" pitchFamily="49" charset="-122"/>
-                <a:ea typeface="仿宋" panose="02010609060101010101" pitchFamily="49" charset="-122"/>
-              </a:rPr>
-              <a:t>2.</a:t>
-            </a:r>
-            <a:r>
-              <a:rPr lang="zh-CN" altLang="en-US" b="1" dirty="0">
-                <a:solidFill>
-                  <a:srgbClr val="004C22"/>
-                </a:solidFill>
-                <a:latin typeface="仿宋" panose="02010609060101010101" pitchFamily="49" charset="-122"/>
-                <a:ea typeface="仿宋" panose="02010609060101010101" pitchFamily="49" charset="-122"/>
-              </a:rPr>
-              <a:t>手机壳数据点处理，定义三种速度</a:t>
-            </a:r>
-            <a:endParaRPr lang="en-US" altLang="zh-CN" b="1" dirty="0">
-              <a:solidFill>
-                <a:srgbClr val="004C22"/>
-              </a:solidFill>
-              <a:latin typeface="仿宋" panose="02010609060101010101" pitchFamily="49" charset="-122"/>
-              <a:ea typeface="仿宋" panose="02010609060101010101" pitchFamily="49" charset="-122"/>
-            </a:endParaRPr>
-          </a:p>
-          <a:p>
-            <a:r>
-              <a:rPr lang="en-US" altLang="zh-CN" b="1" dirty="0">
-                <a:solidFill>
-                  <a:srgbClr val="004C22"/>
-                </a:solidFill>
-                <a:latin typeface="仿宋" panose="02010609060101010101" pitchFamily="49" charset="-122"/>
-                <a:ea typeface="仿宋" panose="02010609060101010101" pitchFamily="49" charset="-122"/>
-              </a:rPr>
-              <a:t>3.</a:t>
-            </a:r>
-            <a:r>
-              <a:rPr lang="zh-CN" altLang="en-US" b="1" dirty="0">
-                <a:solidFill>
-                  <a:srgbClr val="004C22"/>
-                </a:solidFill>
-                <a:latin typeface="仿宋" panose="02010609060101010101" pitchFamily="49" charset="-122"/>
-                <a:ea typeface="仿宋" panose="02010609060101010101" pitchFamily="49" charset="-122"/>
-              </a:rPr>
-              <a:t>柱透镜转</a:t>
-            </a:r>
-            <a:r>
-              <a:rPr lang="en-US" altLang="zh-CN" b="1" dirty="0">
-                <a:solidFill>
-                  <a:srgbClr val="004C22"/>
-                </a:solidFill>
-                <a:latin typeface="仿宋" panose="02010609060101010101" pitchFamily="49" charset="-122"/>
-                <a:ea typeface="仿宋" panose="02010609060101010101" pitchFamily="49" charset="-122"/>
-              </a:rPr>
-              <a:t>NC</a:t>
-            </a:r>
-            <a:r>
-              <a:rPr lang="zh-CN" altLang="en-US" b="1" dirty="0">
-                <a:solidFill>
-                  <a:srgbClr val="004C22"/>
-                </a:solidFill>
-                <a:latin typeface="仿宋" panose="02010609060101010101" pitchFamily="49" charset="-122"/>
-                <a:ea typeface="仿宋" panose="02010609060101010101" pitchFamily="49" charset="-122"/>
-              </a:rPr>
-              <a:t>功能优化</a:t>
-            </a:r>
-            <a:endParaRPr lang="en-US" altLang="zh-CN" b="1" dirty="0">
-              <a:solidFill>
-                <a:srgbClr val="004C22"/>
-              </a:solidFill>
-              <a:latin typeface="仿宋" panose="02010609060101010101" pitchFamily="49" charset="-122"/>
-              <a:ea typeface="仿宋" panose="02010609060101010101" pitchFamily="49" charset="-122"/>
-            </a:endParaRPr>
-          </a:p>
-          <a:p>
-            <a:r>
-              <a:rPr lang="en-US" altLang="zh-CN" b="1" dirty="0">
-                <a:solidFill>
-                  <a:srgbClr val="004C22"/>
-                </a:solidFill>
-                <a:latin typeface="仿宋" panose="02010609060101010101" pitchFamily="49" charset="-122"/>
-                <a:ea typeface="仿宋" panose="02010609060101010101" pitchFamily="49" charset="-122"/>
-              </a:rPr>
-              <a:t>4.CXZ</a:t>
-            </a:r>
-            <a:r>
-              <a:rPr lang="zh-CN" altLang="en-US" b="1" dirty="0">
-                <a:solidFill>
-                  <a:srgbClr val="004C22"/>
-                </a:solidFill>
-                <a:latin typeface="仿宋" panose="02010609060101010101" pitchFamily="49" charset="-122"/>
-                <a:ea typeface="仿宋" panose="02010609060101010101" pitchFamily="49" charset="-122"/>
-              </a:rPr>
-              <a:t>转</a:t>
-            </a:r>
-            <a:r>
-              <a:rPr lang="en-US" altLang="zh-CN" b="1" dirty="0">
-                <a:solidFill>
-                  <a:srgbClr val="004C22"/>
-                </a:solidFill>
-                <a:latin typeface="仿宋" panose="02010609060101010101" pitchFamily="49" charset="-122"/>
-                <a:ea typeface="仿宋" panose="02010609060101010101" pitchFamily="49" charset="-122"/>
-              </a:rPr>
-              <a:t>XYZ</a:t>
-            </a:r>
-            <a:r>
-              <a:rPr lang="zh-CN" altLang="en-US" b="1" dirty="0">
-                <a:solidFill>
-                  <a:srgbClr val="004C22"/>
-                </a:solidFill>
-                <a:latin typeface="仿宋" panose="02010609060101010101" pitchFamily="49" charset="-122"/>
-                <a:ea typeface="仿宋" panose="02010609060101010101" pitchFamily="49" charset="-122"/>
-              </a:rPr>
-              <a:t>数据编辑</a:t>
-            </a:r>
-          </a:p>
-        </p:txBody>
-      </p:sp>
-      <p:pic>
-        <p:nvPicPr>
-          <p:cNvPr id="4" name="图片 3">
-            <a:extLst>
-              <a:ext uri="{FF2B5EF4-FFF2-40B4-BE49-F238E27FC236}">
-                <a16:creationId xmlns:a16="http://schemas.microsoft.com/office/drawing/2014/main" id="{119B643E-BDD2-4FE8-B8E7-1CABB482CFE0}"/>
+                <a16:creationId xmlns:a16="http://schemas.microsoft.com/office/drawing/2014/main" id="{0E3A10B4-C02F-4FED-9D8D-C1CBD4B4001A}"/>
               </a:ext>
             </a:extLst>
           </p:cNvPr>
@@ -37759,15 +37697,15 @@
           <p:nvPr/>
         </p:nvPicPr>
         <p:blipFill>
-          <a:blip r:embed="rId4"/>
+          <a:blip r:embed="rId2"/>
           <a:stretch>
             <a:fillRect/>
           </a:stretch>
         </p:blipFill>
         <p:spPr>
           <a:xfrm>
-            <a:off x="4860132" y="3933231"/>
-            <a:ext cx="4177914" cy="2685802"/>
+            <a:off x="2659502" y="907845"/>
+            <a:ext cx="6338904" cy="3945082"/>
           </a:xfrm>
           <a:prstGeom prst="rect">
             <a:avLst/>
@@ -37779,7 +37717,7 @@
           <p:cNvPr id="5" name="图片 4">
             <a:extLst>
               <a:ext uri="{FF2B5EF4-FFF2-40B4-BE49-F238E27FC236}">
-                <a16:creationId xmlns:a16="http://schemas.microsoft.com/office/drawing/2014/main" id="{A6127771-6339-423D-97A8-ADB30030FD12}"/>
+                <a16:creationId xmlns:a16="http://schemas.microsoft.com/office/drawing/2014/main" id="{0F96498C-3B91-4317-815D-9B4DD3C1D9B5}"/>
               </a:ext>
             </a:extLst>
           </p:cNvPr>
@@ -37789,15 +37727,15 @@
           <p:nvPr/>
         </p:nvPicPr>
         <p:blipFill>
-          <a:blip r:embed="rId5"/>
+          <a:blip r:embed="rId3"/>
           <a:stretch>
             <a:fillRect/>
           </a:stretch>
         </p:blipFill>
         <p:spPr>
           <a:xfrm>
-            <a:off x="177987" y="3927743"/>
-            <a:ext cx="3673683" cy="2722847"/>
+            <a:off x="106556" y="4663891"/>
+            <a:ext cx="4177913" cy="2174600"/>
           </a:xfrm>
           <a:prstGeom prst="rect">
             <a:avLst/>
@@ -37807,7 +37745,7 @@
     </p:spTree>
     <p:extLst>
       <p:ext uri="{BB962C8B-B14F-4D97-AF65-F5344CB8AC3E}">
-        <p14:creationId xmlns:p14="http://schemas.microsoft.com/office/powerpoint/2010/main" val="322792668"/>
+        <p14:creationId xmlns:p14="http://schemas.microsoft.com/office/powerpoint/2010/main" val="4219929530"/>
       </p:ext>
     </p:extLst>
   </p:cSld>
@@ -37834,39 +37772,15 @@
           <a:chExt cx="0" cy="0"/>
         </a:xfrm>
       </p:grpSpPr>
-      <p:pic>
-        <p:nvPicPr>
-          <p:cNvPr id="6" name="图片 5">
+      <p:sp>
+        <p:nvSpPr>
+          <p:cNvPr id="2" name="TextBox 2">
             <a:extLst>
               <a:ext uri="{FF2B5EF4-FFF2-40B4-BE49-F238E27FC236}">
-                <a16:creationId xmlns:a16="http://schemas.microsoft.com/office/drawing/2014/main" id="{EE0D7F21-67CA-4689-BB26-B6070C554E36}"/>
+                <a16:creationId xmlns:a16="http://schemas.microsoft.com/office/drawing/2014/main" id="{AAB0FCC4-2D29-4428-8B97-C8C58CD55C57}"/>
               </a:ext>
             </a:extLst>
           </p:cNvPr>
-          <p:cNvPicPr>
-            <a:picLocks noChangeAspect="1"/>
-          </p:cNvPicPr>
-          <p:nvPr/>
-        </p:nvPicPr>
-        <p:blipFill>
-          <a:blip r:embed="rId2"/>
-          <a:stretch>
-            <a:fillRect/>
-          </a:stretch>
-        </p:blipFill>
-        <p:spPr>
-          <a:xfrm>
-            <a:off x="77532" y="2836305"/>
-            <a:ext cx="1829628" cy="2033355"/>
-          </a:xfrm>
-          <a:prstGeom prst="rect">
-            <a:avLst/>
-          </a:prstGeom>
-        </p:spPr>
-      </p:pic>
-      <p:sp>
-        <p:nvSpPr>
-          <p:cNvPr id="114690" name="TextBox 2"/>
           <p:cNvSpPr txBox="1">
             <a:spLocks noChangeArrowheads="1"/>
           </p:cNvSpPr>
@@ -38060,42 +37974,98 @@
               <a:buNone/>
             </a:pPr>
             <a:r>
-              <a:rPr lang="en-US" altLang="zh-CN" sz="2800" b="1" dirty="0">
-                <a:latin typeface="黑体" pitchFamily="49" charset="-122"/>
-                <a:ea typeface="黑体" pitchFamily="49" charset="-122"/>
-              </a:rPr>
-              <a:t>DXF</a:t>
-            </a:r>
-            <a:r>
               <a:rPr lang="zh-CN" altLang="en-US" sz="2800" b="1" dirty="0">
                 <a:latin typeface="黑体" pitchFamily="49" charset="-122"/>
                 <a:ea typeface="黑体" pitchFamily="49" charset="-122"/>
               </a:rPr>
-              <a:t>、</a:t>
-            </a:r>
-            <a:r>
-              <a:rPr lang="en-US" altLang="zh-CN" sz="2800" b="1" dirty="0">
-                <a:latin typeface="黑体" pitchFamily="49" charset="-122"/>
-                <a:ea typeface="黑体" pitchFamily="49" charset="-122"/>
-              </a:rPr>
-              <a:t>BMP</a:t>
-            </a:r>
-            <a:r>
-              <a:rPr lang="zh-CN" altLang="en-US" sz="2800" b="1" dirty="0">
-                <a:latin typeface="黑体" pitchFamily="49" charset="-122"/>
-                <a:ea typeface="黑体" pitchFamily="49" charset="-122"/>
-              </a:rPr>
-              <a:t>图片编写绘制</a:t>
+              <a:t>各种花纹图案的制作</a:t>
             </a:r>
           </a:p>
         </p:txBody>
       </p:sp>
       <p:pic>
         <p:nvPicPr>
-          <p:cNvPr id="2" name="图片 1">
+          <p:cNvPr id="4" name="图片 3">
             <a:extLst>
               <a:ext uri="{FF2B5EF4-FFF2-40B4-BE49-F238E27FC236}">
-                <a16:creationId xmlns:a16="http://schemas.microsoft.com/office/drawing/2014/main" id="{5A460DAA-6805-4BE3-A3BC-AA9696B22705}"/>
+                <a16:creationId xmlns:a16="http://schemas.microsoft.com/office/drawing/2014/main" id="{E629BE9A-6133-45BE-97DF-11A6CFDEADEA}"/>
+              </a:ext>
+            </a:extLst>
+          </p:cNvPr>
+          <p:cNvPicPr>
+            <a:picLocks noChangeAspect="1"/>
+          </p:cNvPicPr>
+          <p:nvPr/>
+        </p:nvPicPr>
+        <p:blipFill>
+          <a:blip r:embed="rId2">
+            <a:extLst>
+              <a:ext uri="{28A0092B-C50C-407E-A947-70E740481C1C}">
+                <a14:useLocalDpi xmlns:a14="http://schemas.microsoft.com/office/drawing/2010/main" val="0"/>
+              </a:ext>
+            </a:extLst>
+          </a:blip>
+          <a:stretch>
+            <a:fillRect/>
+          </a:stretch>
+        </p:blipFill>
+        <p:spPr>
+          <a:xfrm>
+            <a:off x="177987" y="979878"/>
+            <a:ext cx="2954321" cy="4437462"/>
+          </a:xfrm>
+          <a:prstGeom prst="rect">
+            <a:avLst/>
+          </a:prstGeom>
+        </p:spPr>
+      </p:pic>
+      <p:sp>
+        <p:nvSpPr>
+          <p:cNvPr id="5" name="文本框 4">
+            <a:extLst>
+              <a:ext uri="{FF2B5EF4-FFF2-40B4-BE49-F238E27FC236}">
+                <a16:creationId xmlns:a16="http://schemas.microsoft.com/office/drawing/2014/main" id="{02614802-B0F2-4FAB-B284-315FD3E272E7}"/>
+              </a:ext>
+            </a:extLst>
+          </p:cNvPr>
+          <p:cNvSpPr txBox="1"/>
+          <p:nvPr/>
+        </p:nvSpPr>
+        <p:spPr>
+          <a:xfrm>
+            <a:off x="322052" y="5493677"/>
+            <a:ext cx="1080495" cy="369332"/>
+          </a:xfrm>
+          <a:prstGeom prst="rect">
+            <a:avLst/>
+          </a:prstGeom>
+          <a:noFill/>
+        </p:spPr>
+        <p:txBody>
+          <a:bodyPr wrap="square" rtlCol="0">
+            <a:spAutoFit/>
+          </a:bodyPr>
+          <a:lstStyle/>
+          <a:p>
+            <a:r>
+              <a:rPr lang="zh-CN" altLang="en-US" b="1" dirty="0">
+                <a:solidFill>
+                  <a:srgbClr val="004C22"/>
+                </a:solidFill>
+                <a:latin typeface="仿宋" panose="02010609060101010101" pitchFamily="49" charset="-122"/>
+                <a:ea typeface="仿宋" panose="02010609060101010101" pitchFamily="49" charset="-122"/>
+              </a:rPr>
+              <a:t>年轮型</a:t>
+            </a:r>
+          </a:p>
+        </p:txBody>
+      </p:sp>
+      <p:pic>
+        <p:nvPicPr>
+          <p:cNvPr id="6" name="图片 5">
+            <a:extLst>
+              <a:ext uri="{FF2B5EF4-FFF2-40B4-BE49-F238E27FC236}">
+                <a16:creationId xmlns:a16="http://schemas.microsoft.com/office/drawing/2014/main" id="{EA330D97-C8C4-41F4-85AE-BDE6DAAF701D}"/>
               </a:ext>
             </a:extLst>
           </p:cNvPr>
@@ -38112,38 +38082,107 @@
         </p:blipFill>
         <p:spPr>
           <a:xfrm>
-            <a:off x="177987" y="979878"/>
-            <a:ext cx="2233023" cy="2033355"/>
+            <a:off x="3203373" y="979878"/>
+            <a:ext cx="4607788" cy="3889782"/>
           </a:xfrm>
           <a:prstGeom prst="rect">
             <a:avLst/>
           </a:prstGeom>
         </p:spPr>
       </p:pic>
-      <p:pic>
-        <p:nvPicPr>
-          <p:cNvPr id="5" name="图片 4">
+      <p:sp>
+        <p:nvSpPr>
+          <p:cNvPr id="7" name="文本框 6">
             <a:extLst>
               <a:ext uri="{FF2B5EF4-FFF2-40B4-BE49-F238E27FC236}">
-                <a16:creationId xmlns:a16="http://schemas.microsoft.com/office/drawing/2014/main" id="{D0242802-5854-46C2-A70C-9CDDB44C2C1D}"/>
+                <a16:creationId xmlns:a16="http://schemas.microsoft.com/office/drawing/2014/main" id="{03272A94-23C2-4D67-957D-820D5E9F604A}"/>
               </a:ext>
             </a:extLst>
           </p:cNvPr>
-          <p:cNvPicPr>
-            <a:picLocks noChangeAspect="1"/>
-          </p:cNvPicPr>
+          <p:cNvSpPr txBox="1"/>
+          <p:nvPr/>
+        </p:nvSpPr>
+        <p:spPr>
+          <a:xfrm>
+            <a:off x="7885518" y="979878"/>
+            <a:ext cx="1080495" cy="369332"/>
+          </a:xfrm>
+          <a:prstGeom prst="rect">
+            <a:avLst/>
+          </a:prstGeom>
+          <a:noFill/>
+        </p:spPr>
+        <p:txBody>
+          <a:bodyPr wrap="square" rtlCol="0">
+            <a:spAutoFit/>
+          </a:bodyPr>
+          <a:lstStyle/>
+          <a:p>
+            <a:r>
+              <a:rPr lang="zh-CN" altLang="en-US" b="1" dirty="0">
+                <a:solidFill>
+                  <a:srgbClr val="004C22"/>
+                </a:solidFill>
+                <a:latin typeface="仿宋" panose="02010609060101010101" pitchFamily="49" charset="-122"/>
+                <a:ea typeface="仿宋" panose="02010609060101010101" pitchFamily="49" charset="-122"/>
+              </a:rPr>
+              <a:t>树型</a:t>
+            </a:r>
+          </a:p>
+        </p:txBody>
+      </p:sp>
+    </p:spTree>
+    <p:extLst>
+      <p:ext uri="{BB962C8B-B14F-4D97-AF65-F5344CB8AC3E}">
+        <p14:creationId xmlns:p14="http://schemas.microsoft.com/office/powerpoint/2010/main" val="1428271217"/>
+      </p:ext>
+    </p:extLst>
+  </p:cSld>
+  <p:clrMapOvr>
+    <a:masterClrMapping/>
+  </p:clrMapOvr>
+</p:sld>
+</file>
+
+<file path=ppt/slides/slide8.xml><?xml version="1.0" encoding="utf-8"?>
+<p:sld xmlns:a="http://schemas.openxmlformats.org/drawingml/2006/main" xmlns:r="http://schemas.openxmlformats.org/officeDocument/2006/relationships" xmlns:p="http://schemas.openxmlformats.org/presentationml/2006/main">
+  <p:cSld>
+    <p:spTree>
+      <p:nvGrpSpPr>
+        <p:cNvPr id="1" name=""/>
+        <p:cNvGrpSpPr/>
+        <p:nvPr/>
+      </p:nvGrpSpPr>
+      <p:grpSpPr>
+        <a:xfrm>
+          <a:off x="0" y="0"/>
+          <a:ext cx="0" cy="0"/>
+          <a:chOff x="0" y="0"/>
+          <a:chExt cx="0" cy="0"/>
+        </a:xfrm>
+      </p:grpSpPr>
+      <p:pic>
+        <p:nvPicPr>
+          <p:cNvPr id="2" name="图片 1">
+            <a:extLst>
+              <a:ext uri="{FF2B5EF4-FFF2-40B4-BE49-F238E27FC236}">
+                <a16:creationId xmlns:a16="http://schemas.microsoft.com/office/drawing/2014/main" id="{BF96DDA1-8855-4D23-B2ED-E7A50C3714F2}"/>
+              </a:ext>
+            </a:extLst>
+          </p:cNvPr>
+          <p:cNvPicPr/>
           <p:nvPr/>
         </p:nvPicPr>
         <p:blipFill>
-          <a:blip r:embed="rId4"/>
+          <a:blip r:embed="rId2"/>
           <a:stretch>
             <a:fillRect/>
           </a:stretch>
         </p:blipFill>
         <p:spPr>
           <a:xfrm>
-            <a:off x="31372" y="4630787"/>
-            <a:ext cx="9144000" cy="1884594"/>
+            <a:off x="177987" y="979878"/>
+            <a:ext cx="4826211" cy="4105881"/>
           </a:xfrm>
           <a:prstGeom prst="rect">
             <a:avLst/>
@@ -38155,25 +38194,23 @@
           <p:cNvPr id="3" name="图片 2">
             <a:extLst>
               <a:ext uri="{FF2B5EF4-FFF2-40B4-BE49-F238E27FC236}">
-                <a16:creationId xmlns:a16="http://schemas.microsoft.com/office/drawing/2014/main" id="{D9E0BE0E-7BAA-4ACE-8E07-E71A72D76CC8}"/>
+                <a16:creationId xmlns:a16="http://schemas.microsoft.com/office/drawing/2014/main" id="{55B82F66-5762-4B36-8AB7-E0E5A6B3C663}"/>
               </a:ext>
             </a:extLst>
           </p:cNvPr>
-          <p:cNvPicPr>
-            <a:picLocks noChangeAspect="1"/>
-          </p:cNvPicPr>
+          <p:cNvPicPr/>
           <p:nvPr/>
         </p:nvPicPr>
         <p:blipFill>
-          <a:blip r:embed="rId5"/>
+          <a:blip r:embed="rId3"/>
           <a:stretch>
             <a:fillRect/>
           </a:stretch>
         </p:blipFill>
         <p:spPr>
           <a:xfrm>
-            <a:off x="2505519" y="979878"/>
-            <a:ext cx="5906706" cy="3706759"/>
+            <a:off x="3635571" y="5177717"/>
+            <a:ext cx="5274310" cy="1400810"/>
           </a:xfrm>
           <a:prstGeom prst="rect">
             <a:avLst/>
@@ -38182,10 +38219,10 @@
       </p:pic>
       <p:sp>
         <p:nvSpPr>
-          <p:cNvPr id="9" name="文本框 8">
+          <p:cNvPr id="4" name="文本框 3">
             <a:extLst>
               <a:ext uri="{FF2B5EF4-FFF2-40B4-BE49-F238E27FC236}">
-                <a16:creationId xmlns:a16="http://schemas.microsoft.com/office/drawing/2014/main" id="{4608D061-64AA-4BB3-AA23-7DE069FA04CC}"/>
+                <a16:creationId xmlns:a16="http://schemas.microsoft.com/office/drawing/2014/main" id="{16F142B0-C2E6-4C48-8AFE-C21668617506}"/>
               </a:ext>
             </a:extLst>
           </p:cNvPr>
@@ -38194,8 +38231,8 @@
         </p:nvSpPr>
         <p:spPr>
           <a:xfrm>
-            <a:off x="2338977" y="6192215"/>
-            <a:ext cx="4373313" cy="646331"/>
+            <a:off x="1690680" y="5177717"/>
+            <a:ext cx="1080495" cy="369332"/>
           </a:xfrm>
           <a:prstGeom prst="rect">
             <a:avLst/>
@@ -38203,21 +38240,11 @@
           <a:noFill/>
         </p:spPr>
         <p:txBody>
-          <a:bodyPr wrap="none" rtlCol="0">
+          <a:bodyPr wrap="square" rtlCol="0">
             <a:spAutoFit/>
           </a:bodyPr>
           <a:lstStyle/>
           <a:p>
-            <a:r>
-              <a:rPr lang="en-US" altLang="zh-CN" b="1" dirty="0">
-                <a:solidFill>
-                  <a:srgbClr val="004C22"/>
-                </a:solidFill>
-                <a:latin typeface="仿宋" panose="02010609060101010101" pitchFamily="49" charset="-122"/>
-                <a:ea typeface="仿宋" panose="02010609060101010101" pitchFamily="49" charset="-122"/>
-              </a:rPr>
-              <a:t>1.</a:t>
-            </a:r>
             <a:r>
               <a:rPr lang="zh-CN" altLang="en-US" b="1" dirty="0">
                 <a:solidFill>
@@ -38226,76 +38253,7 @@
                 <a:latin typeface="仿宋" panose="02010609060101010101" pitchFamily="49" charset="-122"/>
                 <a:ea typeface="仿宋" panose="02010609060101010101" pitchFamily="49" charset="-122"/>
               </a:rPr>
-              <a:t>利用灰度等级表达</a:t>
-            </a:r>
-            <a:r>
-              <a:rPr lang="en-US" altLang="zh-CN" b="1" dirty="0">
-                <a:solidFill>
-                  <a:srgbClr val="004C22"/>
-                </a:solidFill>
-                <a:latin typeface="仿宋" panose="02010609060101010101" pitchFamily="49" charset="-122"/>
-                <a:ea typeface="仿宋" panose="02010609060101010101" pitchFamily="49" charset="-122"/>
-              </a:rPr>
-              <a:t>3D</a:t>
-            </a:r>
-            <a:r>
-              <a:rPr lang="zh-CN" altLang="en-US" b="1" dirty="0">
-                <a:solidFill>
-                  <a:srgbClr val="004C22"/>
-                </a:solidFill>
-                <a:latin typeface="仿宋" panose="02010609060101010101" pitchFamily="49" charset="-122"/>
-                <a:ea typeface="仿宋" panose="02010609060101010101" pitchFamily="49" charset="-122"/>
-              </a:rPr>
-              <a:t>深度，任意</a:t>
-            </a:r>
-            <a:r>
-              <a:rPr lang="en-US" altLang="zh-CN" b="1" dirty="0">
-                <a:solidFill>
-                  <a:srgbClr val="004C22"/>
-                </a:solidFill>
-                <a:latin typeface="仿宋" panose="02010609060101010101" pitchFamily="49" charset="-122"/>
-                <a:ea typeface="仿宋" panose="02010609060101010101" pitchFamily="49" charset="-122"/>
-              </a:rPr>
-              <a:t>3D</a:t>
-            </a:r>
-            <a:r>
-              <a:rPr lang="zh-CN" altLang="en-US" b="1" dirty="0">
-                <a:solidFill>
-                  <a:srgbClr val="004C22"/>
-                </a:solidFill>
-                <a:latin typeface="仿宋" panose="02010609060101010101" pitchFamily="49" charset="-122"/>
-                <a:ea typeface="仿宋" panose="02010609060101010101" pitchFamily="49" charset="-122"/>
-              </a:rPr>
-              <a:t>图形</a:t>
-            </a:r>
-            <a:endParaRPr lang="en-US" altLang="zh-CN" b="1" dirty="0">
-              <a:solidFill>
-                <a:srgbClr val="004C22"/>
-              </a:solidFill>
-              <a:latin typeface="仿宋" panose="02010609060101010101" pitchFamily="49" charset="-122"/>
-              <a:ea typeface="仿宋" panose="02010609060101010101" pitchFamily="49" charset="-122"/>
-            </a:endParaRPr>
-          </a:p>
-          <a:p>
-            <a:r>
-              <a:rPr lang="en-US" altLang="zh-CN" b="1" dirty="0">
-                <a:solidFill>
-                  <a:srgbClr val="004C22"/>
-                </a:solidFill>
-                <a:latin typeface="仿宋" panose="02010609060101010101" pitchFamily="49" charset="-122"/>
-                <a:ea typeface="仿宋" panose="02010609060101010101" pitchFamily="49" charset="-122"/>
-              </a:rPr>
-              <a:t>2.</a:t>
-            </a:r>
-            <a:r>
-              <a:rPr lang="zh-CN" altLang="en-US" b="1" dirty="0">
-                <a:solidFill>
-                  <a:srgbClr val="004C22"/>
-                </a:solidFill>
-                <a:latin typeface="仿宋" panose="02010609060101010101" pitchFamily="49" charset="-122"/>
-                <a:ea typeface="仿宋" panose="02010609060101010101" pitchFamily="49" charset="-122"/>
-              </a:rPr>
-              <a:t>矩形、六边形、八边形方式</a:t>
+              <a:t>大脑</a:t>
             </a:r>
           </a:p>
         </p:txBody>
@@ -38303,7 +38261,7 @@
     </p:spTree>
     <p:extLst>
       <p:ext uri="{BB962C8B-B14F-4D97-AF65-F5344CB8AC3E}">
-        <p14:creationId xmlns:p14="http://schemas.microsoft.com/office/powerpoint/2010/main" val="4142742847"/>
+        <p14:creationId xmlns:p14="http://schemas.microsoft.com/office/powerpoint/2010/main" val="3689091340"/>
       </p:ext>
     </p:extLst>
   </p:cSld>
@@ -38313,7 +38271,7 @@
 </p:sld>
 </file>
 
-<file path=ppt/slides/slide8.xml><?xml version="1.0" encoding="utf-8"?>
+<file path=ppt/slides/slide9.xml><?xml version="1.0" encoding="utf-8"?>
 <p:sld xmlns:a="http://schemas.openxmlformats.org/drawingml/2006/main" xmlns:r="http://schemas.openxmlformats.org/officeDocument/2006/relationships" xmlns:p="http://schemas.openxmlformats.org/presentationml/2006/main">
   <p:cSld>
     <p:spTree>
@@ -38546,8 +38504,8 @@
         </p:nvSpPr>
         <p:spPr bwMode="auto">
           <a:xfrm>
-            <a:off x="250020" y="1988340"/>
-            <a:ext cx="7923630" cy="769441"/>
+            <a:off x="250020" y="1916307"/>
+            <a:ext cx="7923630" cy="400110"/>
           </a:xfrm>
           <a:prstGeom prst="rect">
             <a:avLst/>
@@ -38724,23 +38682,6 @@
               </a:defRPr>
             </a:lvl9pPr>
           </a:lstStyle>
-          <a:p>
-            <a:pPr lvl="1">
-              <a:buFont typeface="Wingdings" pitchFamily="2" charset="2"/>
-              <a:buChar char="Ø"/>
-            </a:pPr>
-            <a:r>
-              <a:rPr lang="zh-CN" altLang="en-US" sz="2000" dirty="0">
-                <a:latin typeface="华文仿宋" pitchFamily="2" charset="-122"/>
-                <a:ea typeface="华文仿宋" pitchFamily="2" charset="-122"/>
-              </a:rPr>
-              <a:t>细胞分析功能需求整理</a:t>
-            </a:r>
-            <a:endParaRPr lang="en-US" altLang="zh-CN" sz="2000" dirty="0">
-              <a:latin typeface="华文仿宋" pitchFamily="2" charset="-122"/>
-              <a:ea typeface="华文仿宋" pitchFamily="2" charset="-122"/>
-            </a:endParaRPr>
-          </a:p>
           <a:p>
             <a:pPr lvl="1">
               <a:buFont typeface="Wingdings" pitchFamily="2" charset="2"/>

--- a/月工作报告_2017_11月__熊欣.pptx
+++ b/月工作报告_2017_11月__熊欣.pptx
@@ -18,8 +18,8 @@
     <p:sldId id="311" r:id="rId12"/>
     <p:sldId id="362" r:id="rId13"/>
     <p:sldId id="363" r:id="rId14"/>
-    <p:sldId id="364" r:id="rId15"/>
-    <p:sldId id="367" r:id="rId16"/>
+    <p:sldId id="367" r:id="rId15"/>
+    <p:sldId id="364" r:id="rId16"/>
     <p:sldId id="368" r:id="rId17"/>
     <p:sldId id="369" r:id="rId18"/>
     <p:sldId id="349" r:id="rId19"/>
@@ -316,7 +316,7 @@
               <a:pPr>
                 <a:defRPr/>
               </a:pPr>
-              <a:t>12/1/2017</a:t>
+              <a:t>12/4/2017</a:t>
             </a:fld>
             <a:endParaRPr lang="zh-CN" altLang="en-US"/>
           </a:p>
@@ -517,7 +517,7 @@
               <a:pPr>
                 <a:defRPr/>
               </a:pPr>
-              <a:t>12/1/2017</a:t>
+              <a:t>12/4/2017</a:t>
             </a:fld>
             <a:endParaRPr lang="zh-CN" altLang="en-US"/>
           </a:p>
@@ -734,7 +734,7 @@
               <a:pPr>
                 <a:defRPr/>
               </a:pPr>
-              <a:t>12/1/2017</a:t>
+              <a:t>12/4/2017</a:t>
             </a:fld>
             <a:endParaRPr lang="zh-CN" altLang="en-US" sz="1800">
               <a:solidFill>
@@ -937,7 +937,7 @@
               <a:pPr>
                 <a:defRPr/>
               </a:pPr>
-              <a:t>12/1/2017</a:t>
+              <a:t>12/4/2017</a:t>
             </a:fld>
             <a:endParaRPr lang="zh-CN" altLang="en-US" sz="1800">
               <a:solidFill>
@@ -1163,7 +1163,7 @@
               <a:pPr>
                 <a:defRPr/>
               </a:pPr>
-              <a:t>12/1/2017</a:t>
+              <a:t>12/4/2017</a:t>
             </a:fld>
             <a:endParaRPr lang="zh-CN" altLang="en-US" sz="1800">
               <a:solidFill>
@@ -1483,7 +1483,7 @@
               <a:pPr>
                 <a:defRPr/>
               </a:pPr>
-              <a:t>12/1/2017</a:t>
+              <a:t>12/4/2017</a:t>
             </a:fld>
             <a:endParaRPr lang="zh-CN" altLang="en-US" sz="1800">
               <a:solidFill>
@@ -1937,7 +1937,7 @@
               <a:pPr>
                 <a:defRPr/>
               </a:pPr>
-              <a:t>12/1/2017</a:t>
+              <a:t>12/4/2017</a:t>
             </a:fld>
             <a:endParaRPr lang="zh-CN" altLang="en-US" sz="1800">
               <a:solidFill>
@@ -2089,7 +2089,7 @@
               <a:pPr>
                 <a:defRPr/>
               </a:pPr>
-              <a:t>12/1/2017</a:t>
+              <a:t>12/4/2017</a:t>
             </a:fld>
             <a:endParaRPr lang="zh-CN" altLang="en-US" sz="1800">
               <a:solidFill>
@@ -2219,7 +2219,7 @@
               <a:pPr>
                 <a:defRPr/>
               </a:pPr>
-              <a:t>12/1/2017</a:t>
+              <a:t>12/4/2017</a:t>
             </a:fld>
             <a:endParaRPr lang="zh-CN" altLang="en-US" sz="1800">
               <a:solidFill>
@@ -2529,7 +2529,7 @@
               <a:pPr>
                 <a:defRPr/>
               </a:pPr>
-              <a:t>12/1/2017</a:t>
+              <a:t>12/4/2017</a:t>
             </a:fld>
             <a:endParaRPr lang="zh-CN" altLang="en-US" sz="1800">
               <a:solidFill>
@@ -2819,7 +2819,7 @@
               <a:pPr>
                 <a:defRPr/>
               </a:pPr>
-              <a:t>12/1/2017</a:t>
+              <a:t>12/4/2017</a:t>
             </a:fld>
             <a:endParaRPr lang="zh-CN" altLang="en-US" sz="1800">
               <a:solidFill>
@@ -3022,7 +3022,7 @@
               <a:pPr>
                 <a:defRPr/>
               </a:pPr>
-              <a:t>12/1/2017</a:t>
+              <a:t>12/4/2017</a:t>
             </a:fld>
             <a:endParaRPr lang="zh-CN" altLang="en-US" sz="1800">
               <a:solidFill>
@@ -3237,7 +3237,7 @@
               <a:pPr>
                 <a:defRPr/>
               </a:pPr>
-              <a:t>12/1/2017</a:t>
+              <a:t>12/4/2017</a:t>
             </a:fld>
             <a:endParaRPr lang="zh-CN" altLang="en-US"/>
           </a:p>
@@ -3446,7 +3446,7 @@
               <a:pPr>
                 <a:defRPr/>
               </a:pPr>
-              <a:t>12/1/2017</a:t>
+              <a:t>12/4/2017</a:t>
             </a:fld>
             <a:endParaRPr lang="zh-CN" altLang="en-US" sz="1800">
               <a:solidFill>
@@ -3667,7 +3667,7 @@
               <a:pPr>
                 <a:defRPr/>
               </a:pPr>
-              <a:t>12/1/2017</a:t>
+              <a:t>12/4/2017</a:t>
             </a:fld>
             <a:endParaRPr lang="zh-CN" altLang="en-US" sz="1800">
               <a:solidFill>
@@ -3870,7 +3870,7 @@
               <a:pPr>
                 <a:defRPr/>
               </a:pPr>
-              <a:t>12/1/2017</a:t>
+              <a:t>12/4/2017</a:t>
             </a:fld>
             <a:endParaRPr lang="zh-CN" altLang="en-US" sz="1800">
               <a:solidFill>
@@ -4096,7 +4096,7 @@
               <a:pPr>
                 <a:defRPr/>
               </a:pPr>
-              <a:t>12/1/2017</a:t>
+              <a:t>12/4/2017</a:t>
             </a:fld>
             <a:endParaRPr lang="zh-CN" altLang="en-US" sz="1800">
               <a:solidFill>
@@ -4416,7 +4416,7 @@
               <a:pPr>
                 <a:defRPr/>
               </a:pPr>
-              <a:t>12/1/2017</a:t>
+              <a:t>12/4/2017</a:t>
             </a:fld>
             <a:endParaRPr lang="zh-CN" altLang="en-US" sz="1800">
               <a:solidFill>
@@ -4870,7 +4870,7 @@
               <a:pPr>
                 <a:defRPr/>
               </a:pPr>
-              <a:t>12/1/2017</a:t>
+              <a:t>12/4/2017</a:t>
             </a:fld>
             <a:endParaRPr lang="zh-CN" altLang="en-US" sz="1800">
               <a:solidFill>
@@ -5022,7 +5022,7 @@
               <a:pPr>
                 <a:defRPr/>
               </a:pPr>
-              <a:t>12/1/2017</a:t>
+              <a:t>12/4/2017</a:t>
             </a:fld>
             <a:endParaRPr lang="zh-CN" altLang="en-US" sz="1800">
               <a:solidFill>
@@ -5152,7 +5152,7 @@
               <a:pPr>
                 <a:defRPr/>
               </a:pPr>
-              <a:t>12/1/2017</a:t>
+              <a:t>12/4/2017</a:t>
             </a:fld>
             <a:endParaRPr lang="zh-CN" altLang="en-US" sz="1800">
               <a:solidFill>
@@ -5462,7 +5462,7 @@
               <a:pPr>
                 <a:defRPr/>
               </a:pPr>
-              <a:t>12/1/2017</a:t>
+              <a:t>12/4/2017</a:t>
             </a:fld>
             <a:endParaRPr lang="zh-CN" altLang="en-US" sz="1800">
               <a:solidFill>
@@ -5667,7 +5667,7 @@
               <a:pPr>
                 <a:defRPr/>
               </a:pPr>
-              <a:t>12/1/2017</a:t>
+              <a:t>12/4/2017</a:t>
             </a:fld>
             <a:endParaRPr lang="zh-CN" altLang="en-US"/>
           </a:p>
@@ -5953,7 +5953,7 @@
               <a:pPr>
                 <a:defRPr/>
               </a:pPr>
-              <a:t>12/1/2017</a:t>
+              <a:t>12/4/2017</a:t>
             </a:fld>
             <a:endParaRPr lang="zh-CN" altLang="en-US" sz="1800">
               <a:solidFill>
@@ -6156,7 +6156,7 @@
               <a:pPr>
                 <a:defRPr/>
               </a:pPr>
-              <a:t>12/1/2017</a:t>
+              <a:t>12/4/2017</a:t>
             </a:fld>
             <a:endParaRPr lang="zh-CN" altLang="en-US" sz="1800">
               <a:solidFill>
@@ -6369,7 +6369,7 @@
               <a:pPr>
                 <a:defRPr/>
               </a:pPr>
-              <a:t>12/1/2017</a:t>
+              <a:t>12/4/2017</a:t>
             </a:fld>
             <a:endParaRPr lang="zh-CN" altLang="en-US" sz="1800">
               <a:solidFill>
@@ -6590,7 +6590,7 @@
               <a:pPr>
                 <a:defRPr/>
               </a:pPr>
-              <a:t>12/1/2017</a:t>
+              <a:t>12/4/2017</a:t>
             </a:fld>
             <a:endParaRPr lang="zh-CN" altLang="en-US" sz="1800">
               <a:solidFill>
@@ -6793,7 +6793,7 @@
               <a:pPr>
                 <a:defRPr/>
               </a:pPr>
-              <a:t>12/1/2017</a:t>
+              <a:t>12/4/2017</a:t>
             </a:fld>
             <a:endParaRPr lang="zh-CN" altLang="en-US" sz="1800">
               <a:solidFill>
@@ -7019,7 +7019,7 @@
               <a:pPr>
                 <a:defRPr/>
               </a:pPr>
-              <a:t>12/1/2017</a:t>
+              <a:t>12/4/2017</a:t>
             </a:fld>
             <a:endParaRPr lang="zh-CN" altLang="en-US" sz="1800">
               <a:solidFill>
@@ -7339,7 +7339,7 @@
               <a:pPr>
                 <a:defRPr/>
               </a:pPr>
-              <a:t>12/1/2017</a:t>
+              <a:t>12/4/2017</a:t>
             </a:fld>
             <a:endParaRPr lang="zh-CN" altLang="en-US" sz="1800">
               <a:solidFill>
@@ -7793,7 +7793,7 @@
               <a:pPr>
                 <a:defRPr/>
               </a:pPr>
-              <a:t>12/1/2017</a:t>
+              <a:t>12/4/2017</a:t>
             </a:fld>
             <a:endParaRPr lang="zh-CN" altLang="en-US" sz="1800">
               <a:solidFill>
@@ -7945,7 +7945,7 @@
               <a:pPr>
                 <a:defRPr/>
               </a:pPr>
-              <a:t>12/1/2017</a:t>
+              <a:t>12/4/2017</a:t>
             </a:fld>
             <a:endParaRPr lang="zh-CN" altLang="en-US" sz="1800">
               <a:solidFill>
@@ -8075,7 +8075,7 @@
               <a:pPr>
                 <a:defRPr/>
               </a:pPr>
-              <a:t>12/1/2017</a:t>
+              <a:t>12/4/2017</a:t>
             </a:fld>
             <a:endParaRPr lang="zh-CN" altLang="en-US" sz="1800">
               <a:solidFill>
@@ -8303,7 +8303,7 @@
               <a:pPr>
                 <a:defRPr/>
               </a:pPr>
-              <a:t>12/1/2017</a:t>
+              <a:t>12/4/2017</a:t>
             </a:fld>
             <a:endParaRPr lang="zh-CN" altLang="en-US"/>
           </a:p>
@@ -8609,7 +8609,7 @@
               <a:pPr>
                 <a:defRPr/>
               </a:pPr>
-              <a:t>12/1/2017</a:t>
+              <a:t>12/4/2017</a:t>
             </a:fld>
             <a:endParaRPr lang="zh-CN" altLang="en-US" sz="1800">
               <a:solidFill>
@@ -8899,7 +8899,7 @@
               <a:pPr>
                 <a:defRPr/>
               </a:pPr>
-              <a:t>12/1/2017</a:t>
+              <a:t>12/4/2017</a:t>
             </a:fld>
             <a:endParaRPr lang="zh-CN" altLang="en-US" sz="1800">
               <a:solidFill>
@@ -9102,7 +9102,7 @@
               <a:pPr>
                 <a:defRPr/>
               </a:pPr>
-              <a:t>12/1/2017</a:t>
+              <a:t>12/4/2017</a:t>
             </a:fld>
             <a:endParaRPr lang="zh-CN" altLang="en-US" sz="1800">
               <a:solidFill>
@@ -9315,7 +9315,7 @@
               <a:pPr>
                 <a:defRPr/>
               </a:pPr>
-              <a:t>12/1/2017</a:t>
+              <a:t>12/4/2017</a:t>
             </a:fld>
             <a:endParaRPr lang="zh-CN" altLang="en-US" sz="1800">
               <a:solidFill>
@@ -9536,7 +9536,7 @@
               <a:pPr>
                 <a:defRPr/>
               </a:pPr>
-              <a:t>12/1/2017</a:t>
+              <a:t>12/4/2017</a:t>
             </a:fld>
             <a:endParaRPr lang="zh-CN" altLang="en-US" sz="1800">
               <a:solidFill>
@@ -9739,7 +9739,7 @@
               <a:pPr>
                 <a:defRPr/>
               </a:pPr>
-              <a:t>12/1/2017</a:t>
+              <a:t>12/4/2017</a:t>
             </a:fld>
             <a:endParaRPr lang="zh-CN" altLang="en-US" sz="1800">
               <a:solidFill>
@@ -9965,7 +9965,7 @@
               <a:pPr>
                 <a:defRPr/>
               </a:pPr>
-              <a:t>12/1/2017</a:t>
+              <a:t>12/4/2017</a:t>
             </a:fld>
             <a:endParaRPr lang="zh-CN" altLang="en-US" sz="1800">
               <a:solidFill>
@@ -10285,7 +10285,7 @@
               <a:pPr>
                 <a:defRPr/>
               </a:pPr>
-              <a:t>12/1/2017</a:t>
+              <a:t>12/4/2017</a:t>
             </a:fld>
             <a:endParaRPr lang="zh-CN" altLang="en-US" sz="1800">
               <a:solidFill>
@@ -10739,7 +10739,7 @@
               <a:pPr>
                 <a:defRPr/>
               </a:pPr>
-              <a:t>12/1/2017</a:t>
+              <a:t>12/4/2017</a:t>
             </a:fld>
             <a:endParaRPr lang="zh-CN" altLang="en-US" sz="1800">
               <a:solidFill>
@@ -10891,7 +10891,7 @@
               <a:pPr>
                 <a:defRPr/>
               </a:pPr>
-              <a:t>12/1/2017</a:t>
+              <a:t>12/4/2017</a:t>
             </a:fld>
             <a:endParaRPr lang="zh-CN" altLang="en-US" sz="1800">
               <a:solidFill>
@@ -11213,7 +11213,7 @@
               <a:pPr>
                 <a:defRPr/>
               </a:pPr>
-              <a:t>12/1/2017</a:t>
+              <a:t>12/4/2017</a:t>
             </a:fld>
             <a:endParaRPr lang="zh-CN" altLang="en-US"/>
           </a:p>
@@ -11339,7 +11339,7 @@
               <a:pPr>
                 <a:defRPr/>
               </a:pPr>
-              <a:t>12/1/2017</a:t>
+              <a:t>12/4/2017</a:t>
             </a:fld>
             <a:endParaRPr lang="zh-CN" altLang="en-US" sz="1800">
               <a:solidFill>
@@ -11649,7 +11649,7 @@
               <a:pPr>
                 <a:defRPr/>
               </a:pPr>
-              <a:t>12/1/2017</a:t>
+              <a:t>12/4/2017</a:t>
             </a:fld>
             <a:endParaRPr lang="zh-CN" altLang="en-US" sz="1800">
               <a:solidFill>
@@ -11939,7 +11939,7 @@
               <a:pPr>
                 <a:defRPr/>
               </a:pPr>
-              <a:t>12/1/2017</a:t>
+              <a:t>12/4/2017</a:t>
             </a:fld>
             <a:endParaRPr lang="zh-CN" altLang="en-US" sz="1800">
               <a:solidFill>
@@ -12142,7 +12142,7 @@
               <a:pPr>
                 <a:defRPr/>
               </a:pPr>
-              <a:t>12/1/2017</a:t>
+              <a:t>12/4/2017</a:t>
             </a:fld>
             <a:endParaRPr lang="zh-CN" altLang="en-US" sz="1800">
               <a:solidFill>
@@ -12355,7 +12355,7 @@
               <a:pPr>
                 <a:defRPr/>
               </a:pPr>
-              <a:t>12/1/2017</a:t>
+              <a:t>12/4/2017</a:t>
             </a:fld>
             <a:endParaRPr lang="zh-CN" altLang="en-US" sz="1800">
               <a:solidFill>
@@ -12576,7 +12576,7 @@
               <a:pPr>
                 <a:defRPr/>
               </a:pPr>
-              <a:t>12/1/2017</a:t>
+              <a:t>12/4/2017</a:t>
             </a:fld>
             <a:endParaRPr lang="zh-CN" altLang="en-US" sz="1800">
               <a:solidFill>
@@ -12779,7 +12779,7 @@
               <a:pPr>
                 <a:defRPr/>
               </a:pPr>
-              <a:t>12/1/2017</a:t>
+              <a:t>12/4/2017</a:t>
             </a:fld>
             <a:endParaRPr lang="zh-CN" altLang="en-US" sz="1800">
               <a:solidFill>
@@ -13005,7 +13005,7 @@
               <a:pPr>
                 <a:defRPr/>
               </a:pPr>
-              <a:t>12/1/2017</a:t>
+              <a:t>12/4/2017</a:t>
             </a:fld>
             <a:endParaRPr lang="zh-CN" altLang="en-US" sz="1800">
               <a:solidFill>
@@ -13325,7 +13325,7 @@
               <a:pPr>
                 <a:defRPr/>
               </a:pPr>
-              <a:t>12/1/2017</a:t>
+              <a:t>12/4/2017</a:t>
             </a:fld>
             <a:endParaRPr lang="zh-CN" altLang="en-US" sz="1800">
               <a:solidFill>
@@ -13779,7 +13779,7 @@
               <a:pPr>
                 <a:defRPr/>
               </a:pPr>
-              <a:t>12/1/2017</a:t>
+              <a:t>12/4/2017</a:t>
             </a:fld>
             <a:endParaRPr lang="zh-CN" altLang="en-US" sz="1800">
               <a:solidFill>
@@ -14235,7 +14235,7 @@
               <a:pPr>
                 <a:defRPr/>
               </a:pPr>
-              <a:t>12/1/2017</a:t>
+              <a:t>12/4/2017</a:t>
             </a:fld>
             <a:endParaRPr lang="zh-CN" altLang="en-US"/>
           </a:p>
@@ -14383,7 +14383,7 @@
               <a:pPr>
                 <a:defRPr/>
               </a:pPr>
-              <a:t>12/1/2017</a:t>
+              <a:t>12/4/2017</a:t>
             </a:fld>
             <a:endParaRPr lang="zh-CN" altLang="en-US" sz="1800">
               <a:solidFill>
@@ -14513,7 +14513,7 @@
               <a:pPr>
                 <a:defRPr/>
               </a:pPr>
-              <a:t>12/1/2017</a:t>
+              <a:t>12/4/2017</a:t>
             </a:fld>
             <a:endParaRPr lang="zh-CN" altLang="en-US" sz="1800">
               <a:solidFill>
@@ -14823,7 +14823,7 @@
               <a:pPr>
                 <a:defRPr/>
               </a:pPr>
-              <a:t>12/1/2017</a:t>
+              <a:t>12/4/2017</a:t>
             </a:fld>
             <a:endParaRPr lang="zh-CN" altLang="en-US" sz="1800">
               <a:solidFill>
@@ -15113,7 +15113,7 @@
               <a:pPr>
                 <a:defRPr/>
               </a:pPr>
-              <a:t>12/1/2017</a:t>
+              <a:t>12/4/2017</a:t>
             </a:fld>
             <a:endParaRPr lang="zh-CN" altLang="en-US" sz="1800">
               <a:solidFill>
@@ -15316,7 +15316,7 @@
               <a:pPr>
                 <a:defRPr/>
               </a:pPr>
-              <a:t>12/1/2017</a:t>
+              <a:t>12/4/2017</a:t>
             </a:fld>
             <a:endParaRPr lang="zh-CN" altLang="en-US" sz="1800">
               <a:solidFill>
@@ -15529,7 +15529,7 @@
               <a:pPr>
                 <a:defRPr/>
               </a:pPr>
-              <a:t>12/1/2017</a:t>
+              <a:t>12/4/2017</a:t>
             </a:fld>
             <a:endParaRPr lang="zh-CN" altLang="en-US" sz="1800">
               <a:solidFill>
@@ -15750,7 +15750,7 @@
               <a:pPr>
                 <a:defRPr/>
               </a:pPr>
-              <a:t>12/1/2017</a:t>
+              <a:t>12/4/2017</a:t>
             </a:fld>
             <a:endParaRPr lang="zh-CN" altLang="en-US" sz="1800">
               <a:solidFill>
@@ -15953,7 +15953,7 @@
               <a:pPr>
                 <a:defRPr/>
               </a:pPr>
-              <a:t>12/1/2017</a:t>
+              <a:t>12/4/2017</a:t>
             </a:fld>
             <a:endParaRPr lang="zh-CN" altLang="en-US" sz="1800">
               <a:solidFill>
@@ -16179,7 +16179,7 @@
               <a:pPr>
                 <a:defRPr/>
               </a:pPr>
-              <a:t>12/1/2017</a:t>
+              <a:t>12/4/2017</a:t>
             </a:fld>
             <a:endParaRPr lang="zh-CN" altLang="en-US" sz="1800">
               <a:solidFill>
@@ -16499,7 +16499,7 @@
               <a:pPr>
                 <a:defRPr/>
               </a:pPr>
-              <a:t>12/1/2017</a:t>
+              <a:t>12/4/2017</a:t>
             </a:fld>
             <a:endParaRPr lang="zh-CN" altLang="en-US" sz="1800">
               <a:solidFill>
@@ -16653,7 +16653,7 @@
               <a:pPr>
                 <a:defRPr/>
               </a:pPr>
-              <a:t>12/1/2017</a:t>
+              <a:t>12/4/2017</a:t>
             </a:fld>
             <a:endParaRPr lang="zh-CN" altLang="en-US"/>
           </a:p>
@@ -17103,7 +17103,7 @@
               <a:pPr>
                 <a:defRPr/>
               </a:pPr>
-              <a:t>12/1/2017</a:t>
+              <a:t>12/4/2017</a:t>
             </a:fld>
             <a:endParaRPr lang="zh-CN" altLang="en-US" sz="1800">
               <a:solidFill>
@@ -17255,7 +17255,7 @@
               <a:pPr>
                 <a:defRPr/>
               </a:pPr>
-              <a:t>12/1/2017</a:t>
+              <a:t>12/4/2017</a:t>
             </a:fld>
             <a:endParaRPr lang="zh-CN" altLang="en-US" sz="1800">
               <a:solidFill>
@@ -17385,7 +17385,7 @@
               <a:pPr>
                 <a:defRPr/>
               </a:pPr>
-              <a:t>12/1/2017</a:t>
+              <a:t>12/4/2017</a:t>
             </a:fld>
             <a:endParaRPr lang="zh-CN" altLang="en-US" sz="1800">
               <a:solidFill>
@@ -17695,7 +17695,7 @@
               <a:pPr>
                 <a:defRPr/>
               </a:pPr>
-              <a:t>12/1/2017</a:t>
+              <a:t>12/4/2017</a:t>
             </a:fld>
             <a:endParaRPr lang="zh-CN" altLang="en-US" sz="1800">
               <a:solidFill>
@@ -17985,7 +17985,7 @@
               <a:pPr>
                 <a:defRPr/>
               </a:pPr>
-              <a:t>12/1/2017</a:t>
+              <a:t>12/4/2017</a:t>
             </a:fld>
             <a:endParaRPr lang="zh-CN" altLang="en-US" sz="1800">
               <a:solidFill>
@@ -18188,7 +18188,7 @@
               <a:pPr>
                 <a:defRPr/>
               </a:pPr>
-              <a:t>12/1/2017</a:t>
+              <a:t>12/4/2017</a:t>
             </a:fld>
             <a:endParaRPr lang="zh-CN" altLang="en-US" sz="1800">
               <a:solidFill>
@@ -18401,7 +18401,7 @@
               <a:pPr>
                 <a:defRPr/>
               </a:pPr>
-              <a:t>12/1/2017</a:t>
+              <a:t>12/4/2017</a:t>
             </a:fld>
             <a:endParaRPr lang="zh-CN" altLang="en-US" sz="1800">
               <a:solidFill>
@@ -18622,7 +18622,7 @@
               <a:pPr>
                 <a:defRPr/>
               </a:pPr>
-              <a:t>12/1/2017</a:t>
+              <a:t>12/4/2017</a:t>
             </a:fld>
             <a:endParaRPr lang="zh-CN" altLang="en-US" sz="1800">
               <a:solidFill>
@@ -18825,7 +18825,7 @@
               <a:pPr>
                 <a:defRPr/>
               </a:pPr>
-              <a:t>12/1/2017</a:t>
+              <a:t>12/4/2017</a:t>
             </a:fld>
             <a:endParaRPr lang="zh-CN" altLang="en-US" sz="1800">
               <a:solidFill>
@@ -19051,7 +19051,7 @@
               <a:pPr>
                 <a:defRPr/>
               </a:pPr>
-              <a:t>12/1/2017</a:t>
+              <a:t>12/4/2017</a:t>
             </a:fld>
             <a:endParaRPr lang="zh-CN" altLang="en-US" sz="1800">
               <a:solidFill>
@@ -19183,7 +19183,7 @@
               <a:pPr>
                 <a:defRPr/>
               </a:pPr>
-              <a:t>12/1/2017</a:t>
+              <a:t>12/4/2017</a:t>
             </a:fld>
             <a:endParaRPr lang="zh-CN" altLang="en-US"/>
           </a:p>
@@ -19499,7 +19499,7 @@
               <a:pPr>
                 <a:defRPr/>
               </a:pPr>
-              <a:t>12/1/2017</a:t>
+              <a:t>12/4/2017</a:t>
             </a:fld>
             <a:endParaRPr lang="zh-CN" altLang="en-US" sz="1800">
               <a:solidFill>
@@ -19953,7 +19953,7 @@
               <a:pPr>
                 <a:defRPr/>
               </a:pPr>
-              <a:t>12/1/2017</a:t>
+              <a:t>12/4/2017</a:t>
             </a:fld>
             <a:endParaRPr lang="zh-CN" altLang="en-US" sz="1800">
               <a:solidFill>
@@ -20105,7 +20105,7 @@
               <a:pPr>
                 <a:defRPr/>
               </a:pPr>
-              <a:t>12/1/2017</a:t>
+              <a:t>12/4/2017</a:t>
             </a:fld>
             <a:endParaRPr lang="zh-CN" altLang="en-US" sz="1800">
               <a:solidFill>
@@ -20235,7 +20235,7 @@
               <a:pPr>
                 <a:defRPr/>
               </a:pPr>
-              <a:t>12/1/2017</a:t>
+              <a:t>12/4/2017</a:t>
             </a:fld>
             <a:endParaRPr lang="zh-CN" altLang="en-US" sz="1800">
               <a:solidFill>
@@ -20545,7 +20545,7 @@
               <a:pPr>
                 <a:defRPr/>
               </a:pPr>
-              <a:t>12/1/2017</a:t>
+              <a:t>12/4/2017</a:t>
             </a:fld>
             <a:endParaRPr lang="zh-CN" altLang="en-US" sz="1800">
               <a:solidFill>
@@ -20835,7 +20835,7 @@
               <a:pPr>
                 <a:defRPr/>
               </a:pPr>
-              <a:t>12/1/2017</a:t>
+              <a:t>12/4/2017</a:t>
             </a:fld>
             <a:endParaRPr lang="zh-CN" altLang="en-US" sz="1800">
               <a:solidFill>
@@ -21038,7 +21038,7 @@
               <a:pPr>
                 <a:defRPr/>
               </a:pPr>
-              <a:t>12/1/2017</a:t>
+              <a:t>12/4/2017</a:t>
             </a:fld>
             <a:endParaRPr lang="zh-CN" altLang="en-US" sz="1800">
               <a:solidFill>
@@ -21251,7 +21251,7 @@
               <a:pPr>
                 <a:defRPr/>
               </a:pPr>
-              <a:t>12/1/2017</a:t>
+              <a:t>12/4/2017</a:t>
             </a:fld>
             <a:endParaRPr lang="zh-CN" altLang="en-US" sz="1800">
               <a:solidFill>
@@ -21472,7 +21472,7 @@
               <a:pPr>
                 <a:defRPr/>
               </a:pPr>
-              <a:t>12/1/2017</a:t>
+              <a:t>12/4/2017</a:t>
             </a:fld>
             <a:endParaRPr lang="zh-CN" altLang="en-US" sz="1800">
               <a:solidFill>
@@ -21675,7 +21675,7 @@
               <a:pPr>
                 <a:defRPr/>
               </a:pPr>
-              <a:t>12/1/2017</a:t>
+              <a:t>12/4/2017</a:t>
             </a:fld>
             <a:endParaRPr lang="zh-CN" altLang="en-US" sz="1800">
               <a:solidFill>
@@ -21987,7 +21987,7 @@
               <a:pPr>
                 <a:defRPr/>
               </a:pPr>
-              <a:t>12/1/2017</a:t>
+              <a:t>12/4/2017</a:t>
             </a:fld>
             <a:endParaRPr lang="zh-CN" altLang="en-US"/>
           </a:p>
@@ -22209,7 +22209,7 @@
               <a:pPr>
                 <a:defRPr/>
               </a:pPr>
-              <a:t>12/1/2017</a:t>
+              <a:t>12/4/2017</a:t>
             </a:fld>
             <a:endParaRPr lang="zh-CN" altLang="en-US" sz="1800">
               <a:solidFill>
@@ -22529,7 +22529,7 @@
               <a:pPr>
                 <a:defRPr/>
               </a:pPr>
-              <a:t>12/1/2017</a:t>
+              <a:t>12/4/2017</a:t>
             </a:fld>
             <a:endParaRPr lang="zh-CN" altLang="en-US" sz="1800">
               <a:solidFill>
@@ -22983,7 +22983,7 @@
               <a:pPr>
                 <a:defRPr/>
               </a:pPr>
-              <a:t>12/1/2017</a:t>
+              <a:t>12/4/2017</a:t>
             </a:fld>
             <a:endParaRPr lang="zh-CN" altLang="en-US" sz="1800">
               <a:solidFill>
@@ -23135,7 +23135,7 @@
               <a:pPr>
                 <a:defRPr/>
               </a:pPr>
-              <a:t>12/1/2017</a:t>
+              <a:t>12/4/2017</a:t>
             </a:fld>
             <a:endParaRPr lang="zh-CN" altLang="en-US" sz="1800">
               <a:solidFill>
@@ -23265,7 +23265,7 @@
               <a:pPr>
                 <a:defRPr/>
               </a:pPr>
-              <a:t>12/1/2017</a:t>
+              <a:t>12/4/2017</a:t>
             </a:fld>
             <a:endParaRPr lang="zh-CN" altLang="en-US" sz="1800">
               <a:solidFill>
@@ -23575,7 +23575,7 @@
               <a:pPr>
                 <a:defRPr/>
               </a:pPr>
-              <a:t>12/1/2017</a:t>
+              <a:t>12/4/2017</a:t>
             </a:fld>
             <a:endParaRPr lang="zh-CN" altLang="en-US" sz="1800">
               <a:solidFill>
@@ -23865,7 +23865,7 @@
               <a:pPr>
                 <a:defRPr/>
               </a:pPr>
-              <a:t>12/1/2017</a:t>
+              <a:t>12/4/2017</a:t>
             </a:fld>
             <a:endParaRPr lang="zh-CN" altLang="en-US" sz="1800">
               <a:solidFill>
@@ -24068,7 +24068,7 @@
               <a:pPr>
                 <a:defRPr/>
               </a:pPr>
-              <a:t>12/1/2017</a:t>
+              <a:t>12/4/2017</a:t>
             </a:fld>
             <a:endParaRPr lang="zh-CN" altLang="en-US" sz="1800">
               <a:solidFill>
@@ -24281,7 +24281,7 @@
               <a:pPr>
                 <a:defRPr/>
               </a:pPr>
-              <a:t>12/1/2017</a:t>
+              <a:t>12/4/2017</a:t>
             </a:fld>
             <a:endParaRPr lang="zh-CN" altLang="en-US" sz="1800">
               <a:solidFill>
@@ -24502,7 +24502,7 @@
               <a:pPr>
                 <a:defRPr/>
               </a:pPr>
-              <a:t>12/1/2017</a:t>
+              <a:t>12/4/2017</a:t>
             </a:fld>
             <a:endParaRPr lang="zh-CN" altLang="en-US" sz="1800">
               <a:solidFill>
@@ -24794,7 +24794,7 @@
               <a:pPr>
                 <a:defRPr/>
               </a:pPr>
-              <a:t>12/1/2017</a:t>
+              <a:t>12/4/2017</a:t>
             </a:fld>
             <a:endParaRPr lang="zh-CN" altLang="en-US"/>
           </a:p>
@@ -24993,7 +24993,7 @@
               <a:pPr>
                 <a:defRPr/>
               </a:pPr>
-              <a:t>12/1/2017</a:t>
+              <a:t>12/4/2017</a:t>
             </a:fld>
             <a:endParaRPr lang="zh-CN" altLang="en-US" sz="1800">
               <a:solidFill>
@@ -25219,7 +25219,7 @@
               <a:pPr>
                 <a:defRPr/>
               </a:pPr>
-              <a:t>12/1/2017</a:t>
+              <a:t>12/4/2017</a:t>
             </a:fld>
             <a:endParaRPr lang="zh-CN" altLang="en-US" sz="1800">
               <a:solidFill>
@@ -25539,7 +25539,7 @@
               <a:pPr>
                 <a:defRPr/>
               </a:pPr>
-              <a:t>12/1/2017</a:t>
+              <a:t>12/4/2017</a:t>
             </a:fld>
             <a:endParaRPr lang="zh-CN" altLang="en-US" sz="1800">
               <a:solidFill>
@@ -25993,7 +25993,7 @@
               <a:pPr>
                 <a:defRPr/>
               </a:pPr>
-              <a:t>12/1/2017</a:t>
+              <a:t>12/4/2017</a:t>
             </a:fld>
             <a:endParaRPr lang="zh-CN" altLang="en-US" sz="1800">
               <a:solidFill>
@@ -26145,7 +26145,7 @@
               <a:pPr>
                 <a:defRPr/>
               </a:pPr>
-              <a:t>12/1/2017</a:t>
+              <a:t>12/4/2017</a:t>
             </a:fld>
             <a:endParaRPr lang="zh-CN" altLang="en-US" sz="1800">
               <a:solidFill>
@@ -26275,7 +26275,7 @@
               <a:pPr>
                 <a:defRPr/>
               </a:pPr>
-              <a:t>12/1/2017</a:t>
+              <a:t>12/4/2017</a:t>
             </a:fld>
             <a:endParaRPr lang="zh-CN" altLang="en-US" sz="1800">
               <a:solidFill>
@@ -26585,7 +26585,7 @@
               <a:pPr>
                 <a:defRPr/>
               </a:pPr>
-              <a:t>12/1/2017</a:t>
+              <a:t>12/4/2017</a:t>
             </a:fld>
             <a:endParaRPr lang="zh-CN" altLang="en-US" sz="1800">
               <a:solidFill>
@@ -26875,7 +26875,7 @@
               <a:pPr>
                 <a:defRPr/>
               </a:pPr>
-              <a:t>12/1/2017</a:t>
+              <a:t>12/4/2017</a:t>
             </a:fld>
             <a:endParaRPr lang="zh-CN" altLang="en-US" sz="1800">
               <a:solidFill>
@@ -27078,7 +27078,7 @@
               <a:pPr>
                 <a:defRPr/>
               </a:pPr>
-              <a:t>12/1/2017</a:t>
+              <a:t>12/4/2017</a:t>
             </a:fld>
             <a:endParaRPr lang="zh-CN" altLang="en-US" sz="1800">
               <a:solidFill>
@@ -27291,7 +27291,7 @@
               <a:pPr>
                 <a:defRPr/>
               </a:pPr>
-              <a:t>12/1/2017</a:t>
+              <a:t>12/4/2017</a:t>
             </a:fld>
             <a:endParaRPr lang="zh-CN" altLang="en-US" sz="1800">
               <a:solidFill>
@@ -27615,7 +27615,7 @@
               <a:pPr>
                 <a:defRPr/>
               </a:pPr>
-              <a:t>12/1/2017</a:t>
+              <a:t>12/4/2017</a:t>
             </a:fld>
             <a:endParaRPr lang="zh-CN" altLang="en-US"/>
           </a:p>
@@ -28398,7 +28398,7 @@
               <a:pPr>
                 <a:defRPr/>
               </a:pPr>
-              <a:t>12/1/2017</a:t>
+              <a:t>12/4/2017</a:t>
             </a:fld>
             <a:endParaRPr lang="zh-CN" altLang="en-US"/>
           </a:p>
@@ -29181,7 +29181,7 @@
               <a:pPr>
                 <a:defRPr/>
               </a:pPr>
-              <a:t>12/1/2017</a:t>
+              <a:t>12/4/2017</a:t>
             </a:fld>
             <a:endParaRPr lang="zh-CN" altLang="en-US"/>
           </a:p>
@@ -29964,7 +29964,7 @@
               <a:pPr>
                 <a:defRPr/>
               </a:pPr>
-              <a:t>12/1/2017</a:t>
+              <a:t>12/4/2017</a:t>
             </a:fld>
             <a:endParaRPr lang="zh-CN" altLang="en-US"/>
           </a:p>
@@ -30747,7 +30747,7 @@
               <a:pPr>
                 <a:defRPr/>
               </a:pPr>
-              <a:t>12/1/2017</a:t>
+              <a:t>12/4/2017</a:t>
             </a:fld>
             <a:endParaRPr lang="zh-CN" altLang="en-US"/>
           </a:p>
@@ -31530,7 +31530,7 @@
               <a:pPr>
                 <a:defRPr/>
               </a:pPr>
-              <a:t>12/1/2017</a:t>
+              <a:t>12/4/2017</a:t>
             </a:fld>
             <a:endParaRPr lang="zh-CN" altLang="en-US"/>
           </a:p>
@@ -32313,7 +32313,7 @@
               <a:pPr>
                 <a:defRPr/>
               </a:pPr>
-              <a:t>12/1/2017</a:t>
+              <a:t>12/4/2017</a:t>
             </a:fld>
             <a:endParaRPr lang="zh-CN" altLang="en-US"/>
           </a:p>
@@ -33096,7 +33096,7 @@
               <a:pPr>
                 <a:defRPr/>
               </a:pPr>
-              <a:t>12/1/2017</a:t>
+              <a:t>12/4/2017</a:t>
             </a:fld>
             <a:endParaRPr lang="zh-CN" altLang="en-US"/>
           </a:p>
@@ -33879,7 +33879,7 @@
               <a:pPr>
                 <a:defRPr/>
               </a:pPr>
-              <a:t>12/1/2017</a:t>
+              <a:t>12/4/2017</a:t>
             </a:fld>
             <a:endParaRPr lang="zh-CN" altLang="en-US"/>
           </a:p>
@@ -34662,7 +34662,7 @@
               <a:pPr>
                 <a:defRPr/>
               </a:pPr>
-              <a:t>12/1/2017</a:t>
+              <a:t>12/4/2017</a:t>
             </a:fld>
             <a:endParaRPr lang="zh-CN" altLang="en-US"/>
           </a:p>
@@ -36968,39 +36968,15 @@
           <a:chExt cx="0" cy="0"/>
         </a:xfrm>
       </p:grpSpPr>
-      <p:pic>
-        <p:nvPicPr>
-          <p:cNvPr id="6" name="图片 5">
+      <p:sp>
+        <p:nvSpPr>
+          <p:cNvPr id="3" name="TextBox 2">
             <a:extLst>
               <a:ext uri="{FF2B5EF4-FFF2-40B4-BE49-F238E27FC236}">
-                <a16:creationId xmlns:a16="http://schemas.microsoft.com/office/drawing/2014/main" id="{EE0D7F21-67CA-4689-BB26-B6070C554E36}"/>
+                <a16:creationId xmlns:a16="http://schemas.microsoft.com/office/drawing/2014/main" id="{A32C54CB-70F5-4348-B8F7-13549A5A698A}"/>
               </a:ext>
             </a:extLst>
           </p:cNvPr>
-          <p:cNvPicPr>
-            <a:picLocks noChangeAspect="1"/>
-          </p:cNvPicPr>
-          <p:nvPr/>
-        </p:nvPicPr>
-        <p:blipFill>
-          <a:blip r:embed="rId2"/>
-          <a:stretch>
-            <a:fillRect/>
-          </a:stretch>
-        </p:blipFill>
-        <p:spPr>
-          <a:xfrm>
-            <a:off x="77532" y="2836305"/>
-            <a:ext cx="1829628" cy="2033355"/>
-          </a:xfrm>
-          <a:prstGeom prst="rect">
-            <a:avLst/>
-          </a:prstGeom>
-        </p:spPr>
-      </p:pic>
-      <p:sp>
-        <p:nvSpPr>
-          <p:cNvPr id="114690" name="TextBox 2"/>
           <p:cNvSpPr txBox="1">
             <a:spLocks noChangeArrowheads="1"/>
           </p:cNvSpPr>
@@ -37198,20 +37174,6 @@
                 <a:latin typeface="黑体" pitchFamily="49" charset="-122"/>
                 <a:ea typeface="黑体" pitchFamily="49" charset="-122"/>
               </a:rPr>
-              <a:t>DXF</a:t>
-            </a:r>
-            <a:r>
-              <a:rPr lang="zh-CN" altLang="en-US" sz="2800" b="1" dirty="0">
-                <a:latin typeface="黑体" pitchFamily="49" charset="-122"/>
-                <a:ea typeface="黑体" pitchFamily="49" charset="-122"/>
-              </a:rPr>
-              <a:t>、</a:t>
-            </a:r>
-            <a:r>
-              <a:rPr lang="en-US" altLang="zh-CN" sz="2800" b="1" dirty="0">
-                <a:latin typeface="黑体" pitchFamily="49" charset="-122"/>
-                <a:ea typeface="黑体" pitchFamily="49" charset="-122"/>
-              </a:rPr>
               <a:t>BMP</a:t>
             </a:r>
             <a:r>
@@ -37229,7 +37191,37 @@
           <p:cNvPr id="2" name="图片 1">
             <a:extLst>
               <a:ext uri="{FF2B5EF4-FFF2-40B4-BE49-F238E27FC236}">
-                <a16:creationId xmlns:a16="http://schemas.microsoft.com/office/drawing/2014/main" id="{5A460DAA-6805-4BE3-A3BC-AA9696B22705}"/>
+                <a16:creationId xmlns:a16="http://schemas.microsoft.com/office/drawing/2014/main" id="{0E3A10B4-C02F-4FED-9D8D-C1CBD4B4001A}"/>
+              </a:ext>
+            </a:extLst>
+          </p:cNvPr>
+          <p:cNvPicPr>
+            <a:picLocks noChangeAspect="1"/>
+          </p:cNvPicPr>
+          <p:nvPr/>
+        </p:nvPicPr>
+        <p:blipFill>
+          <a:blip r:embed="rId2"/>
+          <a:stretch>
+            <a:fillRect/>
+          </a:stretch>
+        </p:blipFill>
+        <p:spPr>
+          <a:xfrm>
+            <a:off x="2659502" y="907845"/>
+            <a:ext cx="6338904" cy="3945082"/>
+          </a:xfrm>
+          <a:prstGeom prst="rect">
+            <a:avLst/>
+          </a:prstGeom>
+        </p:spPr>
+      </p:pic>
+      <p:pic>
+        <p:nvPicPr>
+          <p:cNvPr id="5" name="图片 4">
+            <a:extLst>
+              <a:ext uri="{FF2B5EF4-FFF2-40B4-BE49-F238E27FC236}">
+                <a16:creationId xmlns:a16="http://schemas.microsoft.com/office/drawing/2014/main" id="{0F96498C-3B91-4317-815D-9B4DD3C1D9B5}"/>
               </a:ext>
             </a:extLst>
           </p:cNvPr>
@@ -37246,198 +37238,18 @@
         </p:blipFill>
         <p:spPr>
           <a:xfrm>
-            <a:off x="177987" y="979878"/>
-            <a:ext cx="2233023" cy="2033355"/>
+            <a:off x="106556" y="4663891"/>
+            <a:ext cx="4177913" cy="2174600"/>
           </a:xfrm>
           <a:prstGeom prst="rect">
             <a:avLst/>
           </a:prstGeom>
         </p:spPr>
       </p:pic>
-      <p:pic>
-        <p:nvPicPr>
-          <p:cNvPr id="5" name="图片 4">
-            <a:extLst>
-              <a:ext uri="{FF2B5EF4-FFF2-40B4-BE49-F238E27FC236}">
-                <a16:creationId xmlns:a16="http://schemas.microsoft.com/office/drawing/2014/main" id="{D0242802-5854-46C2-A70C-9CDDB44C2C1D}"/>
-              </a:ext>
-            </a:extLst>
-          </p:cNvPr>
-          <p:cNvPicPr>
-            <a:picLocks noChangeAspect="1"/>
-          </p:cNvPicPr>
-          <p:nvPr/>
-        </p:nvPicPr>
-        <p:blipFill>
-          <a:blip r:embed="rId4"/>
-          <a:stretch>
-            <a:fillRect/>
-          </a:stretch>
-        </p:blipFill>
-        <p:spPr>
-          <a:xfrm>
-            <a:off x="31372" y="4630787"/>
-            <a:ext cx="9144000" cy="1884594"/>
-          </a:xfrm>
-          <a:prstGeom prst="rect">
-            <a:avLst/>
-          </a:prstGeom>
-        </p:spPr>
-      </p:pic>
-      <p:pic>
-        <p:nvPicPr>
-          <p:cNvPr id="3" name="图片 2">
-            <a:extLst>
-              <a:ext uri="{FF2B5EF4-FFF2-40B4-BE49-F238E27FC236}">
-                <a16:creationId xmlns:a16="http://schemas.microsoft.com/office/drawing/2014/main" id="{D9E0BE0E-7BAA-4ACE-8E07-E71A72D76CC8}"/>
-              </a:ext>
-            </a:extLst>
-          </p:cNvPr>
-          <p:cNvPicPr>
-            <a:picLocks noChangeAspect="1"/>
-          </p:cNvPicPr>
-          <p:nvPr/>
-        </p:nvPicPr>
-        <p:blipFill>
-          <a:blip r:embed="rId5"/>
-          <a:stretch>
-            <a:fillRect/>
-          </a:stretch>
-        </p:blipFill>
-        <p:spPr>
-          <a:xfrm>
-            <a:off x="2505519" y="979878"/>
-            <a:ext cx="5906706" cy="3706759"/>
-          </a:xfrm>
-          <a:prstGeom prst="rect">
-            <a:avLst/>
-          </a:prstGeom>
-        </p:spPr>
-      </p:pic>
-      <p:sp>
-        <p:nvSpPr>
-          <p:cNvPr id="9" name="文本框 8">
-            <a:extLst>
-              <a:ext uri="{FF2B5EF4-FFF2-40B4-BE49-F238E27FC236}">
-                <a16:creationId xmlns:a16="http://schemas.microsoft.com/office/drawing/2014/main" id="{4608D061-64AA-4BB3-AA23-7DE069FA04CC}"/>
-              </a:ext>
-            </a:extLst>
-          </p:cNvPr>
-          <p:cNvSpPr txBox="1"/>
-          <p:nvPr/>
-        </p:nvSpPr>
-        <p:spPr>
-          <a:xfrm>
-            <a:off x="2338977" y="6192215"/>
-            <a:ext cx="4373313" cy="646331"/>
-          </a:xfrm>
-          <a:prstGeom prst="rect">
-            <a:avLst/>
-          </a:prstGeom>
-          <a:noFill/>
-        </p:spPr>
-        <p:txBody>
-          <a:bodyPr wrap="none" rtlCol="0">
-            <a:spAutoFit/>
-          </a:bodyPr>
-          <a:lstStyle/>
-          <a:p>
-            <a:r>
-              <a:rPr lang="en-US" altLang="zh-CN" b="1" dirty="0">
-                <a:solidFill>
-                  <a:srgbClr val="004C22"/>
-                </a:solidFill>
-                <a:latin typeface="仿宋" panose="02010609060101010101" pitchFamily="49" charset="-122"/>
-                <a:ea typeface="仿宋" panose="02010609060101010101" pitchFamily="49" charset="-122"/>
-              </a:rPr>
-              <a:t>1.</a:t>
-            </a:r>
-            <a:r>
-              <a:rPr lang="zh-CN" altLang="en-US" b="1" dirty="0">
-                <a:solidFill>
-                  <a:srgbClr val="004C22"/>
-                </a:solidFill>
-                <a:latin typeface="仿宋" panose="02010609060101010101" pitchFamily="49" charset="-122"/>
-                <a:ea typeface="仿宋" panose="02010609060101010101" pitchFamily="49" charset="-122"/>
-              </a:rPr>
-              <a:t>利用灰度等级表达</a:t>
-            </a:r>
-            <a:r>
-              <a:rPr lang="en-US" altLang="zh-CN" b="1" dirty="0">
-                <a:solidFill>
-                  <a:srgbClr val="004C22"/>
-                </a:solidFill>
-                <a:latin typeface="仿宋" panose="02010609060101010101" pitchFamily="49" charset="-122"/>
-                <a:ea typeface="仿宋" panose="02010609060101010101" pitchFamily="49" charset="-122"/>
-              </a:rPr>
-              <a:t>3D</a:t>
-            </a:r>
-            <a:r>
-              <a:rPr lang="zh-CN" altLang="en-US" b="1" dirty="0">
-                <a:solidFill>
-                  <a:srgbClr val="004C22"/>
-                </a:solidFill>
-                <a:latin typeface="仿宋" panose="02010609060101010101" pitchFamily="49" charset="-122"/>
-                <a:ea typeface="仿宋" panose="02010609060101010101" pitchFamily="49" charset="-122"/>
-              </a:rPr>
-              <a:t>深度，任意</a:t>
-            </a:r>
-            <a:r>
-              <a:rPr lang="en-US" altLang="zh-CN" b="1" dirty="0">
-                <a:solidFill>
-                  <a:srgbClr val="004C22"/>
-                </a:solidFill>
-                <a:latin typeface="仿宋" panose="02010609060101010101" pitchFamily="49" charset="-122"/>
-                <a:ea typeface="仿宋" panose="02010609060101010101" pitchFamily="49" charset="-122"/>
-              </a:rPr>
-              <a:t>3D</a:t>
-            </a:r>
-            <a:r>
-              <a:rPr lang="zh-CN" altLang="en-US" b="1" dirty="0">
-                <a:solidFill>
-                  <a:srgbClr val="004C22"/>
-                </a:solidFill>
-                <a:latin typeface="仿宋" panose="02010609060101010101" pitchFamily="49" charset="-122"/>
-                <a:ea typeface="仿宋" panose="02010609060101010101" pitchFamily="49" charset="-122"/>
-              </a:rPr>
-              <a:t>图形</a:t>
-            </a:r>
-            <a:endParaRPr lang="en-US" altLang="zh-CN" b="1" dirty="0">
-              <a:solidFill>
-                <a:srgbClr val="004C22"/>
-              </a:solidFill>
-              <a:latin typeface="仿宋" panose="02010609060101010101" pitchFamily="49" charset="-122"/>
-              <a:ea typeface="仿宋" panose="02010609060101010101" pitchFamily="49" charset="-122"/>
-            </a:endParaRPr>
-          </a:p>
-          <a:p>
-            <a:r>
-              <a:rPr lang="en-US" altLang="zh-CN" b="1" dirty="0">
-                <a:solidFill>
-                  <a:srgbClr val="004C22"/>
-                </a:solidFill>
-                <a:latin typeface="仿宋" panose="02010609060101010101" pitchFamily="49" charset="-122"/>
-                <a:ea typeface="仿宋" panose="02010609060101010101" pitchFamily="49" charset="-122"/>
-              </a:rPr>
-              <a:t>2.</a:t>
-            </a:r>
-            <a:r>
-              <a:rPr lang="zh-CN" altLang="en-US" b="1" dirty="0">
-                <a:solidFill>
-                  <a:srgbClr val="004C22"/>
-                </a:solidFill>
-                <a:latin typeface="仿宋" panose="02010609060101010101" pitchFamily="49" charset="-122"/>
-                <a:ea typeface="仿宋" panose="02010609060101010101" pitchFamily="49" charset="-122"/>
-              </a:rPr>
-              <a:t>矩形、六边形、八边形方式</a:t>
-            </a:r>
-          </a:p>
-        </p:txBody>
-      </p:sp>
     </p:spTree>
     <p:extLst>
       <p:ext uri="{BB962C8B-B14F-4D97-AF65-F5344CB8AC3E}">
-        <p14:creationId xmlns:p14="http://schemas.microsoft.com/office/powerpoint/2010/main" val="4142742847"/>
+        <p14:creationId xmlns:p14="http://schemas.microsoft.com/office/powerpoint/2010/main" val="4219929530"/>
       </p:ext>
     </p:extLst>
   </p:cSld>
@@ -37464,15 +37276,39 @@
           <a:chExt cx="0" cy="0"/>
         </a:xfrm>
       </p:grpSpPr>
-      <p:sp>
-        <p:nvSpPr>
-          <p:cNvPr id="3" name="TextBox 2">
+      <p:pic>
+        <p:nvPicPr>
+          <p:cNvPr id="6" name="图片 5">
             <a:extLst>
               <a:ext uri="{FF2B5EF4-FFF2-40B4-BE49-F238E27FC236}">
-                <a16:creationId xmlns:a16="http://schemas.microsoft.com/office/drawing/2014/main" id="{A32C54CB-70F5-4348-B8F7-13549A5A698A}"/>
+                <a16:creationId xmlns:a16="http://schemas.microsoft.com/office/drawing/2014/main" id="{EE0D7F21-67CA-4689-BB26-B6070C554E36}"/>
               </a:ext>
             </a:extLst>
           </p:cNvPr>
+          <p:cNvPicPr>
+            <a:picLocks noChangeAspect="1"/>
+          </p:cNvPicPr>
+          <p:nvPr/>
+        </p:nvPicPr>
+        <p:blipFill>
+          <a:blip r:embed="rId2"/>
+          <a:stretch>
+            <a:fillRect/>
+          </a:stretch>
+        </p:blipFill>
+        <p:spPr>
+          <a:xfrm>
+            <a:off x="77532" y="2836305"/>
+            <a:ext cx="1829628" cy="2033355"/>
+          </a:xfrm>
+          <a:prstGeom prst="rect">
+            <a:avLst/>
+          </a:prstGeom>
+        </p:spPr>
+      </p:pic>
+      <p:sp>
+        <p:nvSpPr>
+          <p:cNvPr id="114690" name="TextBox 2"/>
           <p:cNvSpPr txBox="1">
             <a:spLocks noChangeArrowheads="1"/>
           </p:cNvSpPr>
@@ -37670,6 +37506,20 @@
                 <a:latin typeface="黑体" pitchFamily="49" charset="-122"/>
                 <a:ea typeface="黑体" pitchFamily="49" charset="-122"/>
               </a:rPr>
+              <a:t>DXF</a:t>
+            </a:r>
+            <a:r>
+              <a:rPr lang="zh-CN" altLang="en-US" sz="2800" b="1" dirty="0">
+                <a:latin typeface="黑体" pitchFamily="49" charset="-122"/>
+                <a:ea typeface="黑体" pitchFamily="49" charset="-122"/>
+              </a:rPr>
+              <a:t>、</a:t>
+            </a:r>
+            <a:r>
+              <a:rPr lang="en-US" altLang="zh-CN" sz="2800" b="1" dirty="0">
+                <a:latin typeface="黑体" pitchFamily="49" charset="-122"/>
+                <a:ea typeface="黑体" pitchFamily="49" charset="-122"/>
+              </a:rPr>
               <a:t>BMP</a:t>
             </a:r>
             <a:r>
@@ -37687,37 +37537,7 @@
           <p:cNvPr id="2" name="图片 1">
             <a:extLst>
               <a:ext uri="{FF2B5EF4-FFF2-40B4-BE49-F238E27FC236}">
-                <a16:creationId xmlns:a16="http://schemas.microsoft.com/office/drawing/2014/main" id="{0E3A10B4-C02F-4FED-9D8D-C1CBD4B4001A}"/>
-              </a:ext>
-            </a:extLst>
-          </p:cNvPr>
-          <p:cNvPicPr>
-            <a:picLocks noChangeAspect="1"/>
-          </p:cNvPicPr>
-          <p:nvPr/>
-        </p:nvPicPr>
-        <p:blipFill>
-          <a:blip r:embed="rId2"/>
-          <a:stretch>
-            <a:fillRect/>
-          </a:stretch>
-        </p:blipFill>
-        <p:spPr>
-          <a:xfrm>
-            <a:off x="2659502" y="907845"/>
-            <a:ext cx="6338904" cy="3945082"/>
-          </a:xfrm>
-          <a:prstGeom prst="rect">
-            <a:avLst/>
-          </a:prstGeom>
-        </p:spPr>
-      </p:pic>
-      <p:pic>
-        <p:nvPicPr>
-          <p:cNvPr id="5" name="图片 4">
-            <a:extLst>
-              <a:ext uri="{FF2B5EF4-FFF2-40B4-BE49-F238E27FC236}">
-                <a16:creationId xmlns:a16="http://schemas.microsoft.com/office/drawing/2014/main" id="{0F96498C-3B91-4317-815D-9B4DD3C1D9B5}"/>
+                <a16:creationId xmlns:a16="http://schemas.microsoft.com/office/drawing/2014/main" id="{5A460DAA-6805-4BE3-A3BC-AA9696B22705}"/>
               </a:ext>
             </a:extLst>
           </p:cNvPr>
@@ -37734,18 +37554,198 @@
         </p:blipFill>
         <p:spPr>
           <a:xfrm>
-            <a:off x="106556" y="4663891"/>
-            <a:ext cx="4177913" cy="2174600"/>
+            <a:off x="177987" y="979878"/>
+            <a:ext cx="2233023" cy="2033355"/>
           </a:xfrm>
           <a:prstGeom prst="rect">
             <a:avLst/>
           </a:prstGeom>
         </p:spPr>
       </p:pic>
+      <p:pic>
+        <p:nvPicPr>
+          <p:cNvPr id="5" name="图片 4">
+            <a:extLst>
+              <a:ext uri="{FF2B5EF4-FFF2-40B4-BE49-F238E27FC236}">
+                <a16:creationId xmlns:a16="http://schemas.microsoft.com/office/drawing/2014/main" id="{D0242802-5854-46C2-A70C-9CDDB44C2C1D}"/>
+              </a:ext>
+            </a:extLst>
+          </p:cNvPr>
+          <p:cNvPicPr>
+            <a:picLocks noChangeAspect="1"/>
+          </p:cNvPicPr>
+          <p:nvPr/>
+        </p:nvPicPr>
+        <p:blipFill>
+          <a:blip r:embed="rId4"/>
+          <a:stretch>
+            <a:fillRect/>
+          </a:stretch>
+        </p:blipFill>
+        <p:spPr>
+          <a:xfrm>
+            <a:off x="31372" y="4630787"/>
+            <a:ext cx="9144000" cy="1884594"/>
+          </a:xfrm>
+          <a:prstGeom prst="rect">
+            <a:avLst/>
+          </a:prstGeom>
+        </p:spPr>
+      </p:pic>
+      <p:pic>
+        <p:nvPicPr>
+          <p:cNvPr id="3" name="图片 2">
+            <a:extLst>
+              <a:ext uri="{FF2B5EF4-FFF2-40B4-BE49-F238E27FC236}">
+                <a16:creationId xmlns:a16="http://schemas.microsoft.com/office/drawing/2014/main" id="{D9E0BE0E-7BAA-4ACE-8E07-E71A72D76CC8}"/>
+              </a:ext>
+            </a:extLst>
+          </p:cNvPr>
+          <p:cNvPicPr>
+            <a:picLocks noChangeAspect="1"/>
+          </p:cNvPicPr>
+          <p:nvPr/>
+        </p:nvPicPr>
+        <p:blipFill>
+          <a:blip r:embed="rId5"/>
+          <a:stretch>
+            <a:fillRect/>
+          </a:stretch>
+        </p:blipFill>
+        <p:spPr>
+          <a:xfrm>
+            <a:off x="2505519" y="979878"/>
+            <a:ext cx="5906706" cy="3706759"/>
+          </a:xfrm>
+          <a:prstGeom prst="rect">
+            <a:avLst/>
+          </a:prstGeom>
+        </p:spPr>
+      </p:pic>
+      <p:sp>
+        <p:nvSpPr>
+          <p:cNvPr id="9" name="文本框 8">
+            <a:extLst>
+              <a:ext uri="{FF2B5EF4-FFF2-40B4-BE49-F238E27FC236}">
+                <a16:creationId xmlns:a16="http://schemas.microsoft.com/office/drawing/2014/main" id="{4608D061-64AA-4BB3-AA23-7DE069FA04CC}"/>
+              </a:ext>
+            </a:extLst>
+          </p:cNvPr>
+          <p:cNvSpPr txBox="1"/>
+          <p:nvPr/>
+        </p:nvSpPr>
+        <p:spPr>
+          <a:xfrm>
+            <a:off x="2338977" y="6192215"/>
+            <a:ext cx="4373313" cy="646331"/>
+          </a:xfrm>
+          <a:prstGeom prst="rect">
+            <a:avLst/>
+          </a:prstGeom>
+          <a:noFill/>
+        </p:spPr>
+        <p:txBody>
+          <a:bodyPr wrap="none" rtlCol="0">
+            <a:spAutoFit/>
+          </a:bodyPr>
+          <a:lstStyle/>
+          <a:p>
+            <a:r>
+              <a:rPr lang="en-US" altLang="zh-CN" b="1" dirty="0">
+                <a:solidFill>
+                  <a:srgbClr val="004C22"/>
+                </a:solidFill>
+                <a:latin typeface="仿宋" panose="02010609060101010101" pitchFamily="49" charset="-122"/>
+                <a:ea typeface="仿宋" panose="02010609060101010101" pitchFamily="49" charset="-122"/>
+              </a:rPr>
+              <a:t>1.</a:t>
+            </a:r>
+            <a:r>
+              <a:rPr lang="zh-CN" altLang="en-US" b="1" dirty="0">
+                <a:solidFill>
+                  <a:srgbClr val="004C22"/>
+                </a:solidFill>
+                <a:latin typeface="仿宋" panose="02010609060101010101" pitchFamily="49" charset="-122"/>
+                <a:ea typeface="仿宋" panose="02010609060101010101" pitchFamily="49" charset="-122"/>
+              </a:rPr>
+              <a:t>利用灰度等级表达</a:t>
+            </a:r>
+            <a:r>
+              <a:rPr lang="en-US" altLang="zh-CN" b="1" dirty="0">
+                <a:solidFill>
+                  <a:srgbClr val="004C22"/>
+                </a:solidFill>
+                <a:latin typeface="仿宋" panose="02010609060101010101" pitchFamily="49" charset="-122"/>
+                <a:ea typeface="仿宋" panose="02010609060101010101" pitchFamily="49" charset="-122"/>
+              </a:rPr>
+              <a:t>3D</a:t>
+            </a:r>
+            <a:r>
+              <a:rPr lang="zh-CN" altLang="en-US" b="1" dirty="0">
+                <a:solidFill>
+                  <a:srgbClr val="004C22"/>
+                </a:solidFill>
+                <a:latin typeface="仿宋" panose="02010609060101010101" pitchFamily="49" charset="-122"/>
+                <a:ea typeface="仿宋" panose="02010609060101010101" pitchFamily="49" charset="-122"/>
+              </a:rPr>
+              <a:t>深度，任意</a:t>
+            </a:r>
+            <a:r>
+              <a:rPr lang="en-US" altLang="zh-CN" b="1" dirty="0">
+                <a:solidFill>
+                  <a:srgbClr val="004C22"/>
+                </a:solidFill>
+                <a:latin typeface="仿宋" panose="02010609060101010101" pitchFamily="49" charset="-122"/>
+                <a:ea typeface="仿宋" panose="02010609060101010101" pitchFamily="49" charset="-122"/>
+              </a:rPr>
+              <a:t>3D</a:t>
+            </a:r>
+            <a:r>
+              <a:rPr lang="zh-CN" altLang="en-US" b="1" dirty="0">
+                <a:solidFill>
+                  <a:srgbClr val="004C22"/>
+                </a:solidFill>
+                <a:latin typeface="仿宋" panose="02010609060101010101" pitchFamily="49" charset="-122"/>
+                <a:ea typeface="仿宋" panose="02010609060101010101" pitchFamily="49" charset="-122"/>
+              </a:rPr>
+              <a:t>图形</a:t>
+            </a:r>
+            <a:endParaRPr lang="en-US" altLang="zh-CN" b="1" dirty="0">
+              <a:solidFill>
+                <a:srgbClr val="004C22"/>
+              </a:solidFill>
+              <a:latin typeface="仿宋" panose="02010609060101010101" pitchFamily="49" charset="-122"/>
+              <a:ea typeface="仿宋" panose="02010609060101010101" pitchFamily="49" charset="-122"/>
+            </a:endParaRPr>
+          </a:p>
+          <a:p>
+            <a:r>
+              <a:rPr lang="en-US" altLang="zh-CN" b="1" dirty="0">
+                <a:solidFill>
+                  <a:srgbClr val="004C22"/>
+                </a:solidFill>
+                <a:latin typeface="仿宋" panose="02010609060101010101" pitchFamily="49" charset="-122"/>
+                <a:ea typeface="仿宋" panose="02010609060101010101" pitchFamily="49" charset="-122"/>
+              </a:rPr>
+              <a:t>2.</a:t>
+            </a:r>
+            <a:r>
+              <a:rPr lang="zh-CN" altLang="en-US" b="1" dirty="0">
+                <a:solidFill>
+                  <a:srgbClr val="004C22"/>
+                </a:solidFill>
+                <a:latin typeface="仿宋" panose="02010609060101010101" pitchFamily="49" charset="-122"/>
+                <a:ea typeface="仿宋" panose="02010609060101010101" pitchFamily="49" charset="-122"/>
+              </a:rPr>
+              <a:t>矩形、六边形、八边形方式</a:t>
+            </a:r>
+          </a:p>
+        </p:txBody>
+      </p:sp>
     </p:spTree>
     <p:extLst>
       <p:ext uri="{BB962C8B-B14F-4D97-AF65-F5344CB8AC3E}">
-        <p14:creationId xmlns:p14="http://schemas.microsoft.com/office/powerpoint/2010/main" val="4219929530"/>
+        <p14:creationId xmlns:p14="http://schemas.microsoft.com/office/powerpoint/2010/main" val="4142742847"/>
       </p:ext>
     </p:extLst>
   </p:cSld>
@@ -38505,7 +38505,7 @@
         <p:spPr bwMode="auto">
           <a:xfrm>
             <a:off x="250020" y="1916307"/>
-            <a:ext cx="7923630" cy="400110"/>
+            <a:ext cx="7923630" cy="769441"/>
           </a:xfrm>
           <a:prstGeom prst="rect">
             <a:avLst/>
@@ -38693,6 +38693,30 @@
                 <a:ea typeface="华文仿宋" pitchFamily="2" charset="-122"/>
               </a:rPr>
               <a:t>曲面复眼适应性开发</a:t>
+            </a:r>
+            <a:endParaRPr lang="en-US" altLang="zh-CN" sz="2000" dirty="0">
+              <a:latin typeface="华文仿宋" pitchFamily="2" charset="-122"/>
+              <a:ea typeface="华文仿宋" pitchFamily="2" charset="-122"/>
+            </a:endParaRPr>
+          </a:p>
+          <a:p>
+            <a:pPr lvl="1">
+              <a:buFont typeface="Wingdings" pitchFamily="2" charset="2"/>
+              <a:buChar char="Ø"/>
+            </a:pPr>
+            <a:r>
+              <a:rPr lang="en-US" altLang="zh-CN" sz="2000" dirty="0">
+                <a:latin typeface="华文仿宋" pitchFamily="2" charset="-122"/>
+                <a:ea typeface="华文仿宋" pitchFamily="2" charset="-122"/>
+              </a:rPr>
+              <a:t>BMP</a:t>
+            </a:r>
+            <a:r>
+              <a:rPr lang="zh-CN" altLang="en-US" sz="2000" dirty="0">
+                <a:latin typeface="华文仿宋" pitchFamily="2" charset="-122"/>
+                <a:ea typeface="华文仿宋" pitchFamily="2" charset="-122"/>
+              </a:rPr>
+              <a:t>图形误差修正功能开发</a:t>
             </a:r>
             <a:endParaRPr lang="en-US" altLang="zh-CN" sz="2000" dirty="0">
               <a:latin typeface="华文仿宋" pitchFamily="2" charset="-122"/>

--- a/月工作报告_2017_11月__熊欣.pptx
+++ b/月工作报告_2017_11月__熊欣.pptx
@@ -19,10 +19,11 @@
     <p:sldId id="362" r:id="rId13"/>
     <p:sldId id="363" r:id="rId14"/>
     <p:sldId id="367" r:id="rId15"/>
-    <p:sldId id="364" r:id="rId16"/>
-    <p:sldId id="368" r:id="rId17"/>
-    <p:sldId id="369" r:id="rId18"/>
-    <p:sldId id="349" r:id="rId19"/>
+    <p:sldId id="370" r:id="rId16"/>
+    <p:sldId id="364" r:id="rId17"/>
+    <p:sldId id="368" r:id="rId18"/>
+    <p:sldId id="369" r:id="rId19"/>
+    <p:sldId id="349" r:id="rId20"/>
   </p:sldIdLst>
   <p:sldSz cx="9144000" cy="6858000" type="screen4x3"/>
   <p:notesSz cx="6858000" cy="9144000"/>
@@ -316,7 +317,7 @@
               <a:pPr>
                 <a:defRPr/>
               </a:pPr>
-              <a:t>12/4/2017</a:t>
+              <a:t>1/2/2018</a:t>
             </a:fld>
             <a:endParaRPr lang="zh-CN" altLang="en-US"/>
           </a:p>
@@ -517,7 +518,7 @@
               <a:pPr>
                 <a:defRPr/>
               </a:pPr>
-              <a:t>12/4/2017</a:t>
+              <a:t>1/2/2018</a:t>
             </a:fld>
             <a:endParaRPr lang="zh-CN" altLang="en-US"/>
           </a:p>
@@ -734,7 +735,7 @@
               <a:pPr>
                 <a:defRPr/>
               </a:pPr>
-              <a:t>12/4/2017</a:t>
+              <a:t>1/2/2018</a:t>
             </a:fld>
             <a:endParaRPr lang="zh-CN" altLang="en-US" sz="1800">
               <a:solidFill>
@@ -937,7 +938,7 @@
               <a:pPr>
                 <a:defRPr/>
               </a:pPr>
-              <a:t>12/4/2017</a:t>
+              <a:t>1/2/2018</a:t>
             </a:fld>
             <a:endParaRPr lang="zh-CN" altLang="en-US" sz="1800">
               <a:solidFill>
@@ -1163,7 +1164,7 @@
               <a:pPr>
                 <a:defRPr/>
               </a:pPr>
-              <a:t>12/4/2017</a:t>
+              <a:t>1/2/2018</a:t>
             </a:fld>
             <a:endParaRPr lang="zh-CN" altLang="en-US" sz="1800">
               <a:solidFill>
@@ -1483,7 +1484,7 @@
               <a:pPr>
                 <a:defRPr/>
               </a:pPr>
-              <a:t>12/4/2017</a:t>
+              <a:t>1/2/2018</a:t>
             </a:fld>
             <a:endParaRPr lang="zh-CN" altLang="en-US" sz="1800">
               <a:solidFill>
@@ -1937,7 +1938,7 @@
               <a:pPr>
                 <a:defRPr/>
               </a:pPr>
-              <a:t>12/4/2017</a:t>
+              <a:t>1/2/2018</a:t>
             </a:fld>
             <a:endParaRPr lang="zh-CN" altLang="en-US" sz="1800">
               <a:solidFill>
@@ -2089,7 +2090,7 @@
               <a:pPr>
                 <a:defRPr/>
               </a:pPr>
-              <a:t>12/4/2017</a:t>
+              <a:t>1/2/2018</a:t>
             </a:fld>
             <a:endParaRPr lang="zh-CN" altLang="en-US" sz="1800">
               <a:solidFill>
@@ -2219,7 +2220,7 @@
               <a:pPr>
                 <a:defRPr/>
               </a:pPr>
-              <a:t>12/4/2017</a:t>
+              <a:t>1/2/2018</a:t>
             </a:fld>
             <a:endParaRPr lang="zh-CN" altLang="en-US" sz="1800">
               <a:solidFill>
@@ -2529,7 +2530,7 @@
               <a:pPr>
                 <a:defRPr/>
               </a:pPr>
-              <a:t>12/4/2017</a:t>
+              <a:t>1/2/2018</a:t>
             </a:fld>
             <a:endParaRPr lang="zh-CN" altLang="en-US" sz="1800">
               <a:solidFill>
@@ -2819,7 +2820,7 @@
               <a:pPr>
                 <a:defRPr/>
               </a:pPr>
-              <a:t>12/4/2017</a:t>
+              <a:t>1/2/2018</a:t>
             </a:fld>
             <a:endParaRPr lang="zh-CN" altLang="en-US" sz="1800">
               <a:solidFill>
@@ -3022,7 +3023,7 @@
               <a:pPr>
                 <a:defRPr/>
               </a:pPr>
-              <a:t>12/4/2017</a:t>
+              <a:t>1/2/2018</a:t>
             </a:fld>
             <a:endParaRPr lang="zh-CN" altLang="en-US" sz="1800">
               <a:solidFill>
@@ -3237,7 +3238,7 @@
               <a:pPr>
                 <a:defRPr/>
               </a:pPr>
-              <a:t>12/4/2017</a:t>
+              <a:t>1/2/2018</a:t>
             </a:fld>
             <a:endParaRPr lang="zh-CN" altLang="en-US"/>
           </a:p>
@@ -3446,7 +3447,7 @@
               <a:pPr>
                 <a:defRPr/>
               </a:pPr>
-              <a:t>12/4/2017</a:t>
+              <a:t>1/2/2018</a:t>
             </a:fld>
             <a:endParaRPr lang="zh-CN" altLang="en-US" sz="1800">
               <a:solidFill>
@@ -3667,7 +3668,7 @@
               <a:pPr>
                 <a:defRPr/>
               </a:pPr>
-              <a:t>12/4/2017</a:t>
+              <a:t>1/2/2018</a:t>
             </a:fld>
             <a:endParaRPr lang="zh-CN" altLang="en-US" sz="1800">
               <a:solidFill>
@@ -3870,7 +3871,7 @@
               <a:pPr>
                 <a:defRPr/>
               </a:pPr>
-              <a:t>12/4/2017</a:t>
+              <a:t>1/2/2018</a:t>
             </a:fld>
             <a:endParaRPr lang="zh-CN" altLang="en-US" sz="1800">
               <a:solidFill>
@@ -4096,7 +4097,7 @@
               <a:pPr>
                 <a:defRPr/>
               </a:pPr>
-              <a:t>12/4/2017</a:t>
+              <a:t>1/2/2018</a:t>
             </a:fld>
             <a:endParaRPr lang="zh-CN" altLang="en-US" sz="1800">
               <a:solidFill>
@@ -4416,7 +4417,7 @@
               <a:pPr>
                 <a:defRPr/>
               </a:pPr>
-              <a:t>12/4/2017</a:t>
+              <a:t>1/2/2018</a:t>
             </a:fld>
             <a:endParaRPr lang="zh-CN" altLang="en-US" sz="1800">
               <a:solidFill>
@@ -4870,7 +4871,7 @@
               <a:pPr>
                 <a:defRPr/>
               </a:pPr>
-              <a:t>12/4/2017</a:t>
+              <a:t>1/2/2018</a:t>
             </a:fld>
             <a:endParaRPr lang="zh-CN" altLang="en-US" sz="1800">
               <a:solidFill>
@@ -5022,7 +5023,7 @@
               <a:pPr>
                 <a:defRPr/>
               </a:pPr>
-              <a:t>12/4/2017</a:t>
+              <a:t>1/2/2018</a:t>
             </a:fld>
             <a:endParaRPr lang="zh-CN" altLang="en-US" sz="1800">
               <a:solidFill>
@@ -5152,7 +5153,7 @@
               <a:pPr>
                 <a:defRPr/>
               </a:pPr>
-              <a:t>12/4/2017</a:t>
+              <a:t>1/2/2018</a:t>
             </a:fld>
             <a:endParaRPr lang="zh-CN" altLang="en-US" sz="1800">
               <a:solidFill>
@@ -5462,7 +5463,7 @@
               <a:pPr>
                 <a:defRPr/>
               </a:pPr>
-              <a:t>12/4/2017</a:t>
+              <a:t>1/2/2018</a:t>
             </a:fld>
             <a:endParaRPr lang="zh-CN" altLang="en-US" sz="1800">
               <a:solidFill>
@@ -5667,7 +5668,7 @@
               <a:pPr>
                 <a:defRPr/>
               </a:pPr>
-              <a:t>12/4/2017</a:t>
+              <a:t>1/2/2018</a:t>
             </a:fld>
             <a:endParaRPr lang="zh-CN" altLang="en-US"/>
           </a:p>
@@ -5953,7 +5954,7 @@
               <a:pPr>
                 <a:defRPr/>
               </a:pPr>
-              <a:t>12/4/2017</a:t>
+              <a:t>1/2/2018</a:t>
             </a:fld>
             <a:endParaRPr lang="zh-CN" altLang="en-US" sz="1800">
               <a:solidFill>
@@ -6156,7 +6157,7 @@
               <a:pPr>
                 <a:defRPr/>
               </a:pPr>
-              <a:t>12/4/2017</a:t>
+              <a:t>1/2/2018</a:t>
             </a:fld>
             <a:endParaRPr lang="zh-CN" altLang="en-US" sz="1800">
               <a:solidFill>
@@ -6369,7 +6370,7 @@
               <a:pPr>
                 <a:defRPr/>
               </a:pPr>
-              <a:t>12/4/2017</a:t>
+              <a:t>1/2/2018</a:t>
             </a:fld>
             <a:endParaRPr lang="zh-CN" altLang="en-US" sz="1800">
               <a:solidFill>
@@ -6590,7 +6591,7 @@
               <a:pPr>
                 <a:defRPr/>
               </a:pPr>
-              <a:t>12/4/2017</a:t>
+              <a:t>1/2/2018</a:t>
             </a:fld>
             <a:endParaRPr lang="zh-CN" altLang="en-US" sz="1800">
               <a:solidFill>
@@ -6793,7 +6794,7 @@
               <a:pPr>
                 <a:defRPr/>
               </a:pPr>
-              <a:t>12/4/2017</a:t>
+              <a:t>1/2/2018</a:t>
             </a:fld>
             <a:endParaRPr lang="zh-CN" altLang="en-US" sz="1800">
               <a:solidFill>
@@ -7019,7 +7020,7 @@
               <a:pPr>
                 <a:defRPr/>
               </a:pPr>
-              <a:t>12/4/2017</a:t>
+              <a:t>1/2/2018</a:t>
             </a:fld>
             <a:endParaRPr lang="zh-CN" altLang="en-US" sz="1800">
               <a:solidFill>
@@ -7339,7 +7340,7 @@
               <a:pPr>
                 <a:defRPr/>
               </a:pPr>
-              <a:t>12/4/2017</a:t>
+              <a:t>1/2/2018</a:t>
             </a:fld>
             <a:endParaRPr lang="zh-CN" altLang="en-US" sz="1800">
               <a:solidFill>
@@ -7793,7 +7794,7 @@
               <a:pPr>
                 <a:defRPr/>
               </a:pPr>
-              <a:t>12/4/2017</a:t>
+              <a:t>1/2/2018</a:t>
             </a:fld>
             <a:endParaRPr lang="zh-CN" altLang="en-US" sz="1800">
               <a:solidFill>
@@ -7945,7 +7946,7 @@
               <a:pPr>
                 <a:defRPr/>
               </a:pPr>
-              <a:t>12/4/2017</a:t>
+              <a:t>1/2/2018</a:t>
             </a:fld>
             <a:endParaRPr lang="zh-CN" altLang="en-US" sz="1800">
               <a:solidFill>
@@ -8075,7 +8076,7 @@
               <a:pPr>
                 <a:defRPr/>
               </a:pPr>
-              <a:t>12/4/2017</a:t>
+              <a:t>1/2/2018</a:t>
             </a:fld>
             <a:endParaRPr lang="zh-CN" altLang="en-US" sz="1800">
               <a:solidFill>
@@ -8303,7 +8304,7 @@
               <a:pPr>
                 <a:defRPr/>
               </a:pPr>
-              <a:t>12/4/2017</a:t>
+              <a:t>1/2/2018</a:t>
             </a:fld>
             <a:endParaRPr lang="zh-CN" altLang="en-US"/>
           </a:p>
@@ -8609,7 +8610,7 @@
               <a:pPr>
                 <a:defRPr/>
               </a:pPr>
-              <a:t>12/4/2017</a:t>
+              <a:t>1/2/2018</a:t>
             </a:fld>
             <a:endParaRPr lang="zh-CN" altLang="en-US" sz="1800">
               <a:solidFill>
@@ -8899,7 +8900,7 @@
               <a:pPr>
                 <a:defRPr/>
               </a:pPr>
-              <a:t>12/4/2017</a:t>
+              <a:t>1/2/2018</a:t>
             </a:fld>
             <a:endParaRPr lang="zh-CN" altLang="en-US" sz="1800">
               <a:solidFill>
@@ -9102,7 +9103,7 @@
               <a:pPr>
                 <a:defRPr/>
               </a:pPr>
-              <a:t>12/4/2017</a:t>
+              <a:t>1/2/2018</a:t>
             </a:fld>
             <a:endParaRPr lang="zh-CN" altLang="en-US" sz="1800">
               <a:solidFill>
@@ -9315,7 +9316,7 @@
               <a:pPr>
                 <a:defRPr/>
               </a:pPr>
-              <a:t>12/4/2017</a:t>
+              <a:t>1/2/2018</a:t>
             </a:fld>
             <a:endParaRPr lang="zh-CN" altLang="en-US" sz="1800">
               <a:solidFill>
@@ -9536,7 +9537,7 @@
               <a:pPr>
                 <a:defRPr/>
               </a:pPr>
-              <a:t>12/4/2017</a:t>
+              <a:t>1/2/2018</a:t>
             </a:fld>
             <a:endParaRPr lang="zh-CN" altLang="en-US" sz="1800">
               <a:solidFill>
@@ -9739,7 +9740,7 @@
               <a:pPr>
                 <a:defRPr/>
               </a:pPr>
-              <a:t>12/4/2017</a:t>
+              <a:t>1/2/2018</a:t>
             </a:fld>
             <a:endParaRPr lang="zh-CN" altLang="en-US" sz="1800">
               <a:solidFill>
@@ -9965,7 +9966,7 @@
               <a:pPr>
                 <a:defRPr/>
               </a:pPr>
-              <a:t>12/4/2017</a:t>
+              <a:t>1/2/2018</a:t>
             </a:fld>
             <a:endParaRPr lang="zh-CN" altLang="en-US" sz="1800">
               <a:solidFill>
@@ -10285,7 +10286,7 @@
               <a:pPr>
                 <a:defRPr/>
               </a:pPr>
-              <a:t>12/4/2017</a:t>
+              <a:t>1/2/2018</a:t>
             </a:fld>
             <a:endParaRPr lang="zh-CN" altLang="en-US" sz="1800">
               <a:solidFill>
@@ -10739,7 +10740,7 @@
               <a:pPr>
                 <a:defRPr/>
               </a:pPr>
-              <a:t>12/4/2017</a:t>
+              <a:t>1/2/2018</a:t>
             </a:fld>
             <a:endParaRPr lang="zh-CN" altLang="en-US" sz="1800">
               <a:solidFill>
@@ -10891,7 +10892,7 @@
               <a:pPr>
                 <a:defRPr/>
               </a:pPr>
-              <a:t>12/4/2017</a:t>
+              <a:t>1/2/2018</a:t>
             </a:fld>
             <a:endParaRPr lang="zh-CN" altLang="en-US" sz="1800">
               <a:solidFill>
@@ -11213,7 +11214,7 @@
               <a:pPr>
                 <a:defRPr/>
               </a:pPr>
-              <a:t>12/4/2017</a:t>
+              <a:t>1/2/2018</a:t>
             </a:fld>
             <a:endParaRPr lang="zh-CN" altLang="en-US"/>
           </a:p>
@@ -11339,7 +11340,7 @@
               <a:pPr>
                 <a:defRPr/>
               </a:pPr>
-              <a:t>12/4/2017</a:t>
+              <a:t>1/2/2018</a:t>
             </a:fld>
             <a:endParaRPr lang="zh-CN" altLang="en-US" sz="1800">
               <a:solidFill>
@@ -11649,7 +11650,7 @@
               <a:pPr>
                 <a:defRPr/>
               </a:pPr>
-              <a:t>12/4/2017</a:t>
+              <a:t>1/2/2018</a:t>
             </a:fld>
             <a:endParaRPr lang="zh-CN" altLang="en-US" sz="1800">
               <a:solidFill>
@@ -11939,7 +11940,7 @@
               <a:pPr>
                 <a:defRPr/>
               </a:pPr>
-              <a:t>12/4/2017</a:t>
+              <a:t>1/2/2018</a:t>
             </a:fld>
             <a:endParaRPr lang="zh-CN" altLang="en-US" sz="1800">
               <a:solidFill>
@@ -12142,7 +12143,7 @@
               <a:pPr>
                 <a:defRPr/>
               </a:pPr>
-              <a:t>12/4/2017</a:t>
+              <a:t>1/2/2018</a:t>
             </a:fld>
             <a:endParaRPr lang="zh-CN" altLang="en-US" sz="1800">
               <a:solidFill>
@@ -12355,7 +12356,7 @@
               <a:pPr>
                 <a:defRPr/>
               </a:pPr>
-              <a:t>12/4/2017</a:t>
+              <a:t>1/2/2018</a:t>
             </a:fld>
             <a:endParaRPr lang="zh-CN" altLang="en-US" sz="1800">
               <a:solidFill>
@@ -12576,7 +12577,7 @@
               <a:pPr>
                 <a:defRPr/>
               </a:pPr>
-              <a:t>12/4/2017</a:t>
+              <a:t>1/2/2018</a:t>
             </a:fld>
             <a:endParaRPr lang="zh-CN" altLang="en-US" sz="1800">
               <a:solidFill>
@@ -12779,7 +12780,7 @@
               <a:pPr>
                 <a:defRPr/>
               </a:pPr>
-              <a:t>12/4/2017</a:t>
+              <a:t>1/2/2018</a:t>
             </a:fld>
             <a:endParaRPr lang="zh-CN" altLang="en-US" sz="1800">
               <a:solidFill>
@@ -13005,7 +13006,7 @@
               <a:pPr>
                 <a:defRPr/>
               </a:pPr>
-              <a:t>12/4/2017</a:t>
+              <a:t>1/2/2018</a:t>
             </a:fld>
             <a:endParaRPr lang="zh-CN" altLang="en-US" sz="1800">
               <a:solidFill>
@@ -13325,7 +13326,7 @@
               <a:pPr>
                 <a:defRPr/>
               </a:pPr>
-              <a:t>12/4/2017</a:t>
+              <a:t>1/2/2018</a:t>
             </a:fld>
             <a:endParaRPr lang="zh-CN" altLang="en-US" sz="1800">
               <a:solidFill>
@@ -13779,7 +13780,7 @@
               <a:pPr>
                 <a:defRPr/>
               </a:pPr>
-              <a:t>12/4/2017</a:t>
+              <a:t>1/2/2018</a:t>
             </a:fld>
             <a:endParaRPr lang="zh-CN" altLang="en-US" sz="1800">
               <a:solidFill>
@@ -14235,7 +14236,7 @@
               <a:pPr>
                 <a:defRPr/>
               </a:pPr>
-              <a:t>12/4/2017</a:t>
+              <a:t>1/2/2018</a:t>
             </a:fld>
             <a:endParaRPr lang="zh-CN" altLang="en-US"/>
           </a:p>
@@ -14383,7 +14384,7 @@
               <a:pPr>
                 <a:defRPr/>
               </a:pPr>
-              <a:t>12/4/2017</a:t>
+              <a:t>1/2/2018</a:t>
             </a:fld>
             <a:endParaRPr lang="zh-CN" altLang="en-US" sz="1800">
               <a:solidFill>
@@ -14513,7 +14514,7 @@
               <a:pPr>
                 <a:defRPr/>
               </a:pPr>
-              <a:t>12/4/2017</a:t>
+              <a:t>1/2/2018</a:t>
             </a:fld>
             <a:endParaRPr lang="zh-CN" altLang="en-US" sz="1800">
               <a:solidFill>
@@ -14823,7 +14824,7 @@
               <a:pPr>
                 <a:defRPr/>
               </a:pPr>
-              <a:t>12/4/2017</a:t>
+              <a:t>1/2/2018</a:t>
             </a:fld>
             <a:endParaRPr lang="zh-CN" altLang="en-US" sz="1800">
               <a:solidFill>
@@ -15113,7 +15114,7 @@
               <a:pPr>
                 <a:defRPr/>
               </a:pPr>
-              <a:t>12/4/2017</a:t>
+              <a:t>1/2/2018</a:t>
             </a:fld>
             <a:endParaRPr lang="zh-CN" altLang="en-US" sz="1800">
               <a:solidFill>
@@ -15316,7 +15317,7 @@
               <a:pPr>
                 <a:defRPr/>
               </a:pPr>
-              <a:t>12/4/2017</a:t>
+              <a:t>1/2/2018</a:t>
             </a:fld>
             <a:endParaRPr lang="zh-CN" altLang="en-US" sz="1800">
               <a:solidFill>
@@ -15529,7 +15530,7 @@
               <a:pPr>
                 <a:defRPr/>
               </a:pPr>
-              <a:t>12/4/2017</a:t>
+              <a:t>1/2/2018</a:t>
             </a:fld>
             <a:endParaRPr lang="zh-CN" altLang="en-US" sz="1800">
               <a:solidFill>
@@ -15750,7 +15751,7 @@
               <a:pPr>
                 <a:defRPr/>
               </a:pPr>
-              <a:t>12/4/2017</a:t>
+              <a:t>1/2/2018</a:t>
             </a:fld>
             <a:endParaRPr lang="zh-CN" altLang="en-US" sz="1800">
               <a:solidFill>
@@ -15953,7 +15954,7 @@
               <a:pPr>
                 <a:defRPr/>
               </a:pPr>
-              <a:t>12/4/2017</a:t>
+              <a:t>1/2/2018</a:t>
             </a:fld>
             <a:endParaRPr lang="zh-CN" altLang="en-US" sz="1800">
               <a:solidFill>
@@ -16179,7 +16180,7 @@
               <a:pPr>
                 <a:defRPr/>
               </a:pPr>
-              <a:t>12/4/2017</a:t>
+              <a:t>1/2/2018</a:t>
             </a:fld>
             <a:endParaRPr lang="zh-CN" altLang="en-US" sz="1800">
               <a:solidFill>
@@ -16499,7 +16500,7 @@
               <a:pPr>
                 <a:defRPr/>
               </a:pPr>
-              <a:t>12/4/2017</a:t>
+              <a:t>1/2/2018</a:t>
             </a:fld>
             <a:endParaRPr lang="zh-CN" altLang="en-US" sz="1800">
               <a:solidFill>
@@ -16653,7 +16654,7 @@
               <a:pPr>
                 <a:defRPr/>
               </a:pPr>
-              <a:t>12/4/2017</a:t>
+              <a:t>1/2/2018</a:t>
             </a:fld>
             <a:endParaRPr lang="zh-CN" altLang="en-US"/>
           </a:p>
@@ -17103,7 +17104,7 @@
               <a:pPr>
                 <a:defRPr/>
               </a:pPr>
-              <a:t>12/4/2017</a:t>
+              <a:t>1/2/2018</a:t>
             </a:fld>
             <a:endParaRPr lang="zh-CN" altLang="en-US" sz="1800">
               <a:solidFill>
@@ -17255,7 +17256,7 @@
               <a:pPr>
                 <a:defRPr/>
               </a:pPr>
-              <a:t>12/4/2017</a:t>
+              <a:t>1/2/2018</a:t>
             </a:fld>
             <a:endParaRPr lang="zh-CN" altLang="en-US" sz="1800">
               <a:solidFill>
@@ -17385,7 +17386,7 @@
               <a:pPr>
                 <a:defRPr/>
               </a:pPr>
-              <a:t>12/4/2017</a:t>
+              <a:t>1/2/2018</a:t>
             </a:fld>
             <a:endParaRPr lang="zh-CN" altLang="en-US" sz="1800">
               <a:solidFill>
@@ -17695,7 +17696,7 @@
               <a:pPr>
                 <a:defRPr/>
               </a:pPr>
-              <a:t>12/4/2017</a:t>
+              <a:t>1/2/2018</a:t>
             </a:fld>
             <a:endParaRPr lang="zh-CN" altLang="en-US" sz="1800">
               <a:solidFill>
@@ -17985,7 +17986,7 @@
               <a:pPr>
                 <a:defRPr/>
               </a:pPr>
-              <a:t>12/4/2017</a:t>
+              <a:t>1/2/2018</a:t>
             </a:fld>
             <a:endParaRPr lang="zh-CN" altLang="en-US" sz="1800">
               <a:solidFill>
@@ -18188,7 +18189,7 @@
               <a:pPr>
                 <a:defRPr/>
               </a:pPr>
-              <a:t>12/4/2017</a:t>
+              <a:t>1/2/2018</a:t>
             </a:fld>
             <a:endParaRPr lang="zh-CN" altLang="en-US" sz="1800">
               <a:solidFill>
@@ -18401,7 +18402,7 @@
               <a:pPr>
                 <a:defRPr/>
               </a:pPr>
-              <a:t>12/4/2017</a:t>
+              <a:t>1/2/2018</a:t>
             </a:fld>
             <a:endParaRPr lang="zh-CN" altLang="en-US" sz="1800">
               <a:solidFill>
@@ -18622,7 +18623,7 @@
               <a:pPr>
                 <a:defRPr/>
               </a:pPr>
-              <a:t>12/4/2017</a:t>
+              <a:t>1/2/2018</a:t>
             </a:fld>
             <a:endParaRPr lang="zh-CN" altLang="en-US" sz="1800">
               <a:solidFill>
@@ -18825,7 +18826,7 @@
               <a:pPr>
                 <a:defRPr/>
               </a:pPr>
-              <a:t>12/4/2017</a:t>
+              <a:t>1/2/2018</a:t>
             </a:fld>
             <a:endParaRPr lang="zh-CN" altLang="en-US" sz="1800">
               <a:solidFill>
@@ -19051,7 +19052,7 @@
               <a:pPr>
                 <a:defRPr/>
               </a:pPr>
-              <a:t>12/4/2017</a:t>
+              <a:t>1/2/2018</a:t>
             </a:fld>
             <a:endParaRPr lang="zh-CN" altLang="en-US" sz="1800">
               <a:solidFill>
@@ -19183,7 +19184,7 @@
               <a:pPr>
                 <a:defRPr/>
               </a:pPr>
-              <a:t>12/4/2017</a:t>
+              <a:t>1/2/2018</a:t>
             </a:fld>
             <a:endParaRPr lang="zh-CN" altLang="en-US"/>
           </a:p>
@@ -19499,7 +19500,7 @@
               <a:pPr>
                 <a:defRPr/>
               </a:pPr>
-              <a:t>12/4/2017</a:t>
+              <a:t>1/2/2018</a:t>
             </a:fld>
             <a:endParaRPr lang="zh-CN" altLang="en-US" sz="1800">
               <a:solidFill>
@@ -19953,7 +19954,7 @@
               <a:pPr>
                 <a:defRPr/>
               </a:pPr>
-              <a:t>12/4/2017</a:t>
+              <a:t>1/2/2018</a:t>
             </a:fld>
             <a:endParaRPr lang="zh-CN" altLang="en-US" sz="1800">
               <a:solidFill>
@@ -20105,7 +20106,7 @@
               <a:pPr>
                 <a:defRPr/>
               </a:pPr>
-              <a:t>12/4/2017</a:t>
+              <a:t>1/2/2018</a:t>
             </a:fld>
             <a:endParaRPr lang="zh-CN" altLang="en-US" sz="1800">
               <a:solidFill>
@@ -20235,7 +20236,7 @@
               <a:pPr>
                 <a:defRPr/>
               </a:pPr>
-              <a:t>12/4/2017</a:t>
+              <a:t>1/2/2018</a:t>
             </a:fld>
             <a:endParaRPr lang="zh-CN" altLang="en-US" sz="1800">
               <a:solidFill>
@@ -20545,7 +20546,7 @@
               <a:pPr>
                 <a:defRPr/>
               </a:pPr>
-              <a:t>12/4/2017</a:t>
+              <a:t>1/2/2018</a:t>
             </a:fld>
             <a:endParaRPr lang="zh-CN" altLang="en-US" sz="1800">
               <a:solidFill>
@@ -20835,7 +20836,7 @@
               <a:pPr>
                 <a:defRPr/>
               </a:pPr>
-              <a:t>12/4/2017</a:t>
+              <a:t>1/2/2018</a:t>
             </a:fld>
             <a:endParaRPr lang="zh-CN" altLang="en-US" sz="1800">
               <a:solidFill>
@@ -21038,7 +21039,7 @@
               <a:pPr>
                 <a:defRPr/>
               </a:pPr>
-              <a:t>12/4/2017</a:t>
+              <a:t>1/2/2018</a:t>
             </a:fld>
             <a:endParaRPr lang="zh-CN" altLang="en-US" sz="1800">
               <a:solidFill>
@@ -21251,7 +21252,7 @@
               <a:pPr>
                 <a:defRPr/>
               </a:pPr>
-              <a:t>12/4/2017</a:t>
+              <a:t>1/2/2018</a:t>
             </a:fld>
             <a:endParaRPr lang="zh-CN" altLang="en-US" sz="1800">
               <a:solidFill>
@@ -21472,7 +21473,7 @@
               <a:pPr>
                 <a:defRPr/>
               </a:pPr>
-              <a:t>12/4/2017</a:t>
+              <a:t>1/2/2018</a:t>
             </a:fld>
             <a:endParaRPr lang="zh-CN" altLang="en-US" sz="1800">
               <a:solidFill>
@@ -21675,7 +21676,7 @@
               <a:pPr>
                 <a:defRPr/>
               </a:pPr>
-              <a:t>12/4/2017</a:t>
+              <a:t>1/2/2018</a:t>
             </a:fld>
             <a:endParaRPr lang="zh-CN" altLang="en-US" sz="1800">
               <a:solidFill>
@@ -21987,7 +21988,7 @@
               <a:pPr>
                 <a:defRPr/>
               </a:pPr>
-              <a:t>12/4/2017</a:t>
+              <a:t>1/2/2018</a:t>
             </a:fld>
             <a:endParaRPr lang="zh-CN" altLang="en-US"/>
           </a:p>
@@ -22209,7 +22210,7 @@
               <a:pPr>
                 <a:defRPr/>
               </a:pPr>
-              <a:t>12/4/2017</a:t>
+              <a:t>1/2/2018</a:t>
             </a:fld>
             <a:endParaRPr lang="zh-CN" altLang="en-US" sz="1800">
               <a:solidFill>
@@ -22529,7 +22530,7 @@
               <a:pPr>
                 <a:defRPr/>
               </a:pPr>
-              <a:t>12/4/2017</a:t>
+              <a:t>1/2/2018</a:t>
             </a:fld>
             <a:endParaRPr lang="zh-CN" altLang="en-US" sz="1800">
               <a:solidFill>
@@ -22983,7 +22984,7 @@
               <a:pPr>
                 <a:defRPr/>
               </a:pPr>
-              <a:t>12/4/2017</a:t>
+              <a:t>1/2/2018</a:t>
             </a:fld>
             <a:endParaRPr lang="zh-CN" altLang="en-US" sz="1800">
               <a:solidFill>
@@ -23135,7 +23136,7 @@
               <a:pPr>
                 <a:defRPr/>
               </a:pPr>
-              <a:t>12/4/2017</a:t>
+              <a:t>1/2/2018</a:t>
             </a:fld>
             <a:endParaRPr lang="zh-CN" altLang="en-US" sz="1800">
               <a:solidFill>
@@ -23265,7 +23266,7 @@
               <a:pPr>
                 <a:defRPr/>
               </a:pPr>
-              <a:t>12/4/2017</a:t>
+              <a:t>1/2/2018</a:t>
             </a:fld>
             <a:endParaRPr lang="zh-CN" altLang="en-US" sz="1800">
               <a:solidFill>
@@ -23575,7 +23576,7 @@
               <a:pPr>
                 <a:defRPr/>
               </a:pPr>
-              <a:t>12/4/2017</a:t>
+              <a:t>1/2/2018</a:t>
             </a:fld>
             <a:endParaRPr lang="zh-CN" altLang="en-US" sz="1800">
               <a:solidFill>
@@ -23865,7 +23866,7 @@
               <a:pPr>
                 <a:defRPr/>
               </a:pPr>
-              <a:t>12/4/2017</a:t>
+              <a:t>1/2/2018</a:t>
             </a:fld>
             <a:endParaRPr lang="zh-CN" altLang="en-US" sz="1800">
               <a:solidFill>
@@ -24068,7 +24069,7 @@
               <a:pPr>
                 <a:defRPr/>
               </a:pPr>
-              <a:t>12/4/2017</a:t>
+              <a:t>1/2/2018</a:t>
             </a:fld>
             <a:endParaRPr lang="zh-CN" altLang="en-US" sz="1800">
               <a:solidFill>
@@ -24281,7 +24282,7 @@
               <a:pPr>
                 <a:defRPr/>
               </a:pPr>
-              <a:t>12/4/2017</a:t>
+              <a:t>1/2/2018</a:t>
             </a:fld>
             <a:endParaRPr lang="zh-CN" altLang="en-US" sz="1800">
               <a:solidFill>
@@ -24502,7 +24503,7 @@
               <a:pPr>
                 <a:defRPr/>
               </a:pPr>
-              <a:t>12/4/2017</a:t>
+              <a:t>1/2/2018</a:t>
             </a:fld>
             <a:endParaRPr lang="zh-CN" altLang="en-US" sz="1800">
               <a:solidFill>
@@ -24794,7 +24795,7 @@
               <a:pPr>
                 <a:defRPr/>
               </a:pPr>
-              <a:t>12/4/2017</a:t>
+              <a:t>1/2/2018</a:t>
             </a:fld>
             <a:endParaRPr lang="zh-CN" altLang="en-US"/>
           </a:p>
@@ -24993,7 +24994,7 @@
               <a:pPr>
                 <a:defRPr/>
               </a:pPr>
-              <a:t>12/4/2017</a:t>
+              <a:t>1/2/2018</a:t>
             </a:fld>
             <a:endParaRPr lang="zh-CN" altLang="en-US" sz="1800">
               <a:solidFill>
@@ -25219,7 +25220,7 @@
               <a:pPr>
                 <a:defRPr/>
               </a:pPr>
-              <a:t>12/4/2017</a:t>
+              <a:t>1/2/2018</a:t>
             </a:fld>
             <a:endParaRPr lang="zh-CN" altLang="en-US" sz="1800">
               <a:solidFill>
@@ -25539,7 +25540,7 @@
               <a:pPr>
                 <a:defRPr/>
               </a:pPr>
-              <a:t>12/4/2017</a:t>
+              <a:t>1/2/2018</a:t>
             </a:fld>
             <a:endParaRPr lang="zh-CN" altLang="en-US" sz="1800">
               <a:solidFill>
@@ -25993,7 +25994,7 @@
               <a:pPr>
                 <a:defRPr/>
               </a:pPr>
-              <a:t>12/4/2017</a:t>
+              <a:t>1/2/2018</a:t>
             </a:fld>
             <a:endParaRPr lang="zh-CN" altLang="en-US" sz="1800">
               <a:solidFill>
@@ -26145,7 +26146,7 @@
               <a:pPr>
                 <a:defRPr/>
               </a:pPr>
-              <a:t>12/4/2017</a:t>
+              <a:t>1/2/2018</a:t>
             </a:fld>
             <a:endParaRPr lang="zh-CN" altLang="en-US" sz="1800">
               <a:solidFill>
@@ -26275,7 +26276,7 @@
               <a:pPr>
                 <a:defRPr/>
               </a:pPr>
-              <a:t>12/4/2017</a:t>
+              <a:t>1/2/2018</a:t>
             </a:fld>
             <a:endParaRPr lang="zh-CN" altLang="en-US" sz="1800">
               <a:solidFill>
@@ -26585,7 +26586,7 @@
               <a:pPr>
                 <a:defRPr/>
               </a:pPr>
-              <a:t>12/4/2017</a:t>
+              <a:t>1/2/2018</a:t>
             </a:fld>
             <a:endParaRPr lang="zh-CN" altLang="en-US" sz="1800">
               <a:solidFill>
@@ -26875,7 +26876,7 @@
               <a:pPr>
                 <a:defRPr/>
               </a:pPr>
-              <a:t>12/4/2017</a:t>
+              <a:t>1/2/2018</a:t>
             </a:fld>
             <a:endParaRPr lang="zh-CN" altLang="en-US" sz="1800">
               <a:solidFill>
@@ -27078,7 +27079,7 @@
               <a:pPr>
                 <a:defRPr/>
               </a:pPr>
-              <a:t>12/4/2017</a:t>
+              <a:t>1/2/2018</a:t>
             </a:fld>
             <a:endParaRPr lang="zh-CN" altLang="en-US" sz="1800">
               <a:solidFill>
@@ -27291,7 +27292,7 @@
               <a:pPr>
                 <a:defRPr/>
               </a:pPr>
-              <a:t>12/4/2017</a:t>
+              <a:t>1/2/2018</a:t>
             </a:fld>
             <a:endParaRPr lang="zh-CN" altLang="en-US" sz="1800">
               <a:solidFill>
@@ -27615,7 +27616,7 @@
               <a:pPr>
                 <a:defRPr/>
               </a:pPr>
-              <a:t>12/4/2017</a:t>
+              <a:t>1/2/2018</a:t>
             </a:fld>
             <a:endParaRPr lang="zh-CN" altLang="en-US"/>
           </a:p>
@@ -28398,7 +28399,7 @@
               <a:pPr>
                 <a:defRPr/>
               </a:pPr>
-              <a:t>12/4/2017</a:t>
+              <a:t>1/2/2018</a:t>
             </a:fld>
             <a:endParaRPr lang="zh-CN" altLang="en-US"/>
           </a:p>
@@ -29181,7 +29182,7 @@
               <a:pPr>
                 <a:defRPr/>
               </a:pPr>
-              <a:t>12/4/2017</a:t>
+              <a:t>1/2/2018</a:t>
             </a:fld>
             <a:endParaRPr lang="zh-CN" altLang="en-US"/>
           </a:p>
@@ -29964,7 +29965,7 @@
               <a:pPr>
                 <a:defRPr/>
               </a:pPr>
-              <a:t>12/4/2017</a:t>
+              <a:t>1/2/2018</a:t>
             </a:fld>
             <a:endParaRPr lang="zh-CN" altLang="en-US"/>
           </a:p>
@@ -30747,7 +30748,7 @@
               <a:pPr>
                 <a:defRPr/>
               </a:pPr>
-              <a:t>12/4/2017</a:t>
+              <a:t>1/2/2018</a:t>
             </a:fld>
             <a:endParaRPr lang="zh-CN" altLang="en-US"/>
           </a:p>
@@ -31530,7 +31531,7 @@
               <a:pPr>
                 <a:defRPr/>
               </a:pPr>
-              <a:t>12/4/2017</a:t>
+              <a:t>1/2/2018</a:t>
             </a:fld>
             <a:endParaRPr lang="zh-CN" altLang="en-US"/>
           </a:p>
@@ -32313,7 +32314,7 @@
               <a:pPr>
                 <a:defRPr/>
               </a:pPr>
-              <a:t>12/4/2017</a:t>
+              <a:t>1/2/2018</a:t>
             </a:fld>
             <a:endParaRPr lang="zh-CN" altLang="en-US"/>
           </a:p>
@@ -33096,7 +33097,7 @@
               <a:pPr>
                 <a:defRPr/>
               </a:pPr>
-              <a:t>12/4/2017</a:t>
+              <a:t>1/2/2018</a:t>
             </a:fld>
             <a:endParaRPr lang="zh-CN" altLang="en-US"/>
           </a:p>
@@ -33879,7 +33880,7 @@
               <a:pPr>
                 <a:defRPr/>
               </a:pPr>
-              <a:t>12/4/2017</a:t>
+              <a:t>1/2/2018</a:t>
             </a:fld>
             <a:endParaRPr lang="zh-CN" altLang="en-US"/>
           </a:p>
@@ -34662,7 +34663,7 @@
               <a:pPr>
                 <a:defRPr/>
               </a:pPr>
-              <a:t>12/4/2017</a:t>
+              <a:t>1/2/2018</a:t>
             </a:fld>
             <a:endParaRPr lang="zh-CN" altLang="en-US"/>
           </a:p>
@@ -35400,7 +35401,7 @@
 </p:sld>
 </file>
 
-<file path=ppt/slides/slide2.xml><?xml version="1.0" encoding="utf-8"?>
+<file path=ppt/slides/slide10.xml><?xml version="1.0" encoding="utf-8"?>
 <p:sld xmlns:a="http://schemas.openxmlformats.org/drawingml/2006/main" xmlns:r="http://schemas.openxmlformats.org/officeDocument/2006/relationships" xmlns:p="http://schemas.openxmlformats.org/presentationml/2006/main">
   <p:cSld>
     <p:spTree>
@@ -35419,7 +35420,7 @@
       </p:grpSpPr>
       <p:sp>
         <p:nvSpPr>
-          <p:cNvPr id="113666" name="TextBox 3"/>
+          <p:cNvPr id="116738" name="TextBox 2"/>
           <p:cNvSpPr txBox="1">
             <a:spLocks noChangeArrowheads="1"/>
           </p:cNvSpPr>
@@ -35427,8 +35428,8 @@
         </p:nvSpPr>
         <p:spPr bwMode="auto">
           <a:xfrm>
-            <a:off x="538152" y="979878"/>
-            <a:ext cx="7673609" cy="4598182"/>
+            <a:off x="2195513" y="241300"/>
+            <a:ext cx="5473906" cy="523220"/>
           </a:xfrm>
           <a:prstGeom prst="rect">
             <a:avLst/>
@@ -35606,168 +35607,26 @@
             </a:lvl9pPr>
           </a:lstStyle>
           <a:p>
-            <a:pPr marL="514350" indent="-514350">
-              <a:buFont typeface="+mj-lt"/>
-              <a:buAutoNum type="ea1JpnChsDbPeriod"/>
+            <a:pPr eaLnBrk="1" hangingPunct="1">
+              <a:spcBef>
+                <a:spcPct val="0"/>
+              </a:spcBef>
+              <a:buFont typeface="Arial" charset="0"/>
+              <a:buNone/>
             </a:pPr>
             <a:r>
-              <a:rPr lang="zh-CN" altLang="en-US" sz="2400" dirty="0">
-                <a:latin typeface="黑体" pitchFamily="49" charset="-122"/>
-                <a:ea typeface="黑体" pitchFamily="49" charset="-122"/>
-              </a:rPr>
-              <a:t>超精密加工</a:t>
-            </a:r>
-            <a:endParaRPr lang="zh-CN" altLang="zh-CN" sz="2400" dirty="0">
-              <a:latin typeface="黑体" pitchFamily="49" charset="-122"/>
-              <a:ea typeface="黑体" pitchFamily="49" charset="-122"/>
-            </a:endParaRPr>
-          </a:p>
-          <a:p>
-            <a:pPr lvl="1">
-              <a:buFont typeface="Wingdings" pitchFamily="2" charset="2"/>
-              <a:buChar char="Ø"/>
-            </a:pPr>
-            <a:r>
-              <a:rPr lang="zh-CN" altLang="en-US" sz="2000" dirty="0">
-                <a:latin typeface="华文仿宋" pitchFamily="2" charset="-122"/>
-                <a:ea typeface="华文仿宋" pitchFamily="2" charset="-122"/>
-              </a:rPr>
-              <a:t>网纹镜九宫格拼接方式功能开发</a:t>
-            </a:r>
-            <a:endParaRPr lang="en-US" altLang="zh-CN" sz="2000" dirty="0">
-              <a:latin typeface="华文仿宋" pitchFamily="2" charset="-122"/>
-              <a:ea typeface="华文仿宋" pitchFamily="2" charset="-122"/>
-            </a:endParaRPr>
-          </a:p>
-          <a:p>
-            <a:pPr marL="514350" indent="-514350">
-              <a:buFont typeface="+mj-lt"/>
-              <a:buAutoNum type="ea1JpnChsDbPeriod"/>
-            </a:pPr>
-            <a:r>
-              <a:rPr lang="zh-CN" altLang="en-US" sz="2400" dirty="0">
-                <a:latin typeface="黑体" pitchFamily="49" charset="-122"/>
-                <a:ea typeface="黑体" pitchFamily="49" charset="-122"/>
-              </a:rPr>
-              <a:t>掩膜版</a:t>
-            </a:r>
-            <a:endParaRPr lang="en-US" altLang="zh-CN" sz="2000" dirty="0">
-              <a:latin typeface="华文仿宋" pitchFamily="2" charset="-122"/>
-              <a:ea typeface="华文仿宋" pitchFamily="2" charset="-122"/>
-            </a:endParaRPr>
-          </a:p>
-          <a:p>
-            <a:pPr lvl="1">
-              <a:buFont typeface="Wingdings" pitchFamily="2" charset="2"/>
-              <a:buChar char="Ø"/>
-            </a:pPr>
-            <a:r>
-              <a:rPr lang="zh-CN" altLang="en-US" sz="2000" dirty="0">
-                <a:latin typeface="华文仿宋" pitchFamily="2" charset="-122"/>
-                <a:ea typeface="华文仿宋" pitchFamily="2" charset="-122"/>
-              </a:rPr>
-              <a:t>十边形排布、六边形排布、矩形排布</a:t>
-            </a:r>
-            <a:endParaRPr lang="en-US" altLang="zh-CN" sz="2000" dirty="0">
-              <a:latin typeface="华文仿宋" pitchFamily="2" charset="-122"/>
-              <a:ea typeface="华文仿宋" pitchFamily="2" charset="-122"/>
-            </a:endParaRPr>
-          </a:p>
-          <a:p>
-            <a:pPr marL="514350" indent="-514350">
-              <a:buFont typeface="+mj-lt"/>
-              <a:buAutoNum type="ea1JpnChsDbPeriod"/>
-            </a:pPr>
-            <a:r>
-              <a:rPr lang="zh-CN" altLang="en-US" sz="2400" dirty="0">
+              <a:rPr lang="zh-CN" altLang="en-US" sz="2800" b="1" dirty="0">
                 <a:latin typeface="黑体" pitchFamily="49" charset="-122"/>
                 <a:ea typeface="黑体" pitchFamily="49" charset="-122"/>
               </a:rPr>
               <a:t>下一步工作</a:t>
             </a:r>
-            <a:endParaRPr lang="en-US" altLang="zh-CN" sz="2000" dirty="0">
-              <a:latin typeface="华文仿宋" pitchFamily="2" charset="-122"/>
-              <a:ea typeface="华文仿宋" pitchFamily="2" charset="-122"/>
-            </a:endParaRPr>
-          </a:p>
-          <a:p>
-            <a:pPr lvl="1">
-              <a:buFont typeface="Wingdings" pitchFamily="2" charset="2"/>
-              <a:buChar char="Ø"/>
-            </a:pPr>
-            <a:r>
-              <a:rPr lang="zh-CN" altLang="en-US" sz="2000" dirty="0">
-                <a:latin typeface="华文仿宋" pitchFamily="2" charset="-122"/>
-                <a:ea typeface="华文仿宋" pitchFamily="2" charset="-122"/>
-              </a:rPr>
-              <a:t>细胞分析适应性开发</a:t>
-            </a:r>
-            <a:endParaRPr lang="en-US" altLang="zh-CN" sz="2000" dirty="0">
-              <a:latin typeface="华文仿宋" pitchFamily="2" charset="-122"/>
-              <a:ea typeface="华文仿宋" pitchFamily="2" charset="-122"/>
-            </a:endParaRPr>
-          </a:p>
-          <a:p>
-            <a:pPr lvl="1">
-              <a:buFont typeface="Wingdings" pitchFamily="2" charset="2"/>
-              <a:buChar char="Ø"/>
-            </a:pPr>
-            <a:r>
-              <a:rPr lang="zh-CN" altLang="en-US" sz="2000" dirty="0">
-                <a:latin typeface="华文仿宋" pitchFamily="2" charset="-122"/>
-                <a:ea typeface="华文仿宋" pitchFamily="2" charset="-122"/>
-              </a:rPr>
-              <a:t>曲面复眼适应性开发调整</a:t>
-            </a:r>
-            <a:endParaRPr lang="en-US" altLang="zh-CN" sz="2000" dirty="0">
-              <a:latin typeface="华文仿宋" pitchFamily="2" charset="-122"/>
-              <a:ea typeface="华文仿宋" pitchFamily="2" charset="-122"/>
-            </a:endParaRPr>
-          </a:p>
-          <a:p>
-            <a:pPr>
-              <a:buNone/>
-            </a:pPr>
-            <a:endParaRPr lang="en-US" altLang="zh-CN" sz="2400" dirty="0">
-              <a:latin typeface="华文仿宋" pitchFamily="2" charset="-122"/>
-              <a:ea typeface="华文仿宋" pitchFamily="2" charset="-122"/>
-            </a:endParaRPr>
-          </a:p>
-          <a:p>
-            <a:pPr>
-              <a:buFont typeface="Wingdings" pitchFamily="2" charset="2"/>
-              <a:buChar char="Ø"/>
-            </a:pPr>
-            <a:endParaRPr lang="zh-CN" altLang="zh-CN" sz="2800" dirty="0">
-              <a:latin typeface="黑体" pitchFamily="49" charset="-122"/>
-              <a:ea typeface="黑体" pitchFamily="49" charset="-122"/>
-            </a:endParaRPr>
-          </a:p>
-          <a:p>
-            <a:pPr lvl="1">
-              <a:buFont typeface="Wingdings" pitchFamily="2" charset="2"/>
-              <a:buChar char="Ø"/>
-            </a:pPr>
-            <a:endParaRPr lang="en-US" altLang="zh-CN" sz="2000" dirty="0">
-              <a:latin typeface="华文仿宋" pitchFamily="2" charset="-122"/>
-              <a:ea typeface="华文仿宋" pitchFamily="2" charset="-122"/>
-            </a:endParaRPr>
-          </a:p>
-          <a:p>
-            <a:pPr lvl="1">
-              <a:buFont typeface="Wingdings" pitchFamily="2" charset="2"/>
-              <a:buChar char="Ø"/>
-            </a:pPr>
-            <a:endParaRPr lang="zh-CN" altLang="zh-CN" sz="2400" dirty="0">
-              <a:latin typeface="黑体" pitchFamily="49" charset="-122"/>
-              <a:ea typeface="黑体" pitchFamily="49" charset="-122"/>
-            </a:endParaRPr>
-          </a:p>
-        </p:txBody>
-      </p:sp>
-      <p:sp>
-        <p:nvSpPr>
-          <p:cNvPr id="113667" name="Text Box 16"/>
+          </a:p>
+        </p:txBody>
+      </p:sp>
+      <p:sp>
+        <p:nvSpPr>
+          <p:cNvPr id="4" name="TextBox 3"/>
           <p:cNvSpPr txBox="1">
             <a:spLocks noChangeArrowheads="1"/>
           </p:cNvSpPr>
@@ -35775,8 +35634,8 @@
         </p:nvSpPr>
         <p:spPr bwMode="auto">
           <a:xfrm>
-            <a:off x="2050844" y="187515"/>
-            <a:ext cx="2377089" cy="600164"/>
+            <a:off x="250020" y="1916307"/>
+            <a:ext cx="7923630" cy="769441"/>
           </a:xfrm>
           <a:prstGeom prst="rect">
             <a:avLst/>
@@ -35954,24 +35813,54 @@
             </a:lvl9pPr>
           </a:lstStyle>
           <a:p>
-            <a:pPr algn="ctr" eaLnBrk="1" hangingPunct="1">
-              <a:spcBef>
-                <a:spcPct val="0"/>
-              </a:spcBef>
-              <a:buFont typeface="Arial" charset="0"/>
-              <a:buNone/>
+            <a:pPr lvl="1">
+              <a:buFont typeface="Wingdings" pitchFamily="2" charset="2"/>
+              <a:buChar char="Ø"/>
             </a:pPr>
             <a:r>
-              <a:rPr lang="zh-CN" altLang="en-US" sz="3300" b="1" dirty="0">
-                <a:latin typeface="Arial" charset="0"/>
-                <a:ea typeface="黑体" pitchFamily="49" charset="-122"/>
+              <a:rPr lang="zh-CN" altLang="en-US" sz="2000" dirty="0">
+                <a:latin typeface="华文仿宋" pitchFamily="2" charset="-122"/>
+                <a:ea typeface="华文仿宋" pitchFamily="2" charset="-122"/>
               </a:rPr>
-              <a:t>本月工作</a:t>
-            </a:r>
+              <a:t>曲面复眼适应性开发</a:t>
+            </a:r>
+            <a:endParaRPr lang="en-US" altLang="zh-CN" sz="2000" dirty="0">
+              <a:latin typeface="华文仿宋" pitchFamily="2" charset="-122"/>
+              <a:ea typeface="华文仿宋" pitchFamily="2" charset="-122"/>
+            </a:endParaRPr>
+          </a:p>
+          <a:p>
+            <a:pPr lvl="1">
+              <a:buFont typeface="Wingdings" pitchFamily="2" charset="2"/>
+              <a:buChar char="Ø"/>
+            </a:pPr>
+            <a:r>
+              <a:rPr lang="en-US" altLang="zh-CN" sz="2000" dirty="0">
+                <a:latin typeface="华文仿宋" pitchFamily="2" charset="-122"/>
+                <a:ea typeface="华文仿宋" pitchFamily="2" charset="-122"/>
+              </a:rPr>
+              <a:t>BMP</a:t>
+            </a:r>
+            <a:r>
+              <a:rPr lang="zh-CN" altLang="en-US" sz="2000" dirty="0">
+                <a:latin typeface="华文仿宋" pitchFamily="2" charset="-122"/>
+                <a:ea typeface="华文仿宋" pitchFamily="2" charset="-122"/>
+              </a:rPr>
+              <a:t>图形误差修正功能开发</a:t>
+            </a:r>
+            <a:endParaRPr lang="en-US" altLang="zh-CN" sz="2000" dirty="0">
+              <a:latin typeface="华文仿宋" pitchFamily="2" charset="-122"/>
+              <a:ea typeface="华文仿宋" pitchFamily="2" charset="-122"/>
+            </a:endParaRPr>
           </a:p>
         </p:txBody>
       </p:sp>
     </p:spTree>
+    <p:extLst>
+      <p:ext uri="{BB962C8B-B14F-4D97-AF65-F5344CB8AC3E}">
+        <p14:creationId xmlns:p14="http://schemas.microsoft.com/office/powerpoint/2010/main" val="1427732326"/>
+      </p:ext>
+    </p:extLst>
   </p:cSld>
   <p:clrMapOvr>
     <a:masterClrMapping/>
@@ -35979,7 +35868,7 @@
 </p:sld>
 </file>
 
-<file path=ppt/slides/slide3.xml><?xml version="1.0" encoding="utf-8"?>
+<file path=ppt/slides/slide2.xml><?xml version="1.0" encoding="utf-8"?>
 <p:sld xmlns:a="http://schemas.openxmlformats.org/drawingml/2006/main" xmlns:r="http://schemas.openxmlformats.org/officeDocument/2006/relationships" xmlns:p="http://schemas.openxmlformats.org/presentationml/2006/main">
   <p:cSld>
     <p:spTree>
@@ -35998,7 +35887,7 @@
       </p:grpSpPr>
       <p:sp>
         <p:nvSpPr>
-          <p:cNvPr id="114690" name="TextBox 2"/>
+          <p:cNvPr id="113666" name="TextBox 3"/>
           <p:cNvSpPr txBox="1">
             <a:spLocks noChangeArrowheads="1"/>
           </p:cNvSpPr>
@@ -36006,8 +35895,8 @@
         </p:nvSpPr>
         <p:spPr bwMode="auto">
           <a:xfrm>
-            <a:off x="2195513" y="241300"/>
-            <a:ext cx="5762038" cy="523220"/>
+            <a:off x="538152" y="979878"/>
+            <a:ext cx="7673609" cy="4598182"/>
           </a:xfrm>
           <a:prstGeom prst="rect">
             <a:avLst/>
@@ -36185,202 +36074,168 @@
             </a:lvl9pPr>
           </a:lstStyle>
           <a:p>
-            <a:pPr eaLnBrk="1" hangingPunct="1">
-              <a:spcBef>
-                <a:spcPct val="0"/>
-              </a:spcBef>
-              <a:buNone/>
+            <a:pPr marL="514350" indent="-514350">
+              <a:buFont typeface="+mj-lt"/>
+              <a:buAutoNum type="ea1JpnChsDbPeriod"/>
             </a:pPr>
             <a:r>
-              <a:rPr lang="zh-CN" altLang="en-US" sz="2800" b="1" dirty="0">
+              <a:rPr lang="zh-CN" altLang="en-US" sz="2400" dirty="0">
                 <a:latin typeface="黑体" pitchFamily="49" charset="-122"/>
                 <a:ea typeface="黑体" pitchFamily="49" charset="-122"/>
               </a:rPr>
-              <a:t>网纹镜</a:t>
-            </a:r>
-          </a:p>
-        </p:txBody>
-      </p:sp>
-      <p:sp>
-        <p:nvSpPr>
-          <p:cNvPr id="6" name="矩形 5"/>
-          <p:cNvSpPr/>
-          <p:nvPr/>
-        </p:nvSpPr>
-        <p:spPr>
-          <a:xfrm>
-            <a:off x="479933" y="5637027"/>
-            <a:ext cx="4067770" cy="338554"/>
-          </a:xfrm>
-          <a:prstGeom prst="rect">
-            <a:avLst/>
-          </a:prstGeom>
-        </p:spPr>
-        <p:txBody>
-          <a:bodyPr wrap="square">
-            <a:spAutoFit/>
-          </a:bodyPr>
-          <a:lstStyle/>
-          <a:p>
-            <a:r>
-              <a:rPr lang="zh-CN" altLang="en-US" sz="1600" b="1" dirty="0">
+              <a:t>超精密加工</a:t>
+            </a:r>
+            <a:endParaRPr lang="zh-CN" altLang="zh-CN" sz="2400" dirty="0">
+              <a:latin typeface="黑体" pitchFamily="49" charset="-122"/>
+              <a:ea typeface="黑体" pitchFamily="49" charset="-122"/>
+            </a:endParaRPr>
+          </a:p>
+          <a:p>
+            <a:pPr lvl="1">
+              <a:buFont typeface="Wingdings" pitchFamily="2" charset="2"/>
+              <a:buChar char="Ø"/>
+            </a:pPr>
+            <a:r>
+              <a:rPr lang="zh-CN" altLang="en-US" sz="2000" dirty="0">
                 <a:latin typeface="华文仿宋" pitchFamily="2" charset="-122"/>
                 <a:ea typeface="华文仿宋" pitchFamily="2" charset="-122"/>
               </a:rPr>
-              <a:t>九宫格方式尝试解决拼接问题</a:t>
-            </a:r>
-            <a:endParaRPr lang="en-US" altLang="zh-CN" sz="1600" b="1" dirty="0">
+              <a:t>网纹镜九宫格拼接方式功能开发</a:t>
+            </a:r>
+            <a:endParaRPr lang="en-US" altLang="zh-CN" sz="2000" dirty="0">
               <a:latin typeface="华文仿宋" pitchFamily="2" charset="-122"/>
               <a:ea typeface="华文仿宋" pitchFamily="2" charset="-122"/>
             </a:endParaRPr>
           </a:p>
-        </p:txBody>
-      </p:sp>
-      <p:sp>
-        <p:nvSpPr>
-          <p:cNvPr id="7" name="矩形 6"/>
-          <p:cNvSpPr/>
-          <p:nvPr/>
-        </p:nvSpPr>
-        <p:spPr>
-          <a:xfrm>
-            <a:off x="5098041" y="4221363"/>
-            <a:ext cx="630763" cy="338554"/>
-          </a:xfrm>
-          <a:prstGeom prst="rect">
-            <a:avLst/>
-          </a:prstGeom>
-        </p:spPr>
-        <p:txBody>
-          <a:bodyPr wrap="square">
-            <a:spAutoFit/>
-          </a:bodyPr>
-          <a:lstStyle/>
-          <a:p>
-            <a:r>
-              <a:rPr lang="zh-CN" altLang="en-US" sz="1600" b="1" dirty="0">
-                <a:solidFill>
-                  <a:srgbClr val="0070C0"/>
-                </a:solidFill>
+          <a:p>
+            <a:pPr marL="514350" indent="-514350">
+              <a:buFont typeface="+mj-lt"/>
+              <a:buAutoNum type="ea1JpnChsDbPeriod"/>
+            </a:pPr>
+            <a:r>
+              <a:rPr lang="zh-CN" altLang="en-US" sz="2400" dirty="0">
+                <a:latin typeface="黑体" pitchFamily="49" charset="-122"/>
+                <a:ea typeface="黑体" pitchFamily="49" charset="-122"/>
+              </a:rPr>
+              <a:t>掩膜版</a:t>
+            </a:r>
+            <a:endParaRPr lang="en-US" altLang="zh-CN" sz="2000" dirty="0">
+              <a:latin typeface="华文仿宋" pitchFamily="2" charset="-122"/>
+              <a:ea typeface="华文仿宋" pitchFamily="2" charset="-122"/>
+            </a:endParaRPr>
+          </a:p>
+          <a:p>
+            <a:pPr lvl="1">
+              <a:buFont typeface="Wingdings" pitchFamily="2" charset="2"/>
+              <a:buChar char="Ø"/>
+            </a:pPr>
+            <a:r>
+              <a:rPr lang="zh-CN" altLang="en-US" sz="2000" dirty="0">
                 <a:latin typeface="华文仿宋" pitchFamily="2" charset="-122"/>
                 <a:ea typeface="华文仿宋" pitchFamily="2" charset="-122"/>
               </a:rPr>
-              <a:t>凹球</a:t>
-            </a:r>
-            <a:endParaRPr lang="en-US" altLang="zh-CN" sz="1600" b="1" dirty="0">
-              <a:solidFill>
-                <a:srgbClr val="0070C0"/>
-              </a:solidFill>
+              <a:t>十边形排布、六边形排布、矩形排布</a:t>
+            </a:r>
+            <a:endParaRPr lang="en-US" altLang="zh-CN" sz="2000" dirty="0">
               <a:latin typeface="华文仿宋" pitchFamily="2" charset="-122"/>
               <a:ea typeface="华文仿宋" pitchFamily="2" charset="-122"/>
             </a:endParaRPr>
           </a:p>
-        </p:txBody>
-      </p:sp>
-      <p:sp>
-        <p:nvSpPr>
-          <p:cNvPr id="8" name="矩形 7"/>
-          <p:cNvSpPr/>
-          <p:nvPr/>
-        </p:nvSpPr>
-        <p:spPr>
-          <a:xfrm>
-            <a:off x="3833437" y="1051696"/>
-            <a:ext cx="630763" cy="338554"/>
-          </a:xfrm>
-          <a:prstGeom prst="rect">
-            <a:avLst/>
-          </a:prstGeom>
-        </p:spPr>
-        <p:txBody>
-          <a:bodyPr wrap="square">
-            <a:spAutoFit/>
-          </a:bodyPr>
-          <a:lstStyle/>
-          <a:p>
-            <a:r>
-              <a:rPr lang="zh-CN" altLang="en-US" sz="1600" b="1" dirty="0">
-                <a:solidFill>
-                  <a:srgbClr val="0070C0"/>
-                </a:solidFill>
+          <a:p>
+            <a:pPr marL="514350" indent="-514350">
+              <a:buFont typeface="+mj-lt"/>
+              <a:buAutoNum type="ea1JpnChsDbPeriod"/>
+            </a:pPr>
+            <a:r>
+              <a:rPr lang="zh-CN" altLang="en-US" sz="2400" dirty="0">
+                <a:latin typeface="黑体" pitchFamily="49" charset="-122"/>
+                <a:ea typeface="黑体" pitchFamily="49" charset="-122"/>
+              </a:rPr>
+              <a:t>下一步工作</a:t>
+            </a:r>
+            <a:endParaRPr lang="en-US" altLang="zh-CN" sz="2000" dirty="0">
+              <a:latin typeface="华文仿宋" pitchFamily="2" charset="-122"/>
+              <a:ea typeface="华文仿宋" pitchFamily="2" charset="-122"/>
+            </a:endParaRPr>
+          </a:p>
+          <a:p>
+            <a:pPr lvl="1">
+              <a:buFont typeface="Wingdings" pitchFamily="2" charset="2"/>
+              <a:buChar char="Ø"/>
+            </a:pPr>
+            <a:r>
+              <a:rPr lang="zh-CN" altLang="en-US" sz="2000" dirty="0">
                 <a:latin typeface="华文仿宋" pitchFamily="2" charset="-122"/>
                 <a:ea typeface="华文仿宋" pitchFamily="2" charset="-122"/>
               </a:rPr>
-              <a:t>凸球</a:t>
-            </a:r>
-            <a:endParaRPr lang="en-US" altLang="zh-CN" sz="1600" b="1" dirty="0">
-              <a:solidFill>
-                <a:srgbClr val="0070C0"/>
-              </a:solidFill>
+              <a:t>细胞分析适应性开发</a:t>
+            </a:r>
+            <a:endParaRPr lang="en-US" altLang="zh-CN" sz="2000" dirty="0">
               <a:latin typeface="华文仿宋" pitchFamily="2" charset="-122"/>
               <a:ea typeface="华文仿宋" pitchFamily="2" charset="-122"/>
             </a:endParaRPr>
           </a:p>
-        </p:txBody>
-      </p:sp>
-      <p:pic>
-        <p:nvPicPr>
-          <p:cNvPr id="3" name="图片 2">
-            <a:extLst>
-              <a:ext uri="{FF2B5EF4-FFF2-40B4-BE49-F238E27FC236}">
-                <a16:creationId xmlns:a16="http://schemas.microsoft.com/office/drawing/2014/main" id="{8574365B-FB02-4FA2-B470-BE9998AA7D55}"/>
-              </a:ext>
-            </a:extLst>
-          </p:cNvPr>
-          <p:cNvPicPr>
-            <a:picLocks noChangeAspect="1"/>
-          </p:cNvPicPr>
-          <p:nvPr/>
-        </p:nvPicPr>
-        <p:blipFill>
-          <a:blip r:embed="rId2"/>
-          <a:stretch>
-            <a:fillRect/>
-          </a:stretch>
-        </p:blipFill>
-        <p:spPr>
-          <a:xfrm>
-            <a:off x="84715" y="882419"/>
-            <a:ext cx="9038046" cy="4519023"/>
-          </a:xfrm>
-          <a:prstGeom prst="rect">
-            <a:avLst/>
-          </a:prstGeom>
-        </p:spPr>
-      </p:pic>
-    </p:spTree>
-    <p:extLst>
-      <p:ext uri="{BB962C8B-B14F-4D97-AF65-F5344CB8AC3E}">
-        <p14:creationId xmlns:p14="http://schemas.microsoft.com/office/powerpoint/2010/main" val="2093116839"/>
-      </p:ext>
-    </p:extLst>
-  </p:cSld>
-  <p:clrMapOvr>
-    <a:masterClrMapping/>
-  </p:clrMapOvr>
-</p:sld>
-</file>
-
-<file path=ppt/slides/slide4.xml><?xml version="1.0" encoding="utf-8"?>
-<p:sld xmlns:a="http://schemas.openxmlformats.org/drawingml/2006/main" xmlns:r="http://schemas.openxmlformats.org/officeDocument/2006/relationships" xmlns:p="http://schemas.openxmlformats.org/presentationml/2006/main">
-  <p:cSld>
-    <p:spTree>
-      <p:nvGrpSpPr>
-        <p:cNvPr id="1" name=""/>
-        <p:cNvGrpSpPr/>
-        <p:nvPr/>
-      </p:nvGrpSpPr>
-      <p:grpSpPr>
-        <a:xfrm>
-          <a:off x="0" y="0"/>
-          <a:ext cx="0" cy="0"/>
-          <a:chOff x="0" y="0"/>
-          <a:chExt cx="0" cy="0"/>
-        </a:xfrm>
-      </p:grpSpPr>
-      <p:sp>
-        <p:nvSpPr>
-          <p:cNvPr id="114690" name="TextBox 2"/>
+          <a:p>
+            <a:pPr lvl="1">
+              <a:buFont typeface="Wingdings" pitchFamily="2" charset="2"/>
+              <a:buChar char="Ø"/>
+            </a:pPr>
+            <a:r>
+              <a:rPr lang="zh-CN" altLang="en-US" sz="2000" dirty="0">
+                <a:latin typeface="华文仿宋" pitchFamily="2" charset="-122"/>
+                <a:ea typeface="华文仿宋" pitchFamily="2" charset="-122"/>
+              </a:rPr>
+              <a:t>曲面复眼适应性开发调整</a:t>
+            </a:r>
+            <a:endParaRPr lang="en-US" altLang="zh-CN" sz="2000" dirty="0">
+              <a:latin typeface="华文仿宋" pitchFamily="2" charset="-122"/>
+              <a:ea typeface="华文仿宋" pitchFamily="2" charset="-122"/>
+            </a:endParaRPr>
+          </a:p>
+          <a:p>
+            <a:pPr>
+              <a:buNone/>
+            </a:pPr>
+            <a:endParaRPr lang="en-US" altLang="zh-CN" sz="2400" dirty="0">
+              <a:latin typeface="华文仿宋" pitchFamily="2" charset="-122"/>
+              <a:ea typeface="华文仿宋" pitchFamily="2" charset="-122"/>
+            </a:endParaRPr>
+          </a:p>
+          <a:p>
+            <a:pPr>
+              <a:buFont typeface="Wingdings" pitchFamily="2" charset="2"/>
+              <a:buChar char="Ø"/>
+            </a:pPr>
+            <a:endParaRPr lang="zh-CN" altLang="zh-CN" sz="2800" dirty="0">
+              <a:latin typeface="黑体" pitchFamily="49" charset="-122"/>
+              <a:ea typeface="黑体" pitchFamily="49" charset="-122"/>
+            </a:endParaRPr>
+          </a:p>
+          <a:p>
+            <a:pPr lvl="1">
+              <a:buFont typeface="Wingdings" pitchFamily="2" charset="2"/>
+              <a:buChar char="Ø"/>
+            </a:pPr>
+            <a:endParaRPr lang="en-US" altLang="zh-CN" sz="2000" dirty="0">
+              <a:latin typeface="华文仿宋" pitchFamily="2" charset="-122"/>
+              <a:ea typeface="华文仿宋" pitchFamily="2" charset="-122"/>
+            </a:endParaRPr>
+          </a:p>
+          <a:p>
+            <a:pPr lvl="1">
+              <a:buFont typeface="Wingdings" pitchFamily="2" charset="2"/>
+              <a:buChar char="Ø"/>
+            </a:pPr>
+            <a:endParaRPr lang="zh-CN" altLang="zh-CN" sz="2400" dirty="0">
+              <a:latin typeface="黑体" pitchFamily="49" charset="-122"/>
+              <a:ea typeface="黑体" pitchFamily="49" charset="-122"/>
+            </a:endParaRPr>
+          </a:p>
+        </p:txBody>
+      </p:sp>
+      <p:sp>
+        <p:nvSpPr>
+          <p:cNvPr id="113667" name="Text Box 16"/>
           <p:cNvSpPr txBox="1">
             <a:spLocks noChangeArrowheads="1"/>
           </p:cNvSpPr>
@@ -36388,8 +36243,8 @@
         </p:nvSpPr>
         <p:spPr bwMode="auto">
           <a:xfrm>
-            <a:off x="2195513" y="241300"/>
-            <a:ext cx="6266270" cy="523220"/>
+            <a:off x="2050844" y="187515"/>
+            <a:ext cx="2377089" cy="600164"/>
           </a:xfrm>
           <a:prstGeom prst="rect">
             <a:avLst/>
@@ -36567,383 +36422,24 @@
             </a:lvl9pPr>
           </a:lstStyle>
           <a:p>
-            <a:pPr eaLnBrk="1" hangingPunct="1">
+            <a:pPr algn="ctr" eaLnBrk="1" hangingPunct="1">
               <a:spcBef>
                 <a:spcPct val="0"/>
               </a:spcBef>
+              <a:buFont typeface="Arial" charset="0"/>
               <a:buNone/>
             </a:pPr>
             <a:r>
-              <a:rPr lang="zh-CN" altLang="en-US" sz="2800" b="1" dirty="0">
-                <a:latin typeface="黑体" pitchFamily="49" charset="-122"/>
+              <a:rPr lang="zh-CN" altLang="en-US" sz="3300" b="1" dirty="0">
+                <a:latin typeface="Arial" charset="0"/>
                 <a:ea typeface="黑体" pitchFamily="49" charset="-122"/>
               </a:rPr>
-              <a:t>网纹镜</a:t>
-            </a:r>
-          </a:p>
-        </p:txBody>
-      </p:sp>
-      <p:sp>
-        <p:nvSpPr>
-          <p:cNvPr id="9" name="文本框 8">
-            <a:extLst>
-              <a:ext uri="{FF2B5EF4-FFF2-40B4-BE49-F238E27FC236}">
-                <a16:creationId xmlns:a16="http://schemas.microsoft.com/office/drawing/2014/main" id="{4608D061-64AA-4BB3-AA23-7DE069FA04CC}"/>
-              </a:ext>
-            </a:extLst>
-          </p:cNvPr>
-          <p:cNvSpPr txBox="1"/>
-          <p:nvPr/>
-        </p:nvSpPr>
-        <p:spPr>
-          <a:xfrm>
-            <a:off x="1159069" y="3624420"/>
-            <a:ext cx="649537" cy="369332"/>
-          </a:xfrm>
-          <a:prstGeom prst="rect">
-            <a:avLst/>
-          </a:prstGeom>
-          <a:noFill/>
-        </p:spPr>
-        <p:txBody>
-          <a:bodyPr wrap="square" rtlCol="0">
-            <a:spAutoFit/>
-          </a:bodyPr>
-          <a:lstStyle/>
-          <a:p>
-            <a:r>
-              <a:rPr lang="zh-CN" altLang="en-US" b="1" dirty="0">
-                <a:solidFill>
-                  <a:srgbClr val="004C22"/>
-                </a:solidFill>
-                <a:latin typeface="仿宋" panose="02010609060101010101" pitchFamily="49" charset="-122"/>
-                <a:ea typeface="仿宋" panose="02010609060101010101" pitchFamily="49" charset="-122"/>
-              </a:rPr>
-              <a:t>扇形</a:t>
-            </a:r>
-          </a:p>
-        </p:txBody>
-      </p:sp>
-      <p:pic>
-        <p:nvPicPr>
-          <p:cNvPr id="5" name="图片 4">
-            <a:extLst>
-              <a:ext uri="{FF2B5EF4-FFF2-40B4-BE49-F238E27FC236}">
-                <a16:creationId xmlns:a16="http://schemas.microsoft.com/office/drawing/2014/main" id="{13C14CCA-D2A4-419F-A36F-835EE6DF8093}"/>
-              </a:ext>
-            </a:extLst>
-          </p:cNvPr>
-          <p:cNvPicPr>
-            <a:picLocks noChangeAspect="1"/>
-          </p:cNvPicPr>
-          <p:nvPr/>
-        </p:nvPicPr>
-        <p:blipFill>
-          <a:blip r:embed="rId2"/>
-          <a:stretch>
-            <a:fillRect/>
-          </a:stretch>
-        </p:blipFill>
-        <p:spPr>
-          <a:xfrm>
-            <a:off x="2978954" y="978590"/>
-            <a:ext cx="2574676" cy="2574676"/>
-          </a:xfrm>
-          <a:prstGeom prst="rect">
-            <a:avLst/>
-          </a:prstGeom>
-        </p:spPr>
-      </p:pic>
-      <p:pic>
-        <p:nvPicPr>
-          <p:cNvPr id="2" name="图片 1">
-            <a:extLst>
-              <a:ext uri="{FF2B5EF4-FFF2-40B4-BE49-F238E27FC236}">
-                <a16:creationId xmlns:a16="http://schemas.microsoft.com/office/drawing/2014/main" id="{8EB75F88-058B-4EB3-9DDD-58326D0D4251}"/>
-              </a:ext>
-            </a:extLst>
-          </p:cNvPr>
-          <p:cNvPicPr>
-            <a:picLocks noChangeAspect="1"/>
-          </p:cNvPicPr>
-          <p:nvPr/>
-        </p:nvPicPr>
-        <p:blipFill>
-          <a:blip r:embed="rId3"/>
-          <a:stretch>
-            <a:fillRect/>
-          </a:stretch>
-        </p:blipFill>
-        <p:spPr>
-          <a:xfrm>
-            <a:off x="196500" y="961193"/>
-            <a:ext cx="2574676" cy="2592073"/>
-          </a:xfrm>
-          <a:prstGeom prst="rect">
-            <a:avLst/>
-          </a:prstGeom>
-        </p:spPr>
-      </p:pic>
-      <p:pic>
-        <p:nvPicPr>
-          <p:cNvPr id="7" name="图片 6">
-            <a:extLst>
-              <a:ext uri="{FF2B5EF4-FFF2-40B4-BE49-F238E27FC236}">
-                <a16:creationId xmlns:a16="http://schemas.microsoft.com/office/drawing/2014/main" id="{0926BE44-17E2-428E-AFFE-94C5B23BA6CD}"/>
-              </a:ext>
-            </a:extLst>
-          </p:cNvPr>
-          <p:cNvPicPr>
-            <a:picLocks noChangeAspect="1"/>
-          </p:cNvPicPr>
-          <p:nvPr/>
-        </p:nvPicPr>
-        <p:blipFill>
-          <a:blip r:embed="rId4"/>
-          <a:stretch>
-            <a:fillRect/>
-          </a:stretch>
-        </p:blipFill>
-        <p:spPr>
-          <a:xfrm>
-            <a:off x="5802602" y="956162"/>
-            <a:ext cx="1207969" cy="2574676"/>
-          </a:xfrm>
-          <a:prstGeom prst="rect">
-            <a:avLst/>
-          </a:prstGeom>
-        </p:spPr>
-      </p:pic>
-      <p:sp>
-        <p:nvSpPr>
-          <p:cNvPr id="8" name="文本框 7">
-            <a:extLst>
-              <a:ext uri="{FF2B5EF4-FFF2-40B4-BE49-F238E27FC236}">
-                <a16:creationId xmlns:a16="http://schemas.microsoft.com/office/drawing/2014/main" id="{84DE3DF1-3C1C-4B49-992F-543AA40B9420}"/>
-              </a:ext>
-            </a:extLst>
-          </p:cNvPr>
-          <p:cNvSpPr txBox="1"/>
-          <p:nvPr/>
-        </p:nvSpPr>
-        <p:spPr>
-          <a:xfrm>
-            <a:off x="3845827" y="3582670"/>
-            <a:ext cx="881973" cy="369332"/>
-          </a:xfrm>
-          <a:prstGeom prst="rect">
-            <a:avLst/>
-          </a:prstGeom>
-          <a:noFill/>
-        </p:spPr>
-        <p:txBody>
-          <a:bodyPr wrap="none" rtlCol="0">
-            <a:spAutoFit/>
-          </a:bodyPr>
-          <a:lstStyle/>
-          <a:p>
-            <a:r>
-              <a:rPr lang="zh-CN" altLang="en-US" b="1" dirty="0">
-                <a:solidFill>
-                  <a:srgbClr val="FF0000"/>
-                </a:solidFill>
-                <a:latin typeface="仿宋" panose="02010609060101010101" pitchFamily="49" charset="-122"/>
-                <a:ea typeface="仿宋" panose="02010609060101010101" pitchFamily="49" charset="-122"/>
-              </a:rPr>
-              <a:t>九宫格</a:t>
-            </a:r>
-          </a:p>
-        </p:txBody>
-      </p:sp>
-      <p:sp>
-        <p:nvSpPr>
-          <p:cNvPr id="10" name="文本框 9">
-            <a:extLst>
-              <a:ext uri="{FF2B5EF4-FFF2-40B4-BE49-F238E27FC236}">
-                <a16:creationId xmlns:a16="http://schemas.microsoft.com/office/drawing/2014/main" id="{5A7D6150-306E-4D03-875F-CD7F21F8567F}"/>
-              </a:ext>
-            </a:extLst>
-          </p:cNvPr>
-          <p:cNvSpPr txBox="1"/>
-          <p:nvPr/>
-        </p:nvSpPr>
-        <p:spPr>
-          <a:xfrm>
-            <a:off x="5724528" y="3582670"/>
-            <a:ext cx="1579278" cy="369332"/>
-          </a:xfrm>
-          <a:prstGeom prst="rect">
-            <a:avLst/>
-          </a:prstGeom>
-          <a:noFill/>
-        </p:spPr>
-        <p:txBody>
-          <a:bodyPr wrap="none" rtlCol="0">
-            <a:spAutoFit/>
-          </a:bodyPr>
-          <a:lstStyle/>
-          <a:p>
-            <a:r>
-              <a:rPr lang="zh-CN" altLang="en-US" b="1" dirty="0">
-                <a:solidFill>
-                  <a:srgbClr val="004C22"/>
-                </a:solidFill>
-                <a:latin typeface="仿宋" panose="02010609060101010101" pitchFamily="49" charset="-122"/>
-                <a:ea typeface="仿宋" panose="02010609060101010101" pitchFamily="49" charset="-122"/>
-              </a:rPr>
-              <a:t>重力误差修正</a:t>
-            </a:r>
-          </a:p>
-        </p:txBody>
-      </p:sp>
-      <p:sp>
-        <p:nvSpPr>
-          <p:cNvPr id="11" name="文本框 10">
-            <a:extLst>
-              <a:ext uri="{FF2B5EF4-FFF2-40B4-BE49-F238E27FC236}">
-                <a16:creationId xmlns:a16="http://schemas.microsoft.com/office/drawing/2014/main" id="{2710CAA5-DC6B-4EC6-8E89-67B59B1E9B0E}"/>
-              </a:ext>
-            </a:extLst>
-          </p:cNvPr>
-          <p:cNvSpPr txBox="1"/>
-          <p:nvPr/>
-        </p:nvSpPr>
-        <p:spPr>
-          <a:xfrm>
-            <a:off x="466119" y="6310320"/>
-            <a:ext cx="2160990" cy="369332"/>
-          </a:xfrm>
-          <a:prstGeom prst="rect">
-            <a:avLst/>
-          </a:prstGeom>
-          <a:noFill/>
-        </p:spPr>
-        <p:txBody>
-          <a:bodyPr wrap="square" rtlCol="0">
-            <a:spAutoFit/>
-          </a:bodyPr>
-          <a:lstStyle/>
-          <a:p>
-            <a:r>
-              <a:rPr lang="zh-CN" altLang="en-US" b="1" dirty="0">
-                <a:solidFill>
-                  <a:srgbClr val="004C22"/>
-                </a:solidFill>
-                <a:latin typeface="仿宋" panose="02010609060101010101" pitchFamily="49" charset="-122"/>
-                <a:ea typeface="仿宋" panose="02010609060101010101" pitchFamily="49" charset="-122"/>
-              </a:rPr>
-              <a:t>六边形排布的复眼</a:t>
-            </a:r>
-          </a:p>
-        </p:txBody>
-      </p:sp>
-      <p:pic>
-        <p:nvPicPr>
-          <p:cNvPr id="4" name="图片 3">
-            <a:extLst>
-              <a:ext uri="{FF2B5EF4-FFF2-40B4-BE49-F238E27FC236}">
-                <a16:creationId xmlns:a16="http://schemas.microsoft.com/office/drawing/2014/main" id="{5981F3DE-0520-4182-9BFE-A61B3ED7CD4A}"/>
-              </a:ext>
-            </a:extLst>
-          </p:cNvPr>
-          <p:cNvPicPr>
-            <a:picLocks noChangeAspect="1"/>
-          </p:cNvPicPr>
-          <p:nvPr/>
-        </p:nvPicPr>
-        <p:blipFill>
-          <a:blip r:embed="rId5"/>
-          <a:stretch>
-            <a:fillRect/>
-          </a:stretch>
-        </p:blipFill>
-        <p:spPr>
-          <a:xfrm>
-            <a:off x="2978954" y="3971559"/>
-            <a:ext cx="2348685" cy="2338761"/>
-          </a:xfrm>
-          <a:prstGeom prst="rect">
-            <a:avLst/>
-          </a:prstGeom>
-        </p:spPr>
-      </p:pic>
-      <p:pic>
-        <p:nvPicPr>
-          <p:cNvPr id="6" name="图片 5">
-            <a:extLst>
-              <a:ext uri="{FF2B5EF4-FFF2-40B4-BE49-F238E27FC236}">
-                <a16:creationId xmlns:a16="http://schemas.microsoft.com/office/drawing/2014/main" id="{9C1319CB-9A80-4319-BCB2-FF5D6BA6990D}"/>
-              </a:ext>
-            </a:extLst>
-          </p:cNvPr>
-          <p:cNvPicPr>
-            <a:picLocks noChangeAspect="1"/>
-          </p:cNvPicPr>
-          <p:nvPr/>
-        </p:nvPicPr>
-        <p:blipFill>
-          <a:blip r:embed="rId6"/>
-          <a:stretch>
-            <a:fillRect/>
-          </a:stretch>
-        </p:blipFill>
-        <p:spPr>
-          <a:xfrm>
-            <a:off x="225259" y="3993752"/>
-            <a:ext cx="2348685" cy="2286963"/>
-          </a:xfrm>
-          <a:prstGeom prst="rect">
-            <a:avLst/>
-          </a:prstGeom>
-        </p:spPr>
-      </p:pic>
-      <p:sp>
-        <p:nvSpPr>
-          <p:cNvPr id="13" name="文本框 12">
-            <a:extLst>
-              <a:ext uri="{FF2B5EF4-FFF2-40B4-BE49-F238E27FC236}">
-                <a16:creationId xmlns:a16="http://schemas.microsoft.com/office/drawing/2014/main" id="{B4E3F4DB-49BE-4136-B2B9-87DCD3BD1882}"/>
-              </a:ext>
-            </a:extLst>
-          </p:cNvPr>
-          <p:cNvSpPr txBox="1"/>
-          <p:nvPr/>
-        </p:nvSpPr>
-        <p:spPr>
-          <a:xfrm>
-            <a:off x="3166649" y="6280715"/>
-            <a:ext cx="2160990" cy="369332"/>
-          </a:xfrm>
-          <a:prstGeom prst="rect">
-            <a:avLst/>
-          </a:prstGeom>
-          <a:noFill/>
-        </p:spPr>
-        <p:txBody>
-          <a:bodyPr wrap="square" rtlCol="0">
-            <a:spAutoFit/>
-          </a:bodyPr>
-          <a:lstStyle/>
-          <a:p>
-            <a:r>
-              <a:rPr lang="zh-CN" altLang="en-US" b="1" dirty="0">
-                <a:solidFill>
-                  <a:srgbClr val="004C22"/>
-                </a:solidFill>
-                <a:latin typeface="仿宋" panose="02010609060101010101" pitchFamily="49" charset="-122"/>
-                <a:ea typeface="仿宋" panose="02010609060101010101" pitchFamily="49" charset="-122"/>
-              </a:rPr>
-              <a:t>四边形排布的复眼</a:t>
+              <a:t>本月工作</a:t>
             </a:r>
           </a:p>
         </p:txBody>
       </p:sp>
     </p:spTree>
-    <p:extLst>
-      <p:ext uri="{BB962C8B-B14F-4D97-AF65-F5344CB8AC3E}">
-        <p14:creationId xmlns:p14="http://schemas.microsoft.com/office/powerpoint/2010/main" val="2220753209"/>
-      </p:ext>
-    </p:extLst>
   </p:cSld>
   <p:clrMapOvr>
     <a:masterClrMapping/>
@@ -36951,7 +36447,7 @@
 </p:sld>
 </file>
 
-<file path=ppt/slides/slide5.xml><?xml version="1.0" encoding="utf-8"?>
+<file path=ppt/slides/slide3.xml><?xml version="1.0" encoding="utf-8"?>
 <p:sld xmlns:a="http://schemas.openxmlformats.org/drawingml/2006/main" xmlns:r="http://schemas.openxmlformats.org/officeDocument/2006/relationships" xmlns:p="http://schemas.openxmlformats.org/presentationml/2006/main">
   <p:cSld>
     <p:spTree>
@@ -36970,13 +36466,7 @@
       </p:grpSpPr>
       <p:sp>
         <p:nvSpPr>
-          <p:cNvPr id="3" name="TextBox 2">
-            <a:extLst>
-              <a:ext uri="{FF2B5EF4-FFF2-40B4-BE49-F238E27FC236}">
-                <a16:creationId xmlns:a16="http://schemas.microsoft.com/office/drawing/2014/main" id="{A32C54CB-70F5-4348-B8F7-13549A5A698A}"/>
-              </a:ext>
-            </a:extLst>
-          </p:cNvPr>
+          <p:cNvPr id="114690" name="TextBox 2"/>
           <p:cNvSpPr txBox="1">
             <a:spLocks noChangeArrowheads="1"/>
           </p:cNvSpPr>
@@ -36985,7 +36475,7 @@
         <p:spPr bwMode="auto">
           <a:xfrm>
             <a:off x="2195513" y="241300"/>
-            <a:ext cx="6266270" cy="523220"/>
+            <a:ext cx="5762038" cy="523220"/>
           </a:xfrm>
           <a:prstGeom prst="rect">
             <a:avLst/>
@@ -37170,28 +36660,138 @@
               <a:buNone/>
             </a:pPr>
             <a:r>
-              <a:rPr lang="en-US" altLang="zh-CN" sz="2800" b="1" dirty="0">
-                <a:latin typeface="黑体" pitchFamily="49" charset="-122"/>
-                <a:ea typeface="黑体" pitchFamily="49" charset="-122"/>
-              </a:rPr>
-              <a:t>BMP</a:t>
-            </a:r>
-            <a:r>
               <a:rPr lang="zh-CN" altLang="en-US" sz="2800" b="1" dirty="0">
                 <a:latin typeface="黑体" pitchFamily="49" charset="-122"/>
                 <a:ea typeface="黑体" pitchFamily="49" charset="-122"/>
               </a:rPr>
-              <a:t>图片编写绘制</a:t>
-            </a:r>
+              <a:t>网纹镜</a:t>
+            </a:r>
+          </a:p>
+        </p:txBody>
+      </p:sp>
+      <p:sp>
+        <p:nvSpPr>
+          <p:cNvPr id="6" name="矩形 5"/>
+          <p:cNvSpPr/>
+          <p:nvPr/>
+        </p:nvSpPr>
+        <p:spPr>
+          <a:xfrm>
+            <a:off x="479933" y="5637027"/>
+            <a:ext cx="4067770" cy="338554"/>
+          </a:xfrm>
+          <a:prstGeom prst="rect">
+            <a:avLst/>
+          </a:prstGeom>
+        </p:spPr>
+        <p:txBody>
+          <a:bodyPr wrap="square">
+            <a:spAutoFit/>
+          </a:bodyPr>
+          <a:lstStyle/>
+          <a:p>
+            <a:r>
+              <a:rPr lang="zh-CN" altLang="en-US" sz="1600" b="1" dirty="0">
+                <a:latin typeface="华文仿宋" pitchFamily="2" charset="-122"/>
+                <a:ea typeface="华文仿宋" pitchFamily="2" charset="-122"/>
+              </a:rPr>
+              <a:t>九宫格方式尝试解决拼接问题</a:t>
+            </a:r>
+            <a:endParaRPr lang="en-US" altLang="zh-CN" sz="1600" b="1" dirty="0">
+              <a:latin typeface="华文仿宋" pitchFamily="2" charset="-122"/>
+              <a:ea typeface="华文仿宋" pitchFamily="2" charset="-122"/>
+            </a:endParaRPr>
+          </a:p>
+        </p:txBody>
+      </p:sp>
+      <p:sp>
+        <p:nvSpPr>
+          <p:cNvPr id="7" name="矩形 6"/>
+          <p:cNvSpPr/>
+          <p:nvPr/>
+        </p:nvSpPr>
+        <p:spPr>
+          <a:xfrm>
+            <a:off x="5098041" y="4221363"/>
+            <a:ext cx="630763" cy="338554"/>
+          </a:xfrm>
+          <a:prstGeom prst="rect">
+            <a:avLst/>
+          </a:prstGeom>
+        </p:spPr>
+        <p:txBody>
+          <a:bodyPr wrap="square">
+            <a:spAutoFit/>
+          </a:bodyPr>
+          <a:lstStyle/>
+          <a:p>
+            <a:r>
+              <a:rPr lang="zh-CN" altLang="en-US" sz="1600" b="1" dirty="0">
+                <a:solidFill>
+                  <a:srgbClr val="0070C0"/>
+                </a:solidFill>
+                <a:latin typeface="华文仿宋" pitchFamily="2" charset="-122"/>
+                <a:ea typeface="华文仿宋" pitchFamily="2" charset="-122"/>
+              </a:rPr>
+              <a:t>凹球</a:t>
+            </a:r>
+            <a:endParaRPr lang="en-US" altLang="zh-CN" sz="1600" b="1" dirty="0">
+              <a:solidFill>
+                <a:srgbClr val="0070C0"/>
+              </a:solidFill>
+              <a:latin typeface="华文仿宋" pitchFamily="2" charset="-122"/>
+              <a:ea typeface="华文仿宋" pitchFamily="2" charset="-122"/>
+            </a:endParaRPr>
+          </a:p>
+        </p:txBody>
+      </p:sp>
+      <p:sp>
+        <p:nvSpPr>
+          <p:cNvPr id="8" name="矩形 7"/>
+          <p:cNvSpPr/>
+          <p:nvPr/>
+        </p:nvSpPr>
+        <p:spPr>
+          <a:xfrm>
+            <a:off x="3833437" y="1051696"/>
+            <a:ext cx="630763" cy="338554"/>
+          </a:xfrm>
+          <a:prstGeom prst="rect">
+            <a:avLst/>
+          </a:prstGeom>
+        </p:spPr>
+        <p:txBody>
+          <a:bodyPr wrap="square">
+            <a:spAutoFit/>
+          </a:bodyPr>
+          <a:lstStyle/>
+          <a:p>
+            <a:r>
+              <a:rPr lang="zh-CN" altLang="en-US" sz="1600" b="1" dirty="0">
+                <a:solidFill>
+                  <a:srgbClr val="0070C0"/>
+                </a:solidFill>
+                <a:latin typeface="华文仿宋" pitchFamily="2" charset="-122"/>
+                <a:ea typeface="华文仿宋" pitchFamily="2" charset="-122"/>
+              </a:rPr>
+              <a:t>凸球</a:t>
+            </a:r>
+            <a:endParaRPr lang="en-US" altLang="zh-CN" sz="1600" b="1" dirty="0">
+              <a:solidFill>
+                <a:srgbClr val="0070C0"/>
+              </a:solidFill>
+              <a:latin typeface="华文仿宋" pitchFamily="2" charset="-122"/>
+              <a:ea typeface="华文仿宋" pitchFamily="2" charset="-122"/>
+            </a:endParaRPr>
           </a:p>
         </p:txBody>
       </p:sp>
       <p:pic>
         <p:nvPicPr>
-          <p:cNvPr id="2" name="图片 1">
+          <p:cNvPr id="3" name="图片 2">
             <a:extLst>
               <a:ext uri="{FF2B5EF4-FFF2-40B4-BE49-F238E27FC236}">
-                <a16:creationId xmlns:a16="http://schemas.microsoft.com/office/drawing/2014/main" id="{0E3A10B4-C02F-4FED-9D8D-C1CBD4B4001A}"/>
+                <a16:creationId xmlns:a16="http://schemas.microsoft.com/office/drawing/2014/main" id="{8574365B-FB02-4FA2-B470-BE9998AA7D55}"/>
               </a:ext>
             </a:extLst>
           </p:cNvPr>
@@ -37208,38 +36808,8 @@
         </p:blipFill>
         <p:spPr>
           <a:xfrm>
-            <a:off x="2659502" y="907845"/>
-            <a:ext cx="6338904" cy="3945082"/>
-          </a:xfrm>
-          <a:prstGeom prst="rect">
-            <a:avLst/>
-          </a:prstGeom>
-        </p:spPr>
-      </p:pic>
-      <p:pic>
-        <p:nvPicPr>
-          <p:cNvPr id="5" name="图片 4">
-            <a:extLst>
-              <a:ext uri="{FF2B5EF4-FFF2-40B4-BE49-F238E27FC236}">
-                <a16:creationId xmlns:a16="http://schemas.microsoft.com/office/drawing/2014/main" id="{0F96498C-3B91-4317-815D-9B4DD3C1D9B5}"/>
-              </a:ext>
-            </a:extLst>
-          </p:cNvPr>
-          <p:cNvPicPr>
-            <a:picLocks noChangeAspect="1"/>
-          </p:cNvPicPr>
-          <p:nvPr/>
-        </p:nvPicPr>
-        <p:blipFill>
-          <a:blip r:embed="rId3"/>
-          <a:stretch>
-            <a:fillRect/>
-          </a:stretch>
-        </p:blipFill>
-        <p:spPr>
-          <a:xfrm>
-            <a:off x="106556" y="4663891"/>
-            <a:ext cx="4177913" cy="2174600"/>
+            <a:off x="84715" y="882419"/>
+            <a:ext cx="9038046" cy="4519023"/>
           </a:xfrm>
           <a:prstGeom prst="rect">
             <a:avLst/>
@@ -37249,7 +36819,7 @@
     </p:spTree>
     <p:extLst>
       <p:ext uri="{BB962C8B-B14F-4D97-AF65-F5344CB8AC3E}">
-        <p14:creationId xmlns:p14="http://schemas.microsoft.com/office/powerpoint/2010/main" val="4219929530"/>
+        <p14:creationId xmlns:p14="http://schemas.microsoft.com/office/powerpoint/2010/main" val="2093116839"/>
       </p:ext>
     </p:extLst>
   </p:cSld>
@@ -37259,7 +36829,7 @@
 </p:sld>
 </file>
 
-<file path=ppt/slides/slide6.xml><?xml version="1.0" encoding="utf-8"?>
+<file path=ppt/slides/slide4.xml><?xml version="1.0" encoding="utf-8"?>
 <p:sld xmlns:a="http://schemas.openxmlformats.org/drawingml/2006/main" xmlns:r="http://schemas.openxmlformats.org/officeDocument/2006/relationships" xmlns:p="http://schemas.openxmlformats.org/presentationml/2006/main">
   <p:cSld>
     <p:spTree>
@@ -37276,36 +36846,6 @@
           <a:chExt cx="0" cy="0"/>
         </a:xfrm>
       </p:grpSpPr>
-      <p:pic>
-        <p:nvPicPr>
-          <p:cNvPr id="6" name="图片 5">
-            <a:extLst>
-              <a:ext uri="{FF2B5EF4-FFF2-40B4-BE49-F238E27FC236}">
-                <a16:creationId xmlns:a16="http://schemas.microsoft.com/office/drawing/2014/main" id="{EE0D7F21-67CA-4689-BB26-B6070C554E36}"/>
-              </a:ext>
-            </a:extLst>
-          </p:cNvPr>
-          <p:cNvPicPr>
-            <a:picLocks noChangeAspect="1"/>
-          </p:cNvPicPr>
-          <p:nvPr/>
-        </p:nvPicPr>
-        <p:blipFill>
-          <a:blip r:embed="rId2"/>
-          <a:stretch>
-            <a:fillRect/>
-          </a:stretch>
-        </p:blipFill>
-        <p:spPr>
-          <a:xfrm>
-            <a:off x="77532" y="2836305"/>
-            <a:ext cx="1829628" cy="2033355"/>
-          </a:xfrm>
-          <a:prstGeom prst="rect">
-            <a:avLst/>
-          </a:prstGeom>
-        </p:spPr>
-      </p:pic>
       <p:sp>
         <p:nvSpPr>
           <p:cNvPr id="114690" name="TextBox 2"/>
@@ -37502,42 +37042,92 @@
               <a:buNone/>
             </a:pPr>
             <a:r>
-              <a:rPr lang="en-US" altLang="zh-CN" sz="2800" b="1" dirty="0">
-                <a:latin typeface="黑体" pitchFamily="49" charset="-122"/>
-                <a:ea typeface="黑体" pitchFamily="49" charset="-122"/>
-              </a:rPr>
-              <a:t>DXF</a:t>
-            </a:r>
-            <a:r>
               <a:rPr lang="zh-CN" altLang="en-US" sz="2800" b="1" dirty="0">
                 <a:latin typeface="黑体" pitchFamily="49" charset="-122"/>
                 <a:ea typeface="黑体" pitchFamily="49" charset="-122"/>
               </a:rPr>
-              <a:t>、</a:t>
-            </a:r>
-            <a:r>
-              <a:rPr lang="en-US" altLang="zh-CN" sz="2800" b="1" dirty="0">
-                <a:latin typeface="黑体" pitchFamily="49" charset="-122"/>
-                <a:ea typeface="黑体" pitchFamily="49" charset="-122"/>
+              <a:t>网纹镜</a:t>
+            </a:r>
+          </a:p>
+        </p:txBody>
+      </p:sp>
+      <p:sp>
+        <p:nvSpPr>
+          <p:cNvPr id="9" name="文本框 8">
+            <a:extLst>
+              <a:ext uri="{FF2B5EF4-FFF2-40B4-BE49-F238E27FC236}">
+                <a16:creationId xmlns:a16="http://schemas.microsoft.com/office/drawing/2014/main" id="{4608D061-64AA-4BB3-AA23-7DE069FA04CC}"/>
+              </a:ext>
+            </a:extLst>
+          </p:cNvPr>
+          <p:cNvSpPr txBox="1"/>
+          <p:nvPr/>
+        </p:nvSpPr>
+        <p:spPr>
+          <a:xfrm>
+            <a:off x="1159069" y="3624420"/>
+            <a:ext cx="649537" cy="369332"/>
+          </a:xfrm>
+          <a:prstGeom prst="rect">
+            <a:avLst/>
+          </a:prstGeom>
+          <a:noFill/>
+        </p:spPr>
+        <p:txBody>
+          <a:bodyPr wrap="square" rtlCol="0">
+            <a:spAutoFit/>
+          </a:bodyPr>
+          <a:lstStyle/>
+          <a:p>
+            <a:r>
+              <a:rPr lang="zh-CN" altLang="en-US" b="1" dirty="0">
+                <a:solidFill>
+                  <a:srgbClr val="004C22"/>
+                </a:solidFill>
+                <a:latin typeface="仿宋" panose="02010609060101010101" pitchFamily="49" charset="-122"/>
+                <a:ea typeface="仿宋" panose="02010609060101010101" pitchFamily="49" charset="-122"/>
               </a:rPr>
-              <a:t>BMP</a:t>
-            </a:r>
-            <a:r>
-              <a:rPr lang="zh-CN" altLang="en-US" sz="2800" b="1" dirty="0">
-                <a:latin typeface="黑体" pitchFamily="49" charset="-122"/>
-                <a:ea typeface="黑体" pitchFamily="49" charset="-122"/>
-              </a:rPr>
-              <a:t>图片编写绘制</a:t>
-            </a:r>
-          </a:p>
-        </p:txBody>
-      </p:sp>
+              <a:t>扇形</a:t>
+            </a:r>
+          </a:p>
+        </p:txBody>
+      </p:sp>
+      <p:pic>
+        <p:nvPicPr>
+          <p:cNvPr id="5" name="图片 4">
+            <a:extLst>
+              <a:ext uri="{FF2B5EF4-FFF2-40B4-BE49-F238E27FC236}">
+                <a16:creationId xmlns:a16="http://schemas.microsoft.com/office/drawing/2014/main" id="{13C14CCA-D2A4-419F-A36F-835EE6DF8093}"/>
+              </a:ext>
+            </a:extLst>
+          </p:cNvPr>
+          <p:cNvPicPr>
+            <a:picLocks noChangeAspect="1"/>
+          </p:cNvPicPr>
+          <p:nvPr/>
+        </p:nvPicPr>
+        <p:blipFill>
+          <a:blip r:embed="rId2"/>
+          <a:stretch>
+            <a:fillRect/>
+          </a:stretch>
+        </p:blipFill>
+        <p:spPr>
+          <a:xfrm>
+            <a:off x="2978954" y="978590"/>
+            <a:ext cx="2574676" cy="2574676"/>
+          </a:xfrm>
+          <a:prstGeom prst="rect">
+            <a:avLst/>
+          </a:prstGeom>
+        </p:spPr>
+      </p:pic>
       <p:pic>
         <p:nvPicPr>
           <p:cNvPr id="2" name="图片 1">
             <a:extLst>
               <a:ext uri="{FF2B5EF4-FFF2-40B4-BE49-F238E27FC236}">
-                <a16:creationId xmlns:a16="http://schemas.microsoft.com/office/drawing/2014/main" id="{5A460DAA-6805-4BE3-A3BC-AA9696B22705}"/>
+                <a16:creationId xmlns:a16="http://schemas.microsoft.com/office/drawing/2014/main" id="{8EB75F88-058B-4EB3-9DDD-58326D0D4251}"/>
               </a:ext>
             </a:extLst>
           </p:cNvPr>
@@ -37554,8 +37144,8 @@
         </p:blipFill>
         <p:spPr>
           <a:xfrm>
-            <a:off x="177987" y="979878"/>
-            <a:ext cx="2233023" cy="2033355"/>
+            <a:off x="196500" y="961193"/>
+            <a:ext cx="2574676" cy="2592073"/>
           </a:xfrm>
           <a:prstGeom prst="rect">
             <a:avLst/>
@@ -37564,10 +37154,10 @@
       </p:pic>
       <p:pic>
         <p:nvPicPr>
-          <p:cNvPr id="5" name="图片 4">
+          <p:cNvPr id="7" name="图片 6">
             <a:extLst>
               <a:ext uri="{FF2B5EF4-FFF2-40B4-BE49-F238E27FC236}">
-                <a16:creationId xmlns:a16="http://schemas.microsoft.com/office/drawing/2014/main" id="{D0242802-5854-46C2-A70C-9CDDB44C2C1D}"/>
+                <a16:creationId xmlns:a16="http://schemas.microsoft.com/office/drawing/2014/main" id="{0926BE44-17E2-428E-AFFE-94C5B23BA6CD}"/>
               </a:ext>
             </a:extLst>
           </p:cNvPr>
@@ -37584,20 +37174,143 @@
         </p:blipFill>
         <p:spPr>
           <a:xfrm>
-            <a:off x="31372" y="4630787"/>
-            <a:ext cx="9144000" cy="1884594"/>
+            <a:off x="5802602" y="956162"/>
+            <a:ext cx="1207969" cy="2574676"/>
           </a:xfrm>
           <a:prstGeom prst="rect">
             <a:avLst/>
           </a:prstGeom>
         </p:spPr>
       </p:pic>
+      <p:sp>
+        <p:nvSpPr>
+          <p:cNvPr id="8" name="文本框 7">
+            <a:extLst>
+              <a:ext uri="{FF2B5EF4-FFF2-40B4-BE49-F238E27FC236}">
+                <a16:creationId xmlns:a16="http://schemas.microsoft.com/office/drawing/2014/main" id="{84DE3DF1-3C1C-4B49-992F-543AA40B9420}"/>
+              </a:ext>
+            </a:extLst>
+          </p:cNvPr>
+          <p:cNvSpPr txBox="1"/>
+          <p:nvPr/>
+        </p:nvSpPr>
+        <p:spPr>
+          <a:xfrm>
+            <a:off x="3845827" y="3582670"/>
+            <a:ext cx="881973" cy="369332"/>
+          </a:xfrm>
+          <a:prstGeom prst="rect">
+            <a:avLst/>
+          </a:prstGeom>
+          <a:noFill/>
+        </p:spPr>
+        <p:txBody>
+          <a:bodyPr wrap="none" rtlCol="0">
+            <a:spAutoFit/>
+          </a:bodyPr>
+          <a:lstStyle/>
+          <a:p>
+            <a:r>
+              <a:rPr lang="zh-CN" altLang="en-US" b="1" dirty="0">
+                <a:solidFill>
+                  <a:srgbClr val="FF0000"/>
+                </a:solidFill>
+                <a:latin typeface="仿宋" panose="02010609060101010101" pitchFamily="49" charset="-122"/>
+                <a:ea typeface="仿宋" panose="02010609060101010101" pitchFamily="49" charset="-122"/>
+              </a:rPr>
+              <a:t>九宫格</a:t>
+            </a:r>
+          </a:p>
+        </p:txBody>
+      </p:sp>
+      <p:sp>
+        <p:nvSpPr>
+          <p:cNvPr id="10" name="文本框 9">
+            <a:extLst>
+              <a:ext uri="{FF2B5EF4-FFF2-40B4-BE49-F238E27FC236}">
+                <a16:creationId xmlns:a16="http://schemas.microsoft.com/office/drawing/2014/main" id="{5A7D6150-306E-4D03-875F-CD7F21F8567F}"/>
+              </a:ext>
+            </a:extLst>
+          </p:cNvPr>
+          <p:cNvSpPr txBox="1"/>
+          <p:nvPr/>
+        </p:nvSpPr>
+        <p:spPr>
+          <a:xfrm>
+            <a:off x="5724528" y="3582670"/>
+            <a:ext cx="1579278" cy="369332"/>
+          </a:xfrm>
+          <a:prstGeom prst="rect">
+            <a:avLst/>
+          </a:prstGeom>
+          <a:noFill/>
+        </p:spPr>
+        <p:txBody>
+          <a:bodyPr wrap="none" rtlCol="0">
+            <a:spAutoFit/>
+          </a:bodyPr>
+          <a:lstStyle/>
+          <a:p>
+            <a:r>
+              <a:rPr lang="zh-CN" altLang="en-US" b="1" dirty="0">
+                <a:solidFill>
+                  <a:srgbClr val="004C22"/>
+                </a:solidFill>
+                <a:latin typeface="仿宋" panose="02010609060101010101" pitchFamily="49" charset="-122"/>
+                <a:ea typeface="仿宋" panose="02010609060101010101" pitchFamily="49" charset="-122"/>
+              </a:rPr>
+              <a:t>重力误差修正</a:t>
+            </a:r>
+          </a:p>
+        </p:txBody>
+      </p:sp>
+      <p:sp>
+        <p:nvSpPr>
+          <p:cNvPr id="11" name="文本框 10">
+            <a:extLst>
+              <a:ext uri="{FF2B5EF4-FFF2-40B4-BE49-F238E27FC236}">
+                <a16:creationId xmlns:a16="http://schemas.microsoft.com/office/drawing/2014/main" id="{2710CAA5-DC6B-4EC6-8E89-67B59B1E9B0E}"/>
+              </a:ext>
+            </a:extLst>
+          </p:cNvPr>
+          <p:cNvSpPr txBox="1"/>
+          <p:nvPr/>
+        </p:nvSpPr>
+        <p:spPr>
+          <a:xfrm>
+            <a:off x="466119" y="6310320"/>
+            <a:ext cx="2160990" cy="369332"/>
+          </a:xfrm>
+          <a:prstGeom prst="rect">
+            <a:avLst/>
+          </a:prstGeom>
+          <a:noFill/>
+        </p:spPr>
+        <p:txBody>
+          <a:bodyPr wrap="square" rtlCol="0">
+            <a:spAutoFit/>
+          </a:bodyPr>
+          <a:lstStyle/>
+          <a:p>
+            <a:r>
+              <a:rPr lang="zh-CN" altLang="en-US" b="1" dirty="0">
+                <a:solidFill>
+                  <a:srgbClr val="004C22"/>
+                </a:solidFill>
+                <a:latin typeface="仿宋" panose="02010609060101010101" pitchFamily="49" charset="-122"/>
+                <a:ea typeface="仿宋" panose="02010609060101010101" pitchFamily="49" charset="-122"/>
+              </a:rPr>
+              <a:t>六边形排布的复眼</a:t>
+            </a:r>
+          </a:p>
+        </p:txBody>
+      </p:sp>
       <p:pic>
         <p:nvPicPr>
-          <p:cNvPr id="3" name="图片 2">
+          <p:cNvPr id="4" name="图片 3">
             <a:extLst>
               <a:ext uri="{FF2B5EF4-FFF2-40B4-BE49-F238E27FC236}">
-                <a16:creationId xmlns:a16="http://schemas.microsoft.com/office/drawing/2014/main" id="{D9E0BE0E-7BAA-4ACE-8E07-E71A72D76CC8}"/>
+                <a16:creationId xmlns:a16="http://schemas.microsoft.com/office/drawing/2014/main" id="{5981F3DE-0520-4182-9BFE-A61B3ED7CD4A}"/>
               </a:ext>
             </a:extLst>
           </p:cNvPr>
@@ -37614,20 +37327,50 @@
         </p:blipFill>
         <p:spPr>
           <a:xfrm>
-            <a:off x="2505519" y="979878"/>
-            <a:ext cx="5906706" cy="3706759"/>
+            <a:off x="2978954" y="3971559"/>
+            <a:ext cx="2348685" cy="2338761"/>
           </a:xfrm>
           <a:prstGeom prst="rect">
             <a:avLst/>
           </a:prstGeom>
         </p:spPr>
       </p:pic>
-      <p:sp>
-        <p:nvSpPr>
-          <p:cNvPr id="9" name="文本框 8">
+      <p:pic>
+        <p:nvPicPr>
+          <p:cNvPr id="6" name="图片 5">
             <a:extLst>
               <a:ext uri="{FF2B5EF4-FFF2-40B4-BE49-F238E27FC236}">
-                <a16:creationId xmlns:a16="http://schemas.microsoft.com/office/drawing/2014/main" id="{4608D061-64AA-4BB3-AA23-7DE069FA04CC}"/>
+                <a16:creationId xmlns:a16="http://schemas.microsoft.com/office/drawing/2014/main" id="{9C1319CB-9A80-4319-BCB2-FF5D6BA6990D}"/>
+              </a:ext>
+            </a:extLst>
+          </p:cNvPr>
+          <p:cNvPicPr>
+            <a:picLocks noChangeAspect="1"/>
+          </p:cNvPicPr>
+          <p:nvPr/>
+        </p:nvPicPr>
+        <p:blipFill>
+          <a:blip r:embed="rId6"/>
+          <a:stretch>
+            <a:fillRect/>
+          </a:stretch>
+        </p:blipFill>
+        <p:spPr>
+          <a:xfrm>
+            <a:off x="225259" y="3993752"/>
+            <a:ext cx="2348685" cy="2286963"/>
+          </a:xfrm>
+          <a:prstGeom prst="rect">
+            <a:avLst/>
+          </a:prstGeom>
+        </p:spPr>
+      </p:pic>
+      <p:sp>
+        <p:nvSpPr>
+          <p:cNvPr id="13" name="文本框 12">
+            <a:extLst>
+              <a:ext uri="{FF2B5EF4-FFF2-40B4-BE49-F238E27FC236}">
+                <a16:creationId xmlns:a16="http://schemas.microsoft.com/office/drawing/2014/main" id="{B4E3F4DB-49BE-4136-B2B9-87DCD3BD1882}"/>
               </a:ext>
             </a:extLst>
           </p:cNvPr>
@@ -37636,8 +37379,8 @@
         </p:nvSpPr>
         <p:spPr>
           <a:xfrm>
-            <a:off x="2338977" y="6192215"/>
-            <a:ext cx="4373313" cy="646331"/>
+            <a:off x="3166649" y="6280715"/>
+            <a:ext cx="2160990" cy="369332"/>
           </a:xfrm>
           <a:prstGeom prst="rect">
             <a:avLst/>
@@ -37645,21 +37388,11 @@
           <a:noFill/>
         </p:spPr>
         <p:txBody>
-          <a:bodyPr wrap="none" rtlCol="0">
+          <a:bodyPr wrap="square" rtlCol="0">
             <a:spAutoFit/>
           </a:bodyPr>
           <a:lstStyle/>
           <a:p>
-            <a:r>
-              <a:rPr lang="en-US" altLang="zh-CN" b="1" dirty="0">
-                <a:solidFill>
-                  <a:srgbClr val="004C22"/>
-                </a:solidFill>
-                <a:latin typeface="仿宋" panose="02010609060101010101" pitchFamily="49" charset="-122"/>
-                <a:ea typeface="仿宋" panose="02010609060101010101" pitchFamily="49" charset="-122"/>
-              </a:rPr>
-              <a:t>1.</a:t>
-            </a:r>
             <a:r>
               <a:rPr lang="zh-CN" altLang="en-US" b="1" dirty="0">
                 <a:solidFill>
@@ -37668,76 +37401,7 @@
                 <a:latin typeface="仿宋" panose="02010609060101010101" pitchFamily="49" charset="-122"/>
                 <a:ea typeface="仿宋" panose="02010609060101010101" pitchFamily="49" charset="-122"/>
               </a:rPr>
-              <a:t>利用灰度等级表达</a:t>
-            </a:r>
-            <a:r>
-              <a:rPr lang="en-US" altLang="zh-CN" b="1" dirty="0">
-                <a:solidFill>
-                  <a:srgbClr val="004C22"/>
-                </a:solidFill>
-                <a:latin typeface="仿宋" panose="02010609060101010101" pitchFamily="49" charset="-122"/>
-                <a:ea typeface="仿宋" panose="02010609060101010101" pitchFamily="49" charset="-122"/>
-              </a:rPr>
-              <a:t>3D</a:t>
-            </a:r>
-            <a:r>
-              <a:rPr lang="zh-CN" altLang="en-US" b="1" dirty="0">
-                <a:solidFill>
-                  <a:srgbClr val="004C22"/>
-                </a:solidFill>
-                <a:latin typeface="仿宋" panose="02010609060101010101" pitchFamily="49" charset="-122"/>
-                <a:ea typeface="仿宋" panose="02010609060101010101" pitchFamily="49" charset="-122"/>
-              </a:rPr>
-              <a:t>深度，任意</a:t>
-            </a:r>
-            <a:r>
-              <a:rPr lang="en-US" altLang="zh-CN" b="1" dirty="0">
-                <a:solidFill>
-                  <a:srgbClr val="004C22"/>
-                </a:solidFill>
-                <a:latin typeface="仿宋" panose="02010609060101010101" pitchFamily="49" charset="-122"/>
-                <a:ea typeface="仿宋" panose="02010609060101010101" pitchFamily="49" charset="-122"/>
-              </a:rPr>
-              <a:t>3D</a:t>
-            </a:r>
-            <a:r>
-              <a:rPr lang="zh-CN" altLang="en-US" b="1" dirty="0">
-                <a:solidFill>
-                  <a:srgbClr val="004C22"/>
-                </a:solidFill>
-                <a:latin typeface="仿宋" panose="02010609060101010101" pitchFamily="49" charset="-122"/>
-                <a:ea typeface="仿宋" panose="02010609060101010101" pitchFamily="49" charset="-122"/>
-              </a:rPr>
-              <a:t>图形</a:t>
-            </a:r>
-            <a:endParaRPr lang="en-US" altLang="zh-CN" b="1" dirty="0">
-              <a:solidFill>
-                <a:srgbClr val="004C22"/>
-              </a:solidFill>
-              <a:latin typeface="仿宋" panose="02010609060101010101" pitchFamily="49" charset="-122"/>
-              <a:ea typeface="仿宋" panose="02010609060101010101" pitchFamily="49" charset="-122"/>
-            </a:endParaRPr>
-          </a:p>
-          <a:p>
-            <a:r>
-              <a:rPr lang="en-US" altLang="zh-CN" b="1" dirty="0">
-                <a:solidFill>
-                  <a:srgbClr val="004C22"/>
-                </a:solidFill>
-                <a:latin typeface="仿宋" panose="02010609060101010101" pitchFamily="49" charset="-122"/>
-                <a:ea typeface="仿宋" panose="02010609060101010101" pitchFamily="49" charset="-122"/>
-              </a:rPr>
-              <a:t>2.</a:t>
-            </a:r>
-            <a:r>
-              <a:rPr lang="zh-CN" altLang="en-US" b="1" dirty="0">
-                <a:solidFill>
-                  <a:srgbClr val="004C22"/>
-                </a:solidFill>
-                <a:latin typeface="仿宋" panose="02010609060101010101" pitchFamily="49" charset="-122"/>
-                <a:ea typeface="仿宋" panose="02010609060101010101" pitchFamily="49" charset="-122"/>
-              </a:rPr>
-              <a:t>矩形、六边形、八边形方式</a:t>
+              <a:t>四边形排布的复眼</a:t>
             </a:r>
           </a:p>
         </p:txBody>
@@ -37745,7 +37409,7 @@
     </p:spTree>
     <p:extLst>
       <p:ext uri="{BB962C8B-B14F-4D97-AF65-F5344CB8AC3E}">
-        <p14:creationId xmlns:p14="http://schemas.microsoft.com/office/powerpoint/2010/main" val="4142742847"/>
+        <p14:creationId xmlns:p14="http://schemas.microsoft.com/office/powerpoint/2010/main" val="2220753209"/>
       </p:ext>
     </p:extLst>
   </p:cSld>
@@ -37755,7 +37419,7 @@
 </p:sld>
 </file>
 
-<file path=ppt/slides/slide7.xml><?xml version="1.0" encoding="utf-8"?>
+<file path=ppt/slides/slide5.xml><?xml version="1.0" encoding="utf-8"?>
 <p:sld xmlns:a="http://schemas.openxmlformats.org/drawingml/2006/main" xmlns:r="http://schemas.openxmlformats.org/officeDocument/2006/relationships" xmlns:p="http://schemas.openxmlformats.org/presentationml/2006/main">
   <p:cSld>
     <p:spTree>
@@ -37774,10 +37438,10 @@
       </p:grpSpPr>
       <p:sp>
         <p:nvSpPr>
-          <p:cNvPr id="2" name="TextBox 2">
+          <p:cNvPr id="3" name="TextBox 2">
             <a:extLst>
               <a:ext uri="{FF2B5EF4-FFF2-40B4-BE49-F238E27FC236}">
-                <a16:creationId xmlns:a16="http://schemas.microsoft.com/office/drawing/2014/main" id="{AAB0FCC4-2D29-4428-8B97-C8C58CD55C57}"/>
+                <a16:creationId xmlns:a16="http://schemas.microsoft.com/office/drawing/2014/main" id="{A32C54CB-70F5-4348-B8F7-13549A5A698A}"/>
               </a:ext>
             </a:extLst>
           </p:cNvPr>
@@ -37974,21 +37638,28 @@
               <a:buNone/>
             </a:pPr>
             <a:r>
+              <a:rPr lang="en-US" altLang="zh-CN" sz="2800" b="1" dirty="0">
+                <a:latin typeface="黑体" pitchFamily="49" charset="-122"/>
+                <a:ea typeface="黑体" pitchFamily="49" charset="-122"/>
+              </a:rPr>
+              <a:t>BMP</a:t>
+            </a:r>
+            <a:r>
               <a:rPr lang="zh-CN" altLang="en-US" sz="2800" b="1" dirty="0">
                 <a:latin typeface="黑体" pitchFamily="49" charset="-122"/>
                 <a:ea typeface="黑体" pitchFamily="49" charset="-122"/>
               </a:rPr>
-              <a:t>各种花纹图案的制作</a:t>
+              <a:t>图片编写绘制</a:t>
             </a:r>
           </a:p>
         </p:txBody>
       </p:sp>
       <p:pic>
         <p:nvPicPr>
-          <p:cNvPr id="4" name="图片 3">
+          <p:cNvPr id="2" name="图片 1">
             <a:extLst>
               <a:ext uri="{FF2B5EF4-FFF2-40B4-BE49-F238E27FC236}">
-                <a16:creationId xmlns:a16="http://schemas.microsoft.com/office/drawing/2014/main" id="{E629BE9A-6133-45BE-97DF-11A6CFDEADEA}"/>
+                <a16:creationId xmlns:a16="http://schemas.microsoft.com/office/drawing/2014/main" id="{0E3A10B4-C02F-4FED-9D8D-C1CBD4B4001A}"/>
               </a:ext>
             </a:extLst>
           </p:cNvPr>
@@ -37998,74 +37669,27 @@
           <p:nvPr/>
         </p:nvPicPr>
         <p:blipFill>
-          <a:blip r:embed="rId2">
-            <a:extLst>
-              <a:ext uri="{28A0092B-C50C-407E-A947-70E740481C1C}">
-                <a14:useLocalDpi xmlns:a14="http://schemas.microsoft.com/office/drawing/2010/main" val="0"/>
-              </a:ext>
-            </a:extLst>
-          </a:blip>
+          <a:blip r:embed="rId2"/>
           <a:stretch>
             <a:fillRect/>
           </a:stretch>
         </p:blipFill>
         <p:spPr>
           <a:xfrm>
-            <a:off x="177987" y="979878"/>
-            <a:ext cx="2954321" cy="4437462"/>
+            <a:off x="2659502" y="907845"/>
+            <a:ext cx="6338904" cy="3945082"/>
           </a:xfrm>
           <a:prstGeom prst="rect">
             <a:avLst/>
           </a:prstGeom>
         </p:spPr>
       </p:pic>
-      <p:sp>
-        <p:nvSpPr>
-          <p:cNvPr id="5" name="文本框 4">
+      <p:pic>
+        <p:nvPicPr>
+          <p:cNvPr id="5" name="图片 4">
             <a:extLst>
               <a:ext uri="{FF2B5EF4-FFF2-40B4-BE49-F238E27FC236}">
-                <a16:creationId xmlns:a16="http://schemas.microsoft.com/office/drawing/2014/main" id="{02614802-B0F2-4FAB-B284-315FD3E272E7}"/>
-              </a:ext>
-            </a:extLst>
-          </p:cNvPr>
-          <p:cNvSpPr txBox="1"/>
-          <p:nvPr/>
-        </p:nvSpPr>
-        <p:spPr>
-          <a:xfrm>
-            <a:off x="322052" y="5493677"/>
-            <a:ext cx="1080495" cy="369332"/>
-          </a:xfrm>
-          <a:prstGeom prst="rect">
-            <a:avLst/>
-          </a:prstGeom>
-          <a:noFill/>
-        </p:spPr>
-        <p:txBody>
-          <a:bodyPr wrap="square" rtlCol="0">
-            <a:spAutoFit/>
-          </a:bodyPr>
-          <a:lstStyle/>
-          <a:p>
-            <a:r>
-              <a:rPr lang="zh-CN" altLang="en-US" b="1" dirty="0">
-                <a:solidFill>
-                  <a:srgbClr val="004C22"/>
-                </a:solidFill>
-                <a:latin typeface="仿宋" panose="02010609060101010101" pitchFamily="49" charset="-122"/>
-                <a:ea typeface="仿宋" panose="02010609060101010101" pitchFamily="49" charset="-122"/>
-              </a:rPr>
-              <a:t>年轮型</a:t>
-            </a:r>
-          </a:p>
-        </p:txBody>
-      </p:sp>
-      <p:pic>
-        <p:nvPicPr>
-          <p:cNvPr id="6" name="图片 5">
-            <a:extLst>
-              <a:ext uri="{FF2B5EF4-FFF2-40B4-BE49-F238E27FC236}">
-                <a16:creationId xmlns:a16="http://schemas.microsoft.com/office/drawing/2014/main" id="{EA330D97-C8C4-41F4-85AE-BDE6DAAF701D}"/>
+                <a16:creationId xmlns:a16="http://schemas.microsoft.com/office/drawing/2014/main" id="{0F96498C-3B91-4317-815D-9B4DD3C1D9B5}"/>
               </a:ext>
             </a:extLst>
           </p:cNvPr>
@@ -38082,59 +37706,18 @@
         </p:blipFill>
         <p:spPr>
           <a:xfrm>
-            <a:off x="3203373" y="979878"/>
-            <a:ext cx="4607788" cy="3889782"/>
+            <a:off x="106556" y="4663891"/>
+            <a:ext cx="4177913" cy="2174600"/>
           </a:xfrm>
           <a:prstGeom prst="rect">
             <a:avLst/>
           </a:prstGeom>
         </p:spPr>
       </p:pic>
-      <p:sp>
-        <p:nvSpPr>
-          <p:cNvPr id="7" name="文本框 6">
-            <a:extLst>
-              <a:ext uri="{FF2B5EF4-FFF2-40B4-BE49-F238E27FC236}">
-                <a16:creationId xmlns:a16="http://schemas.microsoft.com/office/drawing/2014/main" id="{03272A94-23C2-4D67-957D-820D5E9F604A}"/>
-              </a:ext>
-            </a:extLst>
-          </p:cNvPr>
-          <p:cNvSpPr txBox="1"/>
-          <p:nvPr/>
-        </p:nvSpPr>
-        <p:spPr>
-          <a:xfrm>
-            <a:off x="7885518" y="979878"/>
-            <a:ext cx="1080495" cy="369332"/>
-          </a:xfrm>
-          <a:prstGeom prst="rect">
-            <a:avLst/>
-          </a:prstGeom>
-          <a:noFill/>
-        </p:spPr>
-        <p:txBody>
-          <a:bodyPr wrap="square" rtlCol="0">
-            <a:spAutoFit/>
-          </a:bodyPr>
-          <a:lstStyle/>
-          <a:p>
-            <a:r>
-              <a:rPr lang="zh-CN" altLang="en-US" b="1" dirty="0">
-                <a:solidFill>
-                  <a:srgbClr val="004C22"/>
-                </a:solidFill>
-                <a:latin typeface="仿宋" panose="02010609060101010101" pitchFamily="49" charset="-122"/>
-                <a:ea typeface="仿宋" panose="02010609060101010101" pitchFamily="49" charset="-122"/>
-              </a:rPr>
-              <a:t>树型</a:t>
-            </a:r>
-          </a:p>
-        </p:txBody>
-      </p:sp>
     </p:spTree>
     <p:extLst>
       <p:ext uri="{BB962C8B-B14F-4D97-AF65-F5344CB8AC3E}">
-        <p14:creationId xmlns:p14="http://schemas.microsoft.com/office/powerpoint/2010/main" val="1428271217"/>
+        <p14:creationId xmlns:p14="http://schemas.microsoft.com/office/powerpoint/2010/main" val="4219929530"/>
       </p:ext>
     </p:extLst>
   </p:cSld>
@@ -38144,7 +37727,7 @@
 </p:sld>
 </file>
 
-<file path=ppt/slides/slide8.xml><?xml version="1.0" encoding="utf-8"?>
+<file path=ppt/slides/slide6.xml><?xml version="1.0" encoding="utf-8"?>
 <p:sld xmlns:a="http://schemas.openxmlformats.org/drawingml/2006/main" xmlns:r="http://schemas.openxmlformats.org/officeDocument/2006/relationships" xmlns:p="http://schemas.openxmlformats.org/presentationml/2006/main">
   <p:cSld>
     <p:spTree>
@@ -38166,11 +37749,13 @@
           <p:cNvPr id="2" name="图片 1">
             <a:extLst>
               <a:ext uri="{FF2B5EF4-FFF2-40B4-BE49-F238E27FC236}">
-                <a16:creationId xmlns:a16="http://schemas.microsoft.com/office/drawing/2014/main" id="{BF96DDA1-8855-4D23-B2ED-E7A50C3714F2}"/>
+                <a16:creationId xmlns:a16="http://schemas.microsoft.com/office/drawing/2014/main" id="{A2D9F810-55ED-4168-8BCC-2E1549AA63C7}"/>
               </a:ext>
             </a:extLst>
           </p:cNvPr>
-          <p:cNvPicPr/>
+          <p:cNvPicPr>
+            <a:picLocks noChangeAspect="1"/>
+          </p:cNvPicPr>
           <p:nvPr/>
         </p:nvPicPr>
         <p:blipFill>
@@ -38181,8 +37766,8 @@
         </p:blipFill>
         <p:spPr>
           <a:xfrm>
-            <a:off x="177987" y="979878"/>
-            <a:ext cx="4826211" cy="4105881"/>
+            <a:off x="105954" y="1195977"/>
+            <a:ext cx="9144000" cy="1884594"/>
           </a:xfrm>
           <a:prstGeom prst="rect">
             <a:avLst/>
@@ -38194,11 +37779,13 @@
           <p:cNvPr id="3" name="图片 2">
             <a:extLst>
               <a:ext uri="{FF2B5EF4-FFF2-40B4-BE49-F238E27FC236}">
-                <a16:creationId xmlns:a16="http://schemas.microsoft.com/office/drawing/2014/main" id="{55B82F66-5762-4B36-8AB7-E0E5A6B3C663}"/>
+                <a16:creationId xmlns:a16="http://schemas.microsoft.com/office/drawing/2014/main" id="{0496E5B5-46B0-4222-A42E-C12D57DE44B0}"/>
               </a:ext>
             </a:extLst>
           </p:cNvPr>
-          <p:cNvPicPr/>
+          <p:cNvPicPr>
+            <a:picLocks noChangeAspect="1"/>
+          </p:cNvPicPr>
           <p:nvPr/>
         </p:nvPicPr>
         <p:blipFill>
@@ -38209,59 +37796,48 @@
         </p:blipFill>
         <p:spPr>
           <a:xfrm>
-            <a:off x="3635571" y="5177717"/>
-            <a:ext cx="5274310" cy="1400810"/>
+            <a:off x="754251" y="3399540"/>
+            <a:ext cx="1800000" cy="1914286"/>
           </a:xfrm>
           <a:prstGeom prst="rect">
             <a:avLst/>
           </a:prstGeom>
         </p:spPr>
       </p:pic>
-      <p:sp>
-        <p:nvSpPr>
-          <p:cNvPr id="4" name="文本框 3">
+      <p:pic>
+        <p:nvPicPr>
+          <p:cNvPr id="4" name="图片 3">
             <a:extLst>
               <a:ext uri="{FF2B5EF4-FFF2-40B4-BE49-F238E27FC236}">
-                <a16:creationId xmlns:a16="http://schemas.microsoft.com/office/drawing/2014/main" id="{16F142B0-C2E6-4C48-8AFE-C21668617506}"/>
+                <a16:creationId xmlns:a16="http://schemas.microsoft.com/office/drawing/2014/main" id="{6300D5BA-ECCF-42A0-B0BA-90536FDD4092}"/>
               </a:ext>
             </a:extLst>
           </p:cNvPr>
-          <p:cNvSpPr txBox="1"/>
+          <p:cNvPicPr>
+            <a:picLocks noChangeAspect="1"/>
+          </p:cNvPicPr>
           <p:nvPr/>
-        </p:nvSpPr>
+        </p:nvPicPr>
+        <p:blipFill>
+          <a:blip r:embed="rId4"/>
+          <a:stretch>
+            <a:fillRect/>
+          </a:stretch>
+        </p:blipFill>
         <p:spPr>
           <a:xfrm>
-            <a:off x="1690680" y="5177717"/>
-            <a:ext cx="1080495" cy="369332"/>
+            <a:off x="2554251" y="3416144"/>
+            <a:ext cx="3676190" cy="1885714"/>
           </a:xfrm>
           <a:prstGeom prst="rect">
             <a:avLst/>
           </a:prstGeom>
-          <a:noFill/>
         </p:spPr>
-        <p:txBody>
-          <a:bodyPr wrap="square" rtlCol="0">
-            <a:spAutoFit/>
-          </a:bodyPr>
-          <a:lstStyle/>
-          <a:p>
-            <a:r>
-              <a:rPr lang="zh-CN" altLang="en-US" b="1" dirty="0">
-                <a:solidFill>
-                  <a:srgbClr val="004C22"/>
-                </a:solidFill>
-                <a:latin typeface="仿宋" panose="02010609060101010101" pitchFamily="49" charset="-122"/>
-                <a:ea typeface="仿宋" panose="02010609060101010101" pitchFamily="49" charset="-122"/>
-              </a:rPr>
-              <a:t>大脑</a:t>
-            </a:r>
-          </a:p>
-        </p:txBody>
-      </p:sp>
+      </p:pic>
     </p:spTree>
     <p:extLst>
       <p:ext uri="{BB962C8B-B14F-4D97-AF65-F5344CB8AC3E}">
-        <p14:creationId xmlns:p14="http://schemas.microsoft.com/office/powerpoint/2010/main" val="3689091340"/>
+        <p14:creationId xmlns:p14="http://schemas.microsoft.com/office/powerpoint/2010/main" val="3700080730"/>
       </p:ext>
     </p:extLst>
   </p:cSld>
@@ -38271,7 +37847,7 @@
 </p:sld>
 </file>
 
-<file path=ppt/slides/slide9.xml><?xml version="1.0" encoding="utf-8"?>
+<file path=ppt/slides/slide7.xml><?xml version="1.0" encoding="utf-8"?>
 <p:sld xmlns:a="http://schemas.openxmlformats.org/drawingml/2006/main" xmlns:r="http://schemas.openxmlformats.org/officeDocument/2006/relationships" xmlns:p="http://schemas.openxmlformats.org/presentationml/2006/main">
   <p:cSld>
     <p:spTree>
@@ -38288,9 +37864,39 @@
           <a:chExt cx="0" cy="0"/>
         </a:xfrm>
       </p:grpSpPr>
-      <p:sp>
-        <p:nvSpPr>
-          <p:cNvPr id="116738" name="TextBox 2"/>
+      <p:pic>
+        <p:nvPicPr>
+          <p:cNvPr id="6" name="图片 5">
+            <a:extLst>
+              <a:ext uri="{FF2B5EF4-FFF2-40B4-BE49-F238E27FC236}">
+                <a16:creationId xmlns:a16="http://schemas.microsoft.com/office/drawing/2014/main" id="{EE0D7F21-67CA-4689-BB26-B6070C554E36}"/>
+              </a:ext>
+            </a:extLst>
+          </p:cNvPr>
+          <p:cNvPicPr>
+            <a:picLocks noChangeAspect="1"/>
+          </p:cNvPicPr>
+          <p:nvPr/>
+        </p:nvPicPr>
+        <p:blipFill>
+          <a:blip r:embed="rId2"/>
+          <a:stretch>
+            <a:fillRect/>
+          </a:stretch>
+        </p:blipFill>
+        <p:spPr>
+          <a:xfrm>
+            <a:off x="77532" y="2836305"/>
+            <a:ext cx="1829628" cy="2033355"/>
+          </a:xfrm>
+          <a:prstGeom prst="rect">
+            <a:avLst/>
+          </a:prstGeom>
+        </p:spPr>
+      </p:pic>
+      <p:sp>
+        <p:nvSpPr>
+          <p:cNvPr id="114690" name="TextBox 2"/>
           <p:cNvSpPr txBox="1">
             <a:spLocks noChangeArrowheads="1"/>
           </p:cNvSpPr>
@@ -38299,7 +37905,7 @@
         <p:spPr bwMode="auto">
           <a:xfrm>
             <a:off x="2195513" y="241300"/>
-            <a:ext cx="5473906" cy="523220"/>
+            <a:ext cx="6266270" cy="523220"/>
           </a:xfrm>
           <a:prstGeom prst="rect">
             <a:avLst/>
@@ -38481,22 +38087,288 @@
               <a:spcBef>
                 <a:spcPct val="0"/>
               </a:spcBef>
-              <a:buFont typeface="Arial" charset="0"/>
               <a:buNone/>
             </a:pPr>
+            <a:r>
+              <a:rPr lang="en-US" altLang="zh-CN" sz="2800" b="1" dirty="0">
+                <a:latin typeface="黑体" pitchFamily="49" charset="-122"/>
+                <a:ea typeface="黑体" pitchFamily="49" charset="-122"/>
+              </a:rPr>
+              <a:t>DXF</a:t>
+            </a:r>
             <a:r>
               <a:rPr lang="zh-CN" altLang="en-US" sz="2800" b="1" dirty="0">
                 <a:latin typeface="黑体" pitchFamily="49" charset="-122"/>
                 <a:ea typeface="黑体" pitchFamily="49" charset="-122"/>
               </a:rPr>
-              <a:t>下一步工作</a:t>
-            </a:r>
-          </a:p>
-        </p:txBody>
-      </p:sp>
-      <p:sp>
-        <p:nvSpPr>
-          <p:cNvPr id="4" name="TextBox 3"/>
+              <a:t>、</a:t>
+            </a:r>
+            <a:r>
+              <a:rPr lang="en-US" altLang="zh-CN" sz="2800" b="1" dirty="0">
+                <a:latin typeface="黑体" pitchFamily="49" charset="-122"/>
+                <a:ea typeface="黑体" pitchFamily="49" charset="-122"/>
+              </a:rPr>
+              <a:t>BMP</a:t>
+            </a:r>
+            <a:r>
+              <a:rPr lang="zh-CN" altLang="en-US" sz="2800" b="1" dirty="0">
+                <a:latin typeface="黑体" pitchFamily="49" charset="-122"/>
+                <a:ea typeface="黑体" pitchFamily="49" charset="-122"/>
+              </a:rPr>
+              <a:t>图片编写绘制</a:t>
+            </a:r>
+          </a:p>
+        </p:txBody>
+      </p:sp>
+      <p:pic>
+        <p:nvPicPr>
+          <p:cNvPr id="2" name="图片 1">
+            <a:extLst>
+              <a:ext uri="{FF2B5EF4-FFF2-40B4-BE49-F238E27FC236}">
+                <a16:creationId xmlns:a16="http://schemas.microsoft.com/office/drawing/2014/main" id="{5A460DAA-6805-4BE3-A3BC-AA9696B22705}"/>
+              </a:ext>
+            </a:extLst>
+          </p:cNvPr>
+          <p:cNvPicPr>
+            <a:picLocks noChangeAspect="1"/>
+          </p:cNvPicPr>
+          <p:nvPr/>
+        </p:nvPicPr>
+        <p:blipFill>
+          <a:blip r:embed="rId3"/>
+          <a:stretch>
+            <a:fillRect/>
+          </a:stretch>
+        </p:blipFill>
+        <p:spPr>
+          <a:xfrm>
+            <a:off x="177987" y="979878"/>
+            <a:ext cx="2233023" cy="2033355"/>
+          </a:xfrm>
+          <a:prstGeom prst="rect">
+            <a:avLst/>
+          </a:prstGeom>
+        </p:spPr>
+      </p:pic>
+      <p:pic>
+        <p:nvPicPr>
+          <p:cNvPr id="5" name="图片 4">
+            <a:extLst>
+              <a:ext uri="{FF2B5EF4-FFF2-40B4-BE49-F238E27FC236}">
+                <a16:creationId xmlns:a16="http://schemas.microsoft.com/office/drawing/2014/main" id="{D0242802-5854-46C2-A70C-9CDDB44C2C1D}"/>
+              </a:ext>
+            </a:extLst>
+          </p:cNvPr>
+          <p:cNvPicPr>
+            <a:picLocks noChangeAspect="1"/>
+          </p:cNvPicPr>
+          <p:nvPr/>
+        </p:nvPicPr>
+        <p:blipFill>
+          <a:blip r:embed="rId4"/>
+          <a:stretch>
+            <a:fillRect/>
+          </a:stretch>
+        </p:blipFill>
+        <p:spPr>
+          <a:xfrm>
+            <a:off x="31372" y="4630787"/>
+            <a:ext cx="9144000" cy="1884594"/>
+          </a:xfrm>
+          <a:prstGeom prst="rect">
+            <a:avLst/>
+          </a:prstGeom>
+        </p:spPr>
+      </p:pic>
+      <p:pic>
+        <p:nvPicPr>
+          <p:cNvPr id="3" name="图片 2">
+            <a:extLst>
+              <a:ext uri="{FF2B5EF4-FFF2-40B4-BE49-F238E27FC236}">
+                <a16:creationId xmlns:a16="http://schemas.microsoft.com/office/drawing/2014/main" id="{D9E0BE0E-7BAA-4ACE-8E07-E71A72D76CC8}"/>
+              </a:ext>
+            </a:extLst>
+          </p:cNvPr>
+          <p:cNvPicPr>
+            <a:picLocks noChangeAspect="1"/>
+          </p:cNvPicPr>
+          <p:nvPr/>
+        </p:nvPicPr>
+        <p:blipFill>
+          <a:blip r:embed="rId5"/>
+          <a:stretch>
+            <a:fillRect/>
+          </a:stretch>
+        </p:blipFill>
+        <p:spPr>
+          <a:xfrm>
+            <a:off x="2505519" y="979878"/>
+            <a:ext cx="5906706" cy="3706759"/>
+          </a:xfrm>
+          <a:prstGeom prst="rect">
+            <a:avLst/>
+          </a:prstGeom>
+        </p:spPr>
+      </p:pic>
+      <p:sp>
+        <p:nvSpPr>
+          <p:cNvPr id="9" name="文本框 8">
+            <a:extLst>
+              <a:ext uri="{FF2B5EF4-FFF2-40B4-BE49-F238E27FC236}">
+                <a16:creationId xmlns:a16="http://schemas.microsoft.com/office/drawing/2014/main" id="{4608D061-64AA-4BB3-AA23-7DE069FA04CC}"/>
+              </a:ext>
+            </a:extLst>
+          </p:cNvPr>
+          <p:cNvSpPr txBox="1"/>
+          <p:nvPr/>
+        </p:nvSpPr>
+        <p:spPr>
+          <a:xfrm>
+            <a:off x="2338977" y="6192215"/>
+            <a:ext cx="4373313" cy="646331"/>
+          </a:xfrm>
+          <a:prstGeom prst="rect">
+            <a:avLst/>
+          </a:prstGeom>
+          <a:noFill/>
+        </p:spPr>
+        <p:txBody>
+          <a:bodyPr wrap="none" rtlCol="0">
+            <a:spAutoFit/>
+          </a:bodyPr>
+          <a:lstStyle/>
+          <a:p>
+            <a:r>
+              <a:rPr lang="en-US" altLang="zh-CN" b="1" dirty="0">
+                <a:solidFill>
+                  <a:srgbClr val="004C22"/>
+                </a:solidFill>
+                <a:latin typeface="仿宋" panose="02010609060101010101" pitchFamily="49" charset="-122"/>
+                <a:ea typeface="仿宋" panose="02010609060101010101" pitchFamily="49" charset="-122"/>
+              </a:rPr>
+              <a:t>1.</a:t>
+            </a:r>
+            <a:r>
+              <a:rPr lang="zh-CN" altLang="en-US" b="1" dirty="0">
+                <a:solidFill>
+                  <a:srgbClr val="004C22"/>
+                </a:solidFill>
+                <a:latin typeface="仿宋" panose="02010609060101010101" pitchFamily="49" charset="-122"/>
+                <a:ea typeface="仿宋" panose="02010609060101010101" pitchFamily="49" charset="-122"/>
+              </a:rPr>
+              <a:t>利用灰度等级表达</a:t>
+            </a:r>
+            <a:r>
+              <a:rPr lang="en-US" altLang="zh-CN" b="1" dirty="0">
+                <a:solidFill>
+                  <a:srgbClr val="004C22"/>
+                </a:solidFill>
+                <a:latin typeface="仿宋" panose="02010609060101010101" pitchFamily="49" charset="-122"/>
+                <a:ea typeface="仿宋" panose="02010609060101010101" pitchFamily="49" charset="-122"/>
+              </a:rPr>
+              <a:t>3D</a:t>
+            </a:r>
+            <a:r>
+              <a:rPr lang="zh-CN" altLang="en-US" b="1" dirty="0">
+                <a:solidFill>
+                  <a:srgbClr val="004C22"/>
+                </a:solidFill>
+                <a:latin typeface="仿宋" panose="02010609060101010101" pitchFamily="49" charset="-122"/>
+                <a:ea typeface="仿宋" panose="02010609060101010101" pitchFamily="49" charset="-122"/>
+              </a:rPr>
+              <a:t>深度，任意</a:t>
+            </a:r>
+            <a:r>
+              <a:rPr lang="en-US" altLang="zh-CN" b="1" dirty="0">
+                <a:solidFill>
+                  <a:srgbClr val="004C22"/>
+                </a:solidFill>
+                <a:latin typeface="仿宋" panose="02010609060101010101" pitchFamily="49" charset="-122"/>
+                <a:ea typeface="仿宋" panose="02010609060101010101" pitchFamily="49" charset="-122"/>
+              </a:rPr>
+              <a:t>3D</a:t>
+            </a:r>
+            <a:r>
+              <a:rPr lang="zh-CN" altLang="en-US" b="1" dirty="0">
+                <a:solidFill>
+                  <a:srgbClr val="004C22"/>
+                </a:solidFill>
+                <a:latin typeface="仿宋" panose="02010609060101010101" pitchFamily="49" charset="-122"/>
+                <a:ea typeface="仿宋" panose="02010609060101010101" pitchFamily="49" charset="-122"/>
+              </a:rPr>
+              <a:t>图形</a:t>
+            </a:r>
+            <a:endParaRPr lang="en-US" altLang="zh-CN" b="1" dirty="0">
+              <a:solidFill>
+                <a:srgbClr val="004C22"/>
+              </a:solidFill>
+              <a:latin typeface="仿宋" panose="02010609060101010101" pitchFamily="49" charset="-122"/>
+              <a:ea typeface="仿宋" panose="02010609060101010101" pitchFamily="49" charset="-122"/>
+            </a:endParaRPr>
+          </a:p>
+          <a:p>
+            <a:r>
+              <a:rPr lang="en-US" altLang="zh-CN" b="1" dirty="0">
+                <a:solidFill>
+                  <a:srgbClr val="004C22"/>
+                </a:solidFill>
+                <a:latin typeface="仿宋" panose="02010609060101010101" pitchFamily="49" charset="-122"/>
+                <a:ea typeface="仿宋" panose="02010609060101010101" pitchFamily="49" charset="-122"/>
+              </a:rPr>
+              <a:t>2.</a:t>
+            </a:r>
+            <a:r>
+              <a:rPr lang="zh-CN" altLang="en-US" b="1" dirty="0">
+                <a:solidFill>
+                  <a:srgbClr val="004C22"/>
+                </a:solidFill>
+                <a:latin typeface="仿宋" panose="02010609060101010101" pitchFamily="49" charset="-122"/>
+                <a:ea typeface="仿宋" panose="02010609060101010101" pitchFamily="49" charset="-122"/>
+              </a:rPr>
+              <a:t>矩形、六边形、八边形方式</a:t>
+            </a:r>
+          </a:p>
+        </p:txBody>
+      </p:sp>
+    </p:spTree>
+    <p:extLst>
+      <p:ext uri="{BB962C8B-B14F-4D97-AF65-F5344CB8AC3E}">
+        <p14:creationId xmlns:p14="http://schemas.microsoft.com/office/powerpoint/2010/main" val="4142742847"/>
+      </p:ext>
+    </p:extLst>
+  </p:cSld>
+  <p:clrMapOvr>
+    <a:masterClrMapping/>
+  </p:clrMapOvr>
+</p:sld>
+</file>
+
+<file path=ppt/slides/slide8.xml><?xml version="1.0" encoding="utf-8"?>
+<p:sld xmlns:a="http://schemas.openxmlformats.org/drawingml/2006/main" xmlns:r="http://schemas.openxmlformats.org/officeDocument/2006/relationships" xmlns:p="http://schemas.openxmlformats.org/presentationml/2006/main">
+  <p:cSld>
+    <p:spTree>
+      <p:nvGrpSpPr>
+        <p:cNvPr id="1" name=""/>
+        <p:cNvGrpSpPr/>
+        <p:nvPr/>
+      </p:nvGrpSpPr>
+      <p:grpSpPr>
+        <a:xfrm>
+          <a:off x="0" y="0"/>
+          <a:ext cx="0" cy="0"/>
+          <a:chOff x="0" y="0"/>
+          <a:chExt cx="0" cy="0"/>
+        </a:xfrm>
+      </p:grpSpPr>
+      <p:sp>
+        <p:nvSpPr>
+          <p:cNvPr id="2" name="TextBox 2">
+            <a:extLst>
+              <a:ext uri="{FF2B5EF4-FFF2-40B4-BE49-F238E27FC236}">
+                <a16:creationId xmlns:a16="http://schemas.microsoft.com/office/drawing/2014/main" id="{AAB0FCC4-2D29-4428-8B97-C8C58CD55C57}"/>
+              </a:ext>
+            </a:extLst>
+          </p:cNvPr>
           <p:cNvSpPr txBox="1">
             <a:spLocks noChangeArrowheads="1"/>
           </p:cNvSpPr>
@@ -38504,8 +38376,8 @@
         </p:nvSpPr>
         <p:spPr bwMode="auto">
           <a:xfrm>
-            <a:off x="250020" y="1916307"/>
-            <a:ext cx="7923630" cy="769441"/>
+            <a:off x="2195513" y="241300"/>
+            <a:ext cx="6266270" cy="523220"/>
           </a:xfrm>
           <a:prstGeom prst="rect">
             <a:avLst/>
@@ -38683,52 +38555,301 @@
             </a:lvl9pPr>
           </a:lstStyle>
           <a:p>
-            <a:pPr lvl="1">
-              <a:buFont typeface="Wingdings" pitchFamily="2" charset="2"/>
-              <a:buChar char="Ø"/>
+            <a:pPr eaLnBrk="1" hangingPunct="1">
+              <a:spcBef>
+                <a:spcPct val="0"/>
+              </a:spcBef>
+              <a:buNone/>
             </a:pPr>
             <a:r>
-              <a:rPr lang="zh-CN" altLang="en-US" sz="2000" dirty="0">
-                <a:latin typeface="华文仿宋" pitchFamily="2" charset="-122"/>
-                <a:ea typeface="华文仿宋" pitchFamily="2" charset="-122"/>
+              <a:rPr lang="zh-CN" altLang="en-US" sz="2800" b="1" dirty="0">
+                <a:latin typeface="黑体" pitchFamily="49" charset="-122"/>
+                <a:ea typeface="黑体" pitchFamily="49" charset="-122"/>
               </a:rPr>
-              <a:t>曲面复眼适应性开发</a:t>
-            </a:r>
-            <a:endParaRPr lang="en-US" altLang="zh-CN" sz="2000" dirty="0">
-              <a:latin typeface="华文仿宋" pitchFamily="2" charset="-122"/>
-              <a:ea typeface="华文仿宋" pitchFamily="2" charset="-122"/>
-            </a:endParaRPr>
-          </a:p>
-          <a:p>
-            <a:pPr lvl="1">
-              <a:buFont typeface="Wingdings" pitchFamily="2" charset="2"/>
-              <a:buChar char="Ø"/>
-            </a:pPr>
-            <a:r>
-              <a:rPr lang="en-US" altLang="zh-CN" sz="2000" dirty="0">
-                <a:latin typeface="华文仿宋" pitchFamily="2" charset="-122"/>
-                <a:ea typeface="华文仿宋" pitchFamily="2" charset="-122"/>
+              <a:t>各种花纹图案的制作</a:t>
+            </a:r>
+          </a:p>
+        </p:txBody>
+      </p:sp>
+      <p:pic>
+        <p:nvPicPr>
+          <p:cNvPr id="4" name="图片 3">
+            <a:extLst>
+              <a:ext uri="{FF2B5EF4-FFF2-40B4-BE49-F238E27FC236}">
+                <a16:creationId xmlns:a16="http://schemas.microsoft.com/office/drawing/2014/main" id="{E629BE9A-6133-45BE-97DF-11A6CFDEADEA}"/>
+              </a:ext>
+            </a:extLst>
+          </p:cNvPr>
+          <p:cNvPicPr>
+            <a:picLocks noChangeAspect="1"/>
+          </p:cNvPicPr>
+          <p:nvPr/>
+        </p:nvPicPr>
+        <p:blipFill>
+          <a:blip r:embed="rId2">
+            <a:extLst>
+              <a:ext uri="{28A0092B-C50C-407E-A947-70E740481C1C}">
+                <a14:useLocalDpi xmlns:a14="http://schemas.microsoft.com/office/drawing/2010/main" val="0"/>
+              </a:ext>
+            </a:extLst>
+          </a:blip>
+          <a:stretch>
+            <a:fillRect/>
+          </a:stretch>
+        </p:blipFill>
+        <p:spPr>
+          <a:xfrm>
+            <a:off x="177987" y="979878"/>
+            <a:ext cx="2954321" cy="4437462"/>
+          </a:xfrm>
+          <a:prstGeom prst="rect">
+            <a:avLst/>
+          </a:prstGeom>
+        </p:spPr>
+      </p:pic>
+      <p:sp>
+        <p:nvSpPr>
+          <p:cNvPr id="5" name="文本框 4">
+            <a:extLst>
+              <a:ext uri="{FF2B5EF4-FFF2-40B4-BE49-F238E27FC236}">
+                <a16:creationId xmlns:a16="http://schemas.microsoft.com/office/drawing/2014/main" id="{02614802-B0F2-4FAB-B284-315FD3E272E7}"/>
+              </a:ext>
+            </a:extLst>
+          </p:cNvPr>
+          <p:cNvSpPr txBox="1"/>
+          <p:nvPr/>
+        </p:nvSpPr>
+        <p:spPr>
+          <a:xfrm>
+            <a:off x="322052" y="5493677"/>
+            <a:ext cx="1080495" cy="369332"/>
+          </a:xfrm>
+          <a:prstGeom prst="rect">
+            <a:avLst/>
+          </a:prstGeom>
+          <a:noFill/>
+        </p:spPr>
+        <p:txBody>
+          <a:bodyPr wrap="square" rtlCol="0">
+            <a:spAutoFit/>
+          </a:bodyPr>
+          <a:lstStyle/>
+          <a:p>
+            <a:r>
+              <a:rPr lang="zh-CN" altLang="en-US" b="1" dirty="0">
+                <a:solidFill>
+                  <a:srgbClr val="004C22"/>
+                </a:solidFill>
+                <a:latin typeface="仿宋" panose="02010609060101010101" pitchFamily="49" charset="-122"/>
+                <a:ea typeface="仿宋" panose="02010609060101010101" pitchFamily="49" charset="-122"/>
               </a:rPr>
-              <a:t>BMP</a:t>
-            </a:r>
-            <a:r>
-              <a:rPr lang="zh-CN" altLang="en-US" sz="2000" dirty="0">
-                <a:latin typeface="华文仿宋" pitchFamily="2" charset="-122"/>
-                <a:ea typeface="华文仿宋" pitchFamily="2" charset="-122"/>
+              <a:t>年轮型</a:t>
+            </a:r>
+          </a:p>
+        </p:txBody>
+      </p:sp>
+      <p:pic>
+        <p:nvPicPr>
+          <p:cNvPr id="6" name="图片 5">
+            <a:extLst>
+              <a:ext uri="{FF2B5EF4-FFF2-40B4-BE49-F238E27FC236}">
+                <a16:creationId xmlns:a16="http://schemas.microsoft.com/office/drawing/2014/main" id="{EA330D97-C8C4-41F4-85AE-BDE6DAAF701D}"/>
+              </a:ext>
+            </a:extLst>
+          </p:cNvPr>
+          <p:cNvPicPr>
+            <a:picLocks noChangeAspect="1"/>
+          </p:cNvPicPr>
+          <p:nvPr/>
+        </p:nvPicPr>
+        <p:blipFill>
+          <a:blip r:embed="rId3"/>
+          <a:stretch>
+            <a:fillRect/>
+          </a:stretch>
+        </p:blipFill>
+        <p:spPr>
+          <a:xfrm>
+            <a:off x="3203373" y="979878"/>
+            <a:ext cx="4607788" cy="3889782"/>
+          </a:xfrm>
+          <a:prstGeom prst="rect">
+            <a:avLst/>
+          </a:prstGeom>
+        </p:spPr>
+      </p:pic>
+      <p:sp>
+        <p:nvSpPr>
+          <p:cNvPr id="7" name="文本框 6">
+            <a:extLst>
+              <a:ext uri="{FF2B5EF4-FFF2-40B4-BE49-F238E27FC236}">
+                <a16:creationId xmlns:a16="http://schemas.microsoft.com/office/drawing/2014/main" id="{03272A94-23C2-4D67-957D-820D5E9F604A}"/>
+              </a:ext>
+            </a:extLst>
+          </p:cNvPr>
+          <p:cNvSpPr txBox="1"/>
+          <p:nvPr/>
+        </p:nvSpPr>
+        <p:spPr>
+          <a:xfrm>
+            <a:off x="7885518" y="979878"/>
+            <a:ext cx="1080495" cy="369332"/>
+          </a:xfrm>
+          <a:prstGeom prst="rect">
+            <a:avLst/>
+          </a:prstGeom>
+          <a:noFill/>
+        </p:spPr>
+        <p:txBody>
+          <a:bodyPr wrap="square" rtlCol="0">
+            <a:spAutoFit/>
+          </a:bodyPr>
+          <a:lstStyle/>
+          <a:p>
+            <a:r>
+              <a:rPr lang="zh-CN" altLang="en-US" b="1" dirty="0">
+                <a:solidFill>
+                  <a:srgbClr val="004C22"/>
+                </a:solidFill>
+                <a:latin typeface="仿宋" panose="02010609060101010101" pitchFamily="49" charset="-122"/>
+                <a:ea typeface="仿宋" panose="02010609060101010101" pitchFamily="49" charset="-122"/>
               </a:rPr>
-              <a:t>图形误差修正功能开发</a:t>
-            </a:r>
-            <a:endParaRPr lang="en-US" altLang="zh-CN" sz="2000" dirty="0">
-              <a:latin typeface="华文仿宋" pitchFamily="2" charset="-122"/>
-              <a:ea typeface="华文仿宋" pitchFamily="2" charset="-122"/>
-            </a:endParaRPr>
+              <a:t>树型</a:t>
+            </a:r>
           </a:p>
         </p:txBody>
       </p:sp>
     </p:spTree>
     <p:extLst>
       <p:ext uri="{BB962C8B-B14F-4D97-AF65-F5344CB8AC3E}">
-        <p14:creationId xmlns:p14="http://schemas.microsoft.com/office/powerpoint/2010/main" val="1427732326"/>
+        <p14:creationId xmlns:p14="http://schemas.microsoft.com/office/powerpoint/2010/main" val="1428271217"/>
+      </p:ext>
+    </p:extLst>
+  </p:cSld>
+  <p:clrMapOvr>
+    <a:masterClrMapping/>
+  </p:clrMapOvr>
+</p:sld>
+</file>
+
+<file path=ppt/slides/slide9.xml><?xml version="1.0" encoding="utf-8"?>
+<p:sld xmlns:a="http://schemas.openxmlformats.org/drawingml/2006/main" xmlns:r="http://schemas.openxmlformats.org/officeDocument/2006/relationships" xmlns:p="http://schemas.openxmlformats.org/presentationml/2006/main">
+  <p:cSld>
+    <p:spTree>
+      <p:nvGrpSpPr>
+        <p:cNvPr id="1" name=""/>
+        <p:cNvGrpSpPr/>
+        <p:nvPr/>
+      </p:nvGrpSpPr>
+      <p:grpSpPr>
+        <a:xfrm>
+          <a:off x="0" y="0"/>
+          <a:ext cx="0" cy="0"/>
+          <a:chOff x="0" y="0"/>
+          <a:chExt cx="0" cy="0"/>
+        </a:xfrm>
+      </p:grpSpPr>
+      <p:pic>
+        <p:nvPicPr>
+          <p:cNvPr id="2" name="图片 1">
+            <a:extLst>
+              <a:ext uri="{FF2B5EF4-FFF2-40B4-BE49-F238E27FC236}">
+                <a16:creationId xmlns:a16="http://schemas.microsoft.com/office/drawing/2014/main" id="{BF96DDA1-8855-4D23-B2ED-E7A50C3714F2}"/>
+              </a:ext>
+            </a:extLst>
+          </p:cNvPr>
+          <p:cNvPicPr/>
+          <p:nvPr/>
+        </p:nvPicPr>
+        <p:blipFill>
+          <a:blip r:embed="rId2"/>
+          <a:stretch>
+            <a:fillRect/>
+          </a:stretch>
+        </p:blipFill>
+        <p:spPr>
+          <a:xfrm>
+            <a:off x="177987" y="979878"/>
+            <a:ext cx="4826211" cy="4105881"/>
+          </a:xfrm>
+          <a:prstGeom prst="rect">
+            <a:avLst/>
+          </a:prstGeom>
+        </p:spPr>
+      </p:pic>
+      <p:pic>
+        <p:nvPicPr>
+          <p:cNvPr id="3" name="图片 2">
+            <a:extLst>
+              <a:ext uri="{FF2B5EF4-FFF2-40B4-BE49-F238E27FC236}">
+                <a16:creationId xmlns:a16="http://schemas.microsoft.com/office/drawing/2014/main" id="{55B82F66-5762-4B36-8AB7-E0E5A6B3C663}"/>
+              </a:ext>
+            </a:extLst>
+          </p:cNvPr>
+          <p:cNvPicPr/>
+          <p:nvPr/>
+        </p:nvPicPr>
+        <p:blipFill>
+          <a:blip r:embed="rId3"/>
+          <a:stretch>
+            <a:fillRect/>
+          </a:stretch>
+        </p:blipFill>
+        <p:spPr>
+          <a:xfrm>
+            <a:off x="3635571" y="5177717"/>
+            <a:ext cx="5274310" cy="1400810"/>
+          </a:xfrm>
+          <a:prstGeom prst="rect">
+            <a:avLst/>
+          </a:prstGeom>
+        </p:spPr>
+      </p:pic>
+      <p:sp>
+        <p:nvSpPr>
+          <p:cNvPr id="4" name="文本框 3">
+            <a:extLst>
+              <a:ext uri="{FF2B5EF4-FFF2-40B4-BE49-F238E27FC236}">
+                <a16:creationId xmlns:a16="http://schemas.microsoft.com/office/drawing/2014/main" id="{16F142B0-C2E6-4C48-8AFE-C21668617506}"/>
+              </a:ext>
+            </a:extLst>
+          </p:cNvPr>
+          <p:cNvSpPr txBox="1"/>
+          <p:nvPr/>
+        </p:nvSpPr>
+        <p:spPr>
+          <a:xfrm>
+            <a:off x="1690680" y="5177717"/>
+            <a:ext cx="1080495" cy="369332"/>
+          </a:xfrm>
+          <a:prstGeom prst="rect">
+            <a:avLst/>
+          </a:prstGeom>
+          <a:noFill/>
+        </p:spPr>
+        <p:txBody>
+          <a:bodyPr wrap="square" rtlCol="0">
+            <a:spAutoFit/>
+          </a:bodyPr>
+          <a:lstStyle/>
+          <a:p>
+            <a:r>
+              <a:rPr lang="zh-CN" altLang="en-US" b="1" dirty="0">
+                <a:solidFill>
+                  <a:srgbClr val="004C22"/>
+                </a:solidFill>
+                <a:latin typeface="仿宋" panose="02010609060101010101" pitchFamily="49" charset="-122"/>
+                <a:ea typeface="仿宋" panose="02010609060101010101" pitchFamily="49" charset="-122"/>
+              </a:rPr>
+              <a:t>大脑</a:t>
+            </a:r>
+          </a:p>
+        </p:txBody>
+      </p:sp>
+    </p:spTree>
+    <p:extLst>
+      <p:ext uri="{BB962C8B-B14F-4D97-AF65-F5344CB8AC3E}">
+        <p14:creationId xmlns:p14="http://schemas.microsoft.com/office/powerpoint/2010/main" val="3689091340"/>
       </p:ext>
     </p:extLst>
   </p:cSld>
